--- a/High Level design.pptx
+++ b/High Level design.pptx
@@ -6,6 +6,10 @@
   </p:sldMasterIdLst>
   <p:sldIdLst>
     <p:sldId id="256" r:id="rId2"/>
+    <p:sldId id="259" r:id="rId3"/>
+    <p:sldId id="260" r:id="rId4"/>
+    <p:sldId id="257" r:id="rId5"/>
+    <p:sldId id="258" r:id="rId6"/>
   </p:sldIdLst>
   <p:sldSz cx="9144000" cy="6858000" type="screen4x3"/>
   <p:notesSz cx="6858000" cy="9144000"/>
@@ -288,7 +292,8 @@
           <a:p>
             <a:fld id="{C64A1BA9-AB10-42F0-8875-217221C2C4EA}" type="datetimeFigureOut">
               <a:rPr lang="en-US" smtClean="0"/>
-              <a:t>12/30/2015</a:t>
+              <a:pPr/>
+              <a:t>1/14/2016</a:t>
             </a:fld>
             <a:endParaRPr lang="en-US"/>
           </a:p>
@@ -330,6 +335,7 @@
           <a:p>
             <a:fld id="{07ABE8D5-B6D7-42A5-A4C8-EE22FF996A8B}" type="slidenum">
               <a:rPr lang="en-US" smtClean="0"/>
+              <a:pPr/>
               <a:t>‹#›</a:t>
             </a:fld>
             <a:endParaRPr lang="en-US"/>
@@ -453,7 +459,8 @@
           <a:p>
             <a:fld id="{C64A1BA9-AB10-42F0-8875-217221C2C4EA}" type="datetimeFigureOut">
               <a:rPr lang="en-US" smtClean="0"/>
-              <a:t>12/30/2015</a:t>
+              <a:pPr/>
+              <a:t>1/14/2016</a:t>
             </a:fld>
             <a:endParaRPr lang="en-US"/>
           </a:p>
@@ -495,6 +502,7 @@
           <a:p>
             <a:fld id="{07ABE8D5-B6D7-42A5-A4C8-EE22FF996A8B}" type="slidenum">
               <a:rPr lang="en-US" smtClean="0"/>
+              <a:pPr/>
               <a:t>‹#›</a:t>
             </a:fld>
             <a:endParaRPr lang="en-US"/>
@@ -628,7 +636,8 @@
           <a:p>
             <a:fld id="{C64A1BA9-AB10-42F0-8875-217221C2C4EA}" type="datetimeFigureOut">
               <a:rPr lang="en-US" smtClean="0"/>
-              <a:t>12/30/2015</a:t>
+              <a:pPr/>
+              <a:t>1/14/2016</a:t>
             </a:fld>
             <a:endParaRPr lang="en-US"/>
           </a:p>
@@ -670,6 +679,7 @@
           <a:p>
             <a:fld id="{07ABE8D5-B6D7-42A5-A4C8-EE22FF996A8B}" type="slidenum">
               <a:rPr lang="en-US" smtClean="0"/>
+              <a:pPr/>
               <a:t>‹#›</a:t>
             </a:fld>
             <a:endParaRPr lang="en-US"/>
@@ -793,7 +803,8 @@
           <a:p>
             <a:fld id="{C64A1BA9-AB10-42F0-8875-217221C2C4EA}" type="datetimeFigureOut">
               <a:rPr lang="en-US" smtClean="0"/>
-              <a:t>12/30/2015</a:t>
+              <a:pPr/>
+              <a:t>1/14/2016</a:t>
             </a:fld>
             <a:endParaRPr lang="en-US"/>
           </a:p>
@@ -835,6 +846,7 @@
           <a:p>
             <a:fld id="{07ABE8D5-B6D7-42A5-A4C8-EE22FF996A8B}" type="slidenum">
               <a:rPr lang="en-US" smtClean="0"/>
+              <a:pPr/>
               <a:t>‹#›</a:t>
             </a:fld>
             <a:endParaRPr lang="en-US"/>
@@ -1034,7 +1046,8 @@
           <a:p>
             <a:fld id="{C64A1BA9-AB10-42F0-8875-217221C2C4EA}" type="datetimeFigureOut">
               <a:rPr lang="en-US" smtClean="0"/>
-              <a:t>12/30/2015</a:t>
+              <a:pPr/>
+              <a:t>1/14/2016</a:t>
             </a:fld>
             <a:endParaRPr lang="en-US"/>
           </a:p>
@@ -1076,6 +1089,7 @@
           <a:p>
             <a:fld id="{07ABE8D5-B6D7-42A5-A4C8-EE22FF996A8B}" type="slidenum">
               <a:rPr lang="en-US" smtClean="0"/>
+              <a:pPr/>
               <a:t>‹#›</a:t>
             </a:fld>
             <a:endParaRPr lang="en-US"/>
@@ -1317,7 +1331,8 @@
           <a:p>
             <a:fld id="{C64A1BA9-AB10-42F0-8875-217221C2C4EA}" type="datetimeFigureOut">
               <a:rPr lang="en-US" smtClean="0"/>
-              <a:t>12/30/2015</a:t>
+              <a:pPr/>
+              <a:t>1/14/2016</a:t>
             </a:fld>
             <a:endParaRPr lang="en-US"/>
           </a:p>
@@ -1359,6 +1374,7 @@
           <a:p>
             <a:fld id="{07ABE8D5-B6D7-42A5-A4C8-EE22FF996A8B}" type="slidenum">
               <a:rPr lang="en-US" smtClean="0"/>
+              <a:pPr/>
               <a:t>‹#›</a:t>
             </a:fld>
             <a:endParaRPr lang="en-US"/>
@@ -1734,7 +1750,8 @@
           <a:p>
             <a:fld id="{C64A1BA9-AB10-42F0-8875-217221C2C4EA}" type="datetimeFigureOut">
               <a:rPr lang="en-US" smtClean="0"/>
-              <a:t>12/30/2015</a:t>
+              <a:pPr/>
+              <a:t>1/14/2016</a:t>
             </a:fld>
             <a:endParaRPr lang="en-US"/>
           </a:p>
@@ -1776,6 +1793,7 @@
           <a:p>
             <a:fld id="{07ABE8D5-B6D7-42A5-A4C8-EE22FF996A8B}" type="slidenum">
               <a:rPr lang="en-US" smtClean="0"/>
+              <a:pPr/>
               <a:t>‹#›</a:t>
             </a:fld>
             <a:endParaRPr lang="en-US"/>
@@ -1847,7 +1865,8 @@
           <a:p>
             <a:fld id="{C64A1BA9-AB10-42F0-8875-217221C2C4EA}" type="datetimeFigureOut">
               <a:rPr lang="en-US" smtClean="0"/>
-              <a:t>12/30/2015</a:t>
+              <a:pPr/>
+              <a:t>1/14/2016</a:t>
             </a:fld>
             <a:endParaRPr lang="en-US"/>
           </a:p>
@@ -1889,6 +1908,7 @@
           <a:p>
             <a:fld id="{07ABE8D5-B6D7-42A5-A4C8-EE22FF996A8B}" type="slidenum">
               <a:rPr lang="en-US" smtClean="0"/>
+              <a:pPr/>
               <a:t>‹#›</a:t>
             </a:fld>
             <a:endParaRPr lang="en-US"/>
@@ -1937,7 +1957,8 @@
           <a:p>
             <a:fld id="{C64A1BA9-AB10-42F0-8875-217221C2C4EA}" type="datetimeFigureOut">
               <a:rPr lang="en-US" smtClean="0"/>
-              <a:t>12/30/2015</a:t>
+              <a:pPr/>
+              <a:t>1/14/2016</a:t>
             </a:fld>
             <a:endParaRPr lang="en-US"/>
           </a:p>
@@ -1979,6 +2000,7 @@
           <a:p>
             <a:fld id="{07ABE8D5-B6D7-42A5-A4C8-EE22FF996A8B}" type="slidenum">
               <a:rPr lang="en-US" smtClean="0"/>
+              <a:pPr/>
               <a:t>‹#›</a:t>
             </a:fld>
             <a:endParaRPr lang="en-US"/>
@@ -2209,7 +2231,8 @@
           <a:p>
             <a:fld id="{C64A1BA9-AB10-42F0-8875-217221C2C4EA}" type="datetimeFigureOut">
               <a:rPr lang="en-US" smtClean="0"/>
-              <a:t>12/30/2015</a:t>
+              <a:pPr/>
+              <a:t>1/14/2016</a:t>
             </a:fld>
             <a:endParaRPr lang="en-US"/>
           </a:p>
@@ -2251,6 +2274,7 @@
           <a:p>
             <a:fld id="{07ABE8D5-B6D7-42A5-A4C8-EE22FF996A8B}" type="slidenum">
               <a:rPr lang="en-US" smtClean="0"/>
+              <a:pPr/>
               <a:t>‹#›</a:t>
             </a:fld>
             <a:endParaRPr lang="en-US"/>
@@ -2457,7 +2481,8 @@
           <a:p>
             <a:fld id="{C64A1BA9-AB10-42F0-8875-217221C2C4EA}" type="datetimeFigureOut">
               <a:rPr lang="en-US" smtClean="0"/>
-              <a:t>12/30/2015</a:t>
+              <a:pPr/>
+              <a:t>1/14/2016</a:t>
             </a:fld>
             <a:endParaRPr lang="en-US"/>
           </a:p>
@@ -2499,6 +2524,7 @@
           <a:p>
             <a:fld id="{07ABE8D5-B6D7-42A5-A4C8-EE22FF996A8B}" type="slidenum">
               <a:rPr lang="en-US" smtClean="0"/>
+              <a:pPr/>
               <a:t>‹#›</a:t>
             </a:fld>
             <a:endParaRPr lang="en-US"/>
@@ -2665,7 +2691,8 @@
           <a:p>
             <a:fld id="{C64A1BA9-AB10-42F0-8875-217221C2C4EA}" type="datetimeFigureOut">
               <a:rPr lang="en-US" smtClean="0"/>
-              <a:t>12/30/2015</a:t>
+              <a:pPr/>
+              <a:t>1/14/2016</a:t>
             </a:fld>
             <a:endParaRPr lang="en-US"/>
           </a:p>
@@ -2743,6 +2770,7 @@
           <a:p>
             <a:fld id="{07ABE8D5-B6D7-42A5-A4C8-EE22FF996A8B}" type="slidenum">
               <a:rPr lang="en-US" smtClean="0"/>
+              <a:pPr/>
               <a:t>‹#›</a:t>
             </a:fld>
             <a:endParaRPr lang="en-US"/>
@@ -3095,6 +3123,48 @@
           </a:prstGeom>
         </p:spPr>
         <p:style>
+          <a:lnRef idx="1">
+            <a:schemeClr val="accent3"/>
+          </a:lnRef>
+          <a:fillRef idx="3">
+            <a:schemeClr val="accent3"/>
+          </a:fillRef>
+          <a:effectRef idx="2">
+            <a:schemeClr val="accent3"/>
+          </a:effectRef>
+          <a:fontRef idx="minor">
+            <a:schemeClr val="lt1"/>
+          </a:fontRef>
+        </p:style>
+        <p:txBody>
+          <a:bodyPr rtlCol="0" anchor="ctr"/>
+          <a:lstStyle/>
+          <a:p>
+            <a:pPr algn="ctr"/>
+            <a:r>
+              <a:rPr lang="en-US" dirty="0" smtClean="0"/>
+              <a:t>Ingest Interface</a:t>
+            </a:r>
+            <a:endParaRPr lang="en-US" dirty="0"/>
+          </a:p>
+        </p:txBody>
+      </p:sp>
+      <p:sp>
+        <p:nvSpPr>
+          <p:cNvPr id="6" name="Rectangle 5"/>
+          <p:cNvSpPr/>
+          <p:nvPr/>
+        </p:nvSpPr>
+        <p:spPr>
+          <a:xfrm>
+            <a:off x="533400" y="3733800"/>
+            <a:ext cx="1447800" cy="533400"/>
+          </a:xfrm>
+          <a:prstGeom prst="rect">
+            <a:avLst/>
+          </a:prstGeom>
+        </p:spPr>
+        <p:style>
           <a:lnRef idx="2">
             <a:schemeClr val="accent1">
               <a:shade val="50000"/>
@@ -3117,7 +3187,7 @@
             <a:pPr algn="ctr"/>
             <a:r>
               <a:rPr lang="en-US" dirty="0" smtClean="0"/>
-              <a:t>Ingest Interface</a:t>
+              <a:t>Cassandra Cluster</a:t>
             </a:r>
             <a:endParaRPr lang="en-US" dirty="0"/>
           </a:p>
@@ -3125,13 +3195,13 @@
       </p:sp>
       <p:sp>
         <p:nvSpPr>
-          <p:cNvPr id="6" name="Rectangle 5"/>
-          <p:cNvSpPr/>
-          <p:nvPr/>
-        </p:nvSpPr>
-        <p:spPr>
-          <a:xfrm>
-            <a:off x="533400" y="3733800"/>
+          <p:cNvPr id="7" name="Rectangle 6"/>
+          <p:cNvSpPr/>
+          <p:nvPr/>
+        </p:nvSpPr>
+        <p:spPr>
+          <a:xfrm>
+            <a:off x="2514600" y="2286000"/>
             <a:ext cx="1447800" cy="533400"/>
           </a:xfrm>
           <a:prstGeom prst="rect">
@@ -3161,7 +3231,7 @@
             <a:pPr algn="ctr"/>
             <a:r>
               <a:rPr lang="en-US" dirty="0" smtClean="0"/>
-              <a:t>Cassandra Cluster</a:t>
+              <a:t>Message Queue</a:t>
             </a:r>
             <a:endParaRPr lang="en-US" dirty="0"/>
           </a:p>
@@ -3169,13 +3239,55 @@
       </p:sp>
       <p:sp>
         <p:nvSpPr>
-          <p:cNvPr id="7" name="Rectangle 6"/>
-          <p:cNvSpPr/>
-          <p:nvPr/>
-        </p:nvSpPr>
-        <p:spPr>
-          <a:xfrm>
-            <a:off x="2514600" y="2286000"/>
+          <p:cNvPr id="8" name="Rectangle 7"/>
+          <p:cNvSpPr/>
+          <p:nvPr/>
+        </p:nvSpPr>
+        <p:spPr>
+          <a:xfrm>
+            <a:off x="4800600" y="2286000"/>
+            <a:ext cx="1447800" cy="533400"/>
+          </a:xfrm>
+          <a:prstGeom prst="rect">
+            <a:avLst/>
+          </a:prstGeom>
+        </p:spPr>
+        <p:style>
+          <a:lnRef idx="1">
+            <a:schemeClr val="accent3"/>
+          </a:lnRef>
+          <a:fillRef idx="3">
+            <a:schemeClr val="accent3"/>
+          </a:fillRef>
+          <a:effectRef idx="2">
+            <a:schemeClr val="accent3"/>
+          </a:effectRef>
+          <a:fontRef idx="minor">
+            <a:schemeClr val="lt1"/>
+          </a:fontRef>
+        </p:style>
+        <p:txBody>
+          <a:bodyPr rtlCol="0" anchor="ctr"/>
+          <a:lstStyle/>
+          <a:p>
+            <a:pPr algn="ctr"/>
+            <a:r>
+              <a:rPr lang="en-US" dirty="0" smtClean="0"/>
+              <a:t>Queue Processor</a:t>
+            </a:r>
+            <a:endParaRPr lang="en-US" dirty="0"/>
+          </a:p>
+        </p:txBody>
+      </p:sp>
+      <p:sp>
+        <p:nvSpPr>
+          <p:cNvPr id="9" name="Rectangle 8"/>
+          <p:cNvSpPr/>
+          <p:nvPr/>
+        </p:nvSpPr>
+        <p:spPr>
+          <a:xfrm>
+            <a:off x="5867400" y="3657600"/>
             <a:ext cx="1447800" cy="533400"/>
           </a:xfrm>
           <a:prstGeom prst="rect">
@@ -3205,7 +3317,7 @@
             <a:pPr algn="ctr"/>
             <a:r>
               <a:rPr lang="en-US" dirty="0" smtClean="0"/>
-              <a:t>Message Queue</a:t>
+              <a:t>Elastic Search Cluster</a:t>
             </a:r>
             <a:endParaRPr lang="en-US" dirty="0"/>
           </a:p>
@@ -3213,13 +3325,55 @@
       </p:sp>
       <p:sp>
         <p:nvSpPr>
-          <p:cNvPr id="8" name="Rectangle 7"/>
-          <p:cNvSpPr/>
-          <p:nvPr/>
-        </p:nvSpPr>
-        <p:spPr>
-          <a:xfrm>
-            <a:off x="4800600" y="2286000"/>
+          <p:cNvPr id="10" name="Rectangle 9"/>
+          <p:cNvSpPr/>
+          <p:nvPr/>
+        </p:nvSpPr>
+        <p:spPr>
+          <a:xfrm>
+            <a:off x="7010400" y="2286000"/>
+            <a:ext cx="1447800" cy="533400"/>
+          </a:xfrm>
+          <a:prstGeom prst="rect">
+            <a:avLst/>
+          </a:prstGeom>
+        </p:spPr>
+        <p:style>
+          <a:lnRef idx="1">
+            <a:schemeClr val="accent3"/>
+          </a:lnRef>
+          <a:fillRef idx="3">
+            <a:schemeClr val="accent3"/>
+          </a:fillRef>
+          <a:effectRef idx="2">
+            <a:schemeClr val="accent3"/>
+          </a:effectRef>
+          <a:fontRef idx="minor">
+            <a:schemeClr val="lt1"/>
+          </a:fontRef>
+        </p:style>
+        <p:txBody>
+          <a:bodyPr rtlCol="0" anchor="ctr"/>
+          <a:lstStyle/>
+          <a:p>
+            <a:pPr algn="ctr"/>
+            <a:r>
+              <a:rPr lang="en-US" dirty="0" smtClean="0"/>
+              <a:t>Query Interface</a:t>
+            </a:r>
+            <a:endParaRPr lang="en-US" dirty="0"/>
+          </a:p>
+        </p:txBody>
+      </p:sp>
+      <p:sp>
+        <p:nvSpPr>
+          <p:cNvPr id="11" name="Rectangle 10"/>
+          <p:cNvSpPr/>
+          <p:nvPr/>
+        </p:nvSpPr>
+        <p:spPr>
+          <a:xfrm>
+            <a:off x="6934200" y="762000"/>
             <a:ext cx="1447800" cy="533400"/>
           </a:xfrm>
           <a:prstGeom prst="rect">
@@ -3249,7 +3403,7 @@
             <a:pPr algn="ctr"/>
             <a:r>
               <a:rPr lang="en-US" dirty="0" smtClean="0"/>
-              <a:t>Queue Processor</a:t>
+              <a:t>Client</a:t>
             </a:r>
             <a:endParaRPr lang="en-US" dirty="0"/>
           </a:p>
@@ -3257,16 +3411,16 @@
       </p:sp>
       <p:sp>
         <p:nvSpPr>
-          <p:cNvPr id="9" name="Rectangle 8"/>
-          <p:cNvSpPr/>
-          <p:nvPr/>
-        </p:nvSpPr>
-        <p:spPr>
-          <a:xfrm>
-            <a:off x="5867400" y="3657600"/>
-            <a:ext cx="1447800" cy="533400"/>
-          </a:xfrm>
-          <a:prstGeom prst="rect">
+          <p:cNvPr id="12" name="Down Arrow 11"/>
+          <p:cNvSpPr/>
+          <p:nvPr/>
+        </p:nvSpPr>
+        <p:spPr>
+          <a:xfrm>
+            <a:off x="1143000" y="1447800"/>
+            <a:ext cx="76200" cy="762000"/>
+          </a:xfrm>
+          <a:prstGeom prst="downArrow">
             <a:avLst/>
           </a:prstGeom>
         </p:spPr>
@@ -3291,26 +3445,22 @@
           <a:lstStyle/>
           <a:p>
             <a:pPr algn="ctr"/>
-            <a:r>
-              <a:rPr lang="en-US" dirty="0" smtClean="0"/>
-              <a:t>Elastic Search Cluster</a:t>
-            </a:r>
             <a:endParaRPr lang="en-US" dirty="0"/>
           </a:p>
         </p:txBody>
       </p:sp>
       <p:sp>
         <p:nvSpPr>
-          <p:cNvPr id="10" name="Rectangle 9"/>
-          <p:cNvSpPr/>
-          <p:nvPr/>
-        </p:nvSpPr>
-        <p:spPr>
-          <a:xfrm>
-            <a:off x="7010400" y="2286000"/>
-            <a:ext cx="1447800" cy="533400"/>
-          </a:xfrm>
-          <a:prstGeom prst="rect">
+          <p:cNvPr id="13" name="Down Arrow 12"/>
+          <p:cNvSpPr/>
+          <p:nvPr/>
+        </p:nvSpPr>
+        <p:spPr>
+          <a:xfrm>
+            <a:off x="1143000" y="2895600"/>
+            <a:ext cx="76200" cy="762000"/>
+          </a:xfrm>
+          <a:prstGeom prst="downArrow">
             <a:avLst/>
           </a:prstGeom>
         </p:spPr>
@@ -3335,26 +3485,119 @@
           <a:lstStyle/>
           <a:p>
             <a:pPr algn="ctr"/>
-            <a:r>
-              <a:rPr lang="en-US" dirty="0" smtClean="0"/>
-              <a:t>Query Interface</a:t>
-            </a:r>
-            <a:endParaRPr lang="en-US" dirty="0"/>
-          </a:p>
-        </p:txBody>
-      </p:sp>
-      <p:sp>
-        <p:nvSpPr>
-          <p:cNvPr id="11" name="Rectangle 10"/>
-          <p:cNvSpPr/>
-          <p:nvPr/>
-        </p:nvSpPr>
-        <p:spPr>
-          <a:xfrm>
-            <a:off x="6934200" y="762000"/>
-            <a:ext cx="1447800" cy="533400"/>
-          </a:xfrm>
-          <a:prstGeom prst="rect">
+            <a:endParaRPr lang="en-US"/>
+          </a:p>
+        </p:txBody>
+      </p:sp>
+      <p:sp>
+        <p:nvSpPr>
+          <p:cNvPr id="14" name="TextBox 13"/>
+          <p:cNvSpPr txBox="1"/>
+          <p:nvPr/>
+        </p:nvSpPr>
+        <p:spPr>
+          <a:xfrm>
+            <a:off x="1143000" y="1719590"/>
+            <a:ext cx="970137" cy="261610"/>
+          </a:xfrm>
+          <a:prstGeom prst="rect">
+            <a:avLst/>
+          </a:prstGeom>
+          <a:noFill/>
+        </p:spPr>
+        <p:txBody>
+          <a:bodyPr wrap="none" rtlCol="0">
+            <a:spAutoFit/>
+          </a:bodyPr>
+          <a:lstStyle/>
+          <a:p>
+            <a:r>
+              <a:rPr lang="en-US" sz="1100" dirty="0" smtClean="0"/>
+              <a:t>1. Data </a:t>
+            </a:r>
+            <a:r>
+              <a:rPr lang="en-US" sz="1100" dirty="0"/>
+              <a:t>Ingest</a:t>
+            </a:r>
+          </a:p>
+        </p:txBody>
+      </p:sp>
+      <p:sp>
+        <p:nvSpPr>
+          <p:cNvPr id="15" name="TextBox 14"/>
+          <p:cNvSpPr txBox="1"/>
+          <p:nvPr/>
+        </p:nvSpPr>
+        <p:spPr>
+          <a:xfrm>
+            <a:off x="1219200" y="3167390"/>
+            <a:ext cx="1225015" cy="261610"/>
+          </a:xfrm>
+          <a:prstGeom prst="rect">
+            <a:avLst/>
+          </a:prstGeom>
+          <a:noFill/>
+        </p:spPr>
+        <p:txBody>
+          <a:bodyPr wrap="none" rtlCol="0">
+            <a:spAutoFit/>
+          </a:bodyPr>
+          <a:lstStyle/>
+          <a:p>
+            <a:r>
+              <a:rPr lang="en-US" sz="1100" dirty="0"/>
+              <a:t>2</a:t>
+            </a:r>
+            <a:r>
+              <a:rPr lang="en-US" sz="1100" dirty="0" smtClean="0"/>
+              <a:t>. Publish to Store</a:t>
+            </a:r>
+            <a:endParaRPr lang="en-US" sz="1100" dirty="0"/>
+          </a:p>
+        </p:txBody>
+      </p:sp>
+      <p:sp>
+        <p:nvSpPr>
+          <p:cNvPr id="16" name="TextBox 15"/>
+          <p:cNvSpPr txBox="1"/>
+          <p:nvPr/>
+        </p:nvSpPr>
+        <p:spPr>
+          <a:xfrm>
+            <a:off x="1600200" y="2024390"/>
+            <a:ext cx="1438214" cy="261610"/>
+          </a:xfrm>
+          <a:prstGeom prst="rect">
+            <a:avLst/>
+          </a:prstGeom>
+          <a:noFill/>
+        </p:spPr>
+        <p:txBody>
+          <a:bodyPr wrap="none" rtlCol="0">
+            <a:spAutoFit/>
+          </a:bodyPr>
+          <a:lstStyle/>
+          <a:p>
+            <a:r>
+              <a:rPr lang="en-US" sz="1100" dirty="0" smtClean="0"/>
+              <a:t>3. Put queue message</a:t>
+            </a:r>
+            <a:endParaRPr lang="en-US" sz="1100" dirty="0"/>
+          </a:p>
+        </p:txBody>
+      </p:sp>
+      <p:sp>
+        <p:nvSpPr>
+          <p:cNvPr id="18" name="Right Arrow 17"/>
+          <p:cNvSpPr/>
+          <p:nvPr/>
+        </p:nvSpPr>
+        <p:spPr>
+          <a:xfrm>
+            <a:off x="2057400" y="2514600"/>
+            <a:ext cx="445008" cy="76200"/>
+          </a:xfrm>
+          <a:prstGeom prst="rightArrow">
             <a:avLst/>
           </a:prstGeom>
         </p:spPr>
@@ -3379,26 +3622,56 @@
           <a:lstStyle/>
           <a:p>
             <a:pPr algn="ctr"/>
-            <a:r>
-              <a:rPr lang="en-US" dirty="0" smtClean="0"/>
-              <a:t>Client</a:t>
-            </a:r>
-            <a:endParaRPr lang="en-US" dirty="0"/>
-          </a:p>
-        </p:txBody>
-      </p:sp>
-      <p:sp>
-        <p:nvSpPr>
-          <p:cNvPr id="12" name="Down Arrow 11"/>
-          <p:cNvSpPr/>
-          <p:nvPr/>
-        </p:nvSpPr>
-        <p:spPr>
-          <a:xfrm>
-            <a:off x="1143000" y="1447800"/>
-            <a:ext cx="76200" cy="762000"/>
-          </a:xfrm>
-          <a:prstGeom prst="downArrow">
+            <a:endParaRPr lang="en-US"/>
+          </a:p>
+        </p:txBody>
+      </p:sp>
+      <p:sp>
+        <p:nvSpPr>
+          <p:cNvPr id="19" name="TextBox 18"/>
+          <p:cNvSpPr txBox="1"/>
+          <p:nvPr/>
+        </p:nvSpPr>
+        <p:spPr>
+          <a:xfrm>
+            <a:off x="3581400" y="2057400"/>
+            <a:ext cx="1560042" cy="261610"/>
+          </a:xfrm>
+          <a:prstGeom prst="rect">
+            <a:avLst/>
+          </a:prstGeom>
+          <a:noFill/>
+        </p:spPr>
+        <p:txBody>
+          <a:bodyPr wrap="none" rtlCol="0">
+            <a:spAutoFit/>
+          </a:bodyPr>
+          <a:lstStyle/>
+          <a:p>
+            <a:r>
+              <a:rPr lang="en-US" sz="1100" dirty="0"/>
+              <a:t>4</a:t>
+            </a:r>
+            <a:r>
+              <a:rPr lang="en-US" sz="1100" dirty="0" smtClean="0"/>
+              <a:t>. Fetch queue message</a:t>
+            </a:r>
+            <a:endParaRPr lang="en-US" sz="1100" dirty="0"/>
+          </a:p>
+        </p:txBody>
+      </p:sp>
+      <p:sp>
+        <p:nvSpPr>
+          <p:cNvPr id="20" name="Right Arrow 19"/>
+          <p:cNvSpPr/>
+          <p:nvPr/>
+        </p:nvSpPr>
+        <p:spPr>
+          <a:xfrm rot="10800000">
+            <a:off x="4038600" y="2514600"/>
+            <a:ext cx="685800" cy="76200"/>
+          </a:xfrm>
+          <a:prstGeom prst="rightArrow">
             <a:avLst/>
           </a:prstGeom>
         </p:spPr>
@@ -3423,22 +3696,52 @@
           <a:lstStyle/>
           <a:p>
             <a:pPr algn="ctr"/>
-            <a:endParaRPr lang="en-US" dirty="0"/>
-          </a:p>
-        </p:txBody>
-      </p:sp>
-      <p:sp>
-        <p:nvSpPr>
-          <p:cNvPr id="13" name="Down Arrow 12"/>
-          <p:cNvSpPr/>
-          <p:nvPr/>
-        </p:nvSpPr>
-        <p:spPr>
-          <a:xfrm>
-            <a:off x="1143000" y="2895600"/>
-            <a:ext cx="76200" cy="762000"/>
-          </a:xfrm>
-          <a:prstGeom prst="downArrow">
+            <a:endParaRPr lang="en-US"/>
+          </a:p>
+        </p:txBody>
+      </p:sp>
+      <p:sp>
+        <p:nvSpPr>
+          <p:cNvPr id="21" name="TextBox 20"/>
+          <p:cNvSpPr txBox="1"/>
+          <p:nvPr/>
+        </p:nvSpPr>
+        <p:spPr>
+          <a:xfrm>
+            <a:off x="3581400" y="3624590"/>
+            <a:ext cx="1455848" cy="261610"/>
+          </a:xfrm>
+          <a:prstGeom prst="rect">
+            <a:avLst/>
+          </a:prstGeom>
+          <a:noFill/>
+        </p:spPr>
+        <p:txBody>
+          <a:bodyPr wrap="none" rtlCol="0">
+            <a:spAutoFit/>
+          </a:bodyPr>
+          <a:lstStyle/>
+          <a:p>
+            <a:r>
+              <a:rPr lang="en-US" sz="1100" dirty="0" smtClean="0"/>
+              <a:t>5. Get data from store</a:t>
+            </a:r>
+            <a:endParaRPr lang="en-US" sz="1100" dirty="0"/>
+          </a:p>
+        </p:txBody>
+      </p:sp>
+      <p:sp>
+        <p:nvSpPr>
+          <p:cNvPr id="29" name="Right Arrow 28"/>
+          <p:cNvSpPr/>
+          <p:nvPr/>
+        </p:nvSpPr>
+        <p:spPr>
+          <a:xfrm rot="10800000" flipV="1">
+            <a:off x="2057400" y="3886200"/>
+            <a:ext cx="3124200" cy="152400"/>
+          </a:xfrm>
+          <a:prstGeom prst="rightArrow">
             <a:avLst/>
           </a:prstGeom>
         </p:spPr>
@@ -3469,113 +3772,16 @@
       </p:sp>
       <p:sp>
         <p:nvSpPr>
-          <p:cNvPr id="14" name="TextBox 13"/>
-          <p:cNvSpPr txBox="1"/>
-          <p:nvPr/>
-        </p:nvSpPr>
-        <p:spPr>
-          <a:xfrm>
-            <a:off x="1143000" y="1719590"/>
-            <a:ext cx="970137" cy="261610"/>
-          </a:xfrm>
-          <a:prstGeom prst="rect">
-            <a:avLst/>
-          </a:prstGeom>
-          <a:noFill/>
-        </p:spPr>
-        <p:txBody>
-          <a:bodyPr wrap="none" rtlCol="0">
-            <a:spAutoFit/>
-          </a:bodyPr>
-          <a:lstStyle/>
-          <a:p>
-            <a:r>
-              <a:rPr lang="en-US" sz="1100" dirty="0" smtClean="0"/>
-              <a:t>1. Data </a:t>
-            </a:r>
-            <a:r>
-              <a:rPr lang="en-US" sz="1100" dirty="0"/>
-              <a:t>Ingest</a:t>
-            </a:r>
-          </a:p>
-        </p:txBody>
-      </p:sp>
-      <p:sp>
-        <p:nvSpPr>
-          <p:cNvPr id="15" name="TextBox 14"/>
-          <p:cNvSpPr txBox="1"/>
-          <p:nvPr/>
-        </p:nvSpPr>
-        <p:spPr>
-          <a:xfrm>
-            <a:off x="1219200" y="3167390"/>
-            <a:ext cx="1225015" cy="261610"/>
-          </a:xfrm>
-          <a:prstGeom prst="rect">
-            <a:avLst/>
-          </a:prstGeom>
-          <a:noFill/>
-        </p:spPr>
-        <p:txBody>
-          <a:bodyPr wrap="none" rtlCol="0">
-            <a:spAutoFit/>
-          </a:bodyPr>
-          <a:lstStyle/>
-          <a:p>
-            <a:r>
-              <a:rPr lang="en-US" sz="1100" dirty="0"/>
-              <a:t>2</a:t>
-            </a:r>
-            <a:r>
-              <a:rPr lang="en-US" sz="1100" dirty="0" smtClean="0"/>
-              <a:t>. Publish to Store</a:t>
-            </a:r>
-            <a:endParaRPr lang="en-US" sz="1100" dirty="0"/>
-          </a:p>
-        </p:txBody>
-      </p:sp>
-      <p:sp>
-        <p:nvSpPr>
-          <p:cNvPr id="16" name="TextBox 15"/>
-          <p:cNvSpPr txBox="1"/>
-          <p:nvPr/>
-        </p:nvSpPr>
-        <p:spPr>
-          <a:xfrm>
-            <a:off x="1600200" y="2024390"/>
-            <a:ext cx="1438214" cy="261610"/>
-          </a:xfrm>
-          <a:prstGeom prst="rect">
-            <a:avLst/>
-          </a:prstGeom>
-          <a:noFill/>
-        </p:spPr>
-        <p:txBody>
-          <a:bodyPr wrap="none" rtlCol="0">
-            <a:spAutoFit/>
-          </a:bodyPr>
-          <a:lstStyle/>
-          <a:p>
-            <a:r>
-              <a:rPr lang="en-US" sz="1100" dirty="0" smtClean="0"/>
-              <a:t>3. Put queue message</a:t>
-            </a:r>
-            <a:endParaRPr lang="en-US" sz="1100" dirty="0"/>
-          </a:p>
-        </p:txBody>
-      </p:sp>
-      <p:sp>
-        <p:nvSpPr>
-          <p:cNvPr id="18" name="Right Arrow 17"/>
-          <p:cNvSpPr/>
-          <p:nvPr/>
-        </p:nvSpPr>
-        <p:spPr>
-          <a:xfrm>
-            <a:off x="2057400" y="2514600"/>
-            <a:ext cx="445008" cy="76200"/>
-          </a:xfrm>
-          <a:prstGeom prst="rightArrow">
+          <p:cNvPr id="30" name="Flowchart: Process 29"/>
+          <p:cNvSpPr/>
+          <p:nvPr/>
+        </p:nvSpPr>
+        <p:spPr>
+          <a:xfrm>
+            <a:off x="5105400" y="2844084"/>
+            <a:ext cx="76200" cy="1143000"/>
+          </a:xfrm>
+          <a:prstGeom prst="flowChartProcess">
             <a:avLst/>
           </a:prstGeom>
         </p:spPr>
@@ -3606,50 +3812,16 @@
       </p:sp>
       <p:sp>
         <p:nvSpPr>
-          <p:cNvPr id="19" name="TextBox 18"/>
-          <p:cNvSpPr txBox="1"/>
-          <p:nvPr/>
-        </p:nvSpPr>
-        <p:spPr>
-          <a:xfrm>
-            <a:off x="3581400" y="2057400"/>
-            <a:ext cx="1560042" cy="261610"/>
-          </a:xfrm>
-          <a:prstGeom prst="rect">
-            <a:avLst/>
-          </a:prstGeom>
-          <a:noFill/>
-        </p:spPr>
-        <p:txBody>
-          <a:bodyPr wrap="none" rtlCol="0">
-            <a:spAutoFit/>
-          </a:bodyPr>
-          <a:lstStyle/>
-          <a:p>
-            <a:r>
-              <a:rPr lang="en-US" sz="1100" dirty="0"/>
-              <a:t>4</a:t>
-            </a:r>
-            <a:r>
-              <a:rPr lang="en-US" sz="1100" dirty="0" smtClean="0"/>
-              <a:t>. Fetch queue message</a:t>
-            </a:r>
-            <a:endParaRPr lang="en-US" sz="1100" dirty="0"/>
-          </a:p>
-        </p:txBody>
-      </p:sp>
-      <p:sp>
-        <p:nvSpPr>
-          <p:cNvPr id="20" name="Right Arrow 19"/>
-          <p:cNvSpPr/>
-          <p:nvPr/>
-        </p:nvSpPr>
-        <p:spPr>
-          <a:xfrm rot="10800000">
-            <a:off x="4038600" y="2514600"/>
-            <a:ext cx="685800" cy="76200"/>
-          </a:xfrm>
-          <a:prstGeom prst="rightArrow">
+          <p:cNvPr id="31" name="Down Arrow 30"/>
+          <p:cNvSpPr/>
+          <p:nvPr/>
+        </p:nvSpPr>
+        <p:spPr>
+          <a:xfrm>
+            <a:off x="5867400" y="2858037"/>
+            <a:ext cx="76200" cy="762000"/>
+          </a:xfrm>
+          <a:prstGeom prst="downArrow">
             <a:avLst/>
           </a:prstGeom>
         </p:spPr>
@@ -3680,14 +3852,14 @@
       </p:sp>
       <p:sp>
         <p:nvSpPr>
-          <p:cNvPr id="21" name="TextBox 20"/>
+          <p:cNvPr id="32" name="TextBox 31"/>
           <p:cNvSpPr txBox="1"/>
           <p:nvPr/>
         </p:nvSpPr>
         <p:spPr>
           <a:xfrm>
-            <a:off x="3581400" y="3624590"/>
-            <a:ext cx="1455848" cy="261610"/>
+            <a:off x="5867400" y="3048000"/>
+            <a:ext cx="1219199" cy="430887"/>
           </a:xfrm>
           <a:prstGeom prst="rect">
             <a:avLst/>
@@ -3695,14 +3867,18 @@
           <a:noFill/>
         </p:spPr>
         <p:txBody>
-          <a:bodyPr wrap="none" rtlCol="0">
+          <a:bodyPr wrap="square" rtlCol="0">
             <a:spAutoFit/>
           </a:bodyPr>
           <a:lstStyle/>
           <a:p>
             <a:r>
+              <a:rPr lang="en-US" sz="1100" dirty="0"/>
+              <a:t>6</a:t>
+            </a:r>
+            <a:r>
               <a:rPr lang="en-US" sz="1100" dirty="0" smtClean="0"/>
-              <a:t>5. Get data from store</a:t>
+              <a:t>. Publish data to ES cluster</a:t>
             </a:r>
             <a:endParaRPr lang="en-US" sz="1100" dirty="0"/>
           </a:p>
@@ -3710,16 +3886,16 @@
       </p:sp>
       <p:sp>
         <p:nvSpPr>
-          <p:cNvPr id="29" name="Right Arrow 28"/>
-          <p:cNvSpPr/>
-          <p:nvPr/>
-        </p:nvSpPr>
-        <p:spPr>
-          <a:xfrm rot="10800000" flipV="1">
-            <a:off x="2057400" y="3886200"/>
-            <a:ext cx="3124200" cy="152400"/>
-          </a:xfrm>
-          <a:prstGeom prst="rightArrow">
+          <p:cNvPr id="33" name="Down Arrow 32"/>
+          <p:cNvSpPr/>
+          <p:nvPr/>
+        </p:nvSpPr>
+        <p:spPr>
+          <a:xfrm>
+            <a:off x="7696200" y="1371600"/>
+            <a:ext cx="76200" cy="762000"/>
+          </a:xfrm>
+          <a:prstGeom prst="downArrow">
             <a:avLst/>
           </a:prstGeom>
         </p:spPr>
@@ -3750,16 +3926,80 @@
       </p:sp>
       <p:sp>
         <p:nvSpPr>
-          <p:cNvPr id="30" name="Flowchart: Process 29"/>
-          <p:cNvSpPr/>
-          <p:nvPr/>
-        </p:nvSpPr>
-        <p:spPr>
-          <a:xfrm>
-            <a:off x="5105400" y="2844084"/>
-            <a:ext cx="76200" cy="1143000"/>
-          </a:xfrm>
-          <a:prstGeom prst="flowChartProcess">
+          <p:cNvPr id="34" name="TextBox 33"/>
+          <p:cNvSpPr txBox="1"/>
+          <p:nvPr/>
+        </p:nvSpPr>
+        <p:spPr>
+          <a:xfrm>
+            <a:off x="7772400" y="1600200"/>
+            <a:ext cx="1219199" cy="261610"/>
+          </a:xfrm>
+          <a:prstGeom prst="rect">
+            <a:avLst/>
+          </a:prstGeom>
+          <a:noFill/>
+        </p:spPr>
+        <p:txBody>
+          <a:bodyPr wrap="square" rtlCol="0">
+            <a:spAutoFit/>
+          </a:bodyPr>
+          <a:lstStyle/>
+          <a:p>
+            <a:r>
+              <a:rPr lang="en-US" sz="1100" dirty="0"/>
+              <a:t>6</a:t>
+            </a:r>
+            <a:r>
+              <a:rPr lang="en-US" sz="1100" dirty="0" smtClean="0"/>
+              <a:t>. Query Data</a:t>
+            </a:r>
+            <a:endParaRPr lang="en-US" sz="1100" dirty="0"/>
+          </a:p>
+        </p:txBody>
+      </p:sp>
+      <p:sp>
+        <p:nvSpPr>
+          <p:cNvPr id="35" name="TextBox 34"/>
+          <p:cNvSpPr txBox="1"/>
+          <p:nvPr/>
+        </p:nvSpPr>
+        <p:spPr>
+          <a:xfrm>
+            <a:off x="7391400" y="2971800"/>
+            <a:ext cx="1219199" cy="430887"/>
+          </a:xfrm>
+          <a:prstGeom prst="rect">
+            <a:avLst/>
+          </a:prstGeom>
+          <a:noFill/>
+        </p:spPr>
+        <p:txBody>
+          <a:bodyPr wrap="square" rtlCol="0">
+            <a:spAutoFit/>
+          </a:bodyPr>
+          <a:lstStyle/>
+          <a:p>
+            <a:r>
+              <a:rPr lang="en-US" sz="1100" dirty="0" smtClean="0"/>
+              <a:t>7. Search ES for data and return</a:t>
+            </a:r>
+            <a:endParaRPr lang="en-US" sz="1100" dirty="0"/>
+          </a:p>
+        </p:txBody>
+      </p:sp>
+      <p:sp>
+        <p:nvSpPr>
+          <p:cNvPr id="36" name="Down Arrow 35"/>
+          <p:cNvSpPr/>
+          <p:nvPr/>
+        </p:nvSpPr>
+        <p:spPr>
+          <a:xfrm>
+            <a:off x="7162800" y="2845158"/>
+            <a:ext cx="76200" cy="762000"/>
+          </a:xfrm>
+          <a:prstGeom prst="downArrow">
             <a:avLst/>
           </a:prstGeom>
         </p:spPr>
@@ -3790,16 +4030,16 @@
       </p:sp>
       <p:sp>
         <p:nvSpPr>
-          <p:cNvPr id="31" name="Down Arrow 30"/>
-          <p:cNvSpPr/>
-          <p:nvPr/>
-        </p:nvSpPr>
-        <p:spPr>
-          <a:xfrm>
-            <a:off x="5867400" y="2858037"/>
+          <p:cNvPr id="38" name="Flowchart: Process 37"/>
+          <p:cNvSpPr/>
+          <p:nvPr/>
+        </p:nvSpPr>
+        <p:spPr>
+          <a:xfrm>
+            <a:off x="7010400" y="1524000"/>
             <a:ext cx="76200" cy="762000"/>
           </a:xfrm>
-          <a:prstGeom prst="downArrow">
+          <a:prstGeom prst="flowChartProcess">
             <a:avLst/>
           </a:prstGeom>
         </p:spPr>
@@ -3830,48 +4070,14 @@
       </p:sp>
       <p:sp>
         <p:nvSpPr>
-          <p:cNvPr id="32" name="TextBox 31"/>
-          <p:cNvSpPr txBox="1"/>
-          <p:nvPr/>
-        </p:nvSpPr>
-        <p:spPr>
-          <a:xfrm>
-            <a:off x="5867400" y="3048000"/>
-            <a:ext cx="1219199" cy="430887"/>
-          </a:xfrm>
-          <a:prstGeom prst="rect">
-            <a:avLst/>
-          </a:prstGeom>
-          <a:noFill/>
-        </p:spPr>
-        <p:txBody>
-          <a:bodyPr wrap="square" rtlCol="0">
-            <a:spAutoFit/>
-          </a:bodyPr>
-          <a:lstStyle/>
-          <a:p>
-            <a:r>
-              <a:rPr lang="en-US" sz="1100" dirty="0"/>
-              <a:t>6</a:t>
-            </a:r>
-            <a:r>
-              <a:rPr lang="en-US" sz="1100" dirty="0" smtClean="0"/>
-              <a:t>. Publish data to ES cluster</a:t>
-            </a:r>
-            <a:endParaRPr lang="en-US" sz="1100" dirty="0"/>
-          </a:p>
-        </p:txBody>
-      </p:sp>
-      <p:sp>
-        <p:nvSpPr>
-          <p:cNvPr id="33" name="Down Arrow 32"/>
-          <p:cNvSpPr/>
-          <p:nvPr/>
-        </p:nvSpPr>
-        <p:spPr>
-          <a:xfrm>
-            <a:off x="7696200" y="1371600"/>
-            <a:ext cx="76200" cy="762000"/>
+          <p:cNvPr id="39" name="Down Arrow 38"/>
+          <p:cNvSpPr/>
+          <p:nvPr/>
+        </p:nvSpPr>
+        <p:spPr>
+          <a:xfrm>
+            <a:off x="3200400" y="1447800"/>
+            <a:ext cx="152400" cy="762000"/>
           </a:xfrm>
           <a:prstGeom prst="downArrow">
             <a:avLst/>
@@ -3904,80 +4110,16 @@
       </p:sp>
       <p:sp>
         <p:nvSpPr>
-          <p:cNvPr id="34" name="TextBox 33"/>
-          <p:cNvSpPr txBox="1"/>
-          <p:nvPr/>
-        </p:nvSpPr>
-        <p:spPr>
-          <a:xfrm>
-            <a:off x="7772400" y="1600200"/>
-            <a:ext cx="1219199" cy="261610"/>
-          </a:xfrm>
-          <a:prstGeom prst="rect">
-            <a:avLst/>
-          </a:prstGeom>
-          <a:noFill/>
-        </p:spPr>
-        <p:txBody>
-          <a:bodyPr wrap="square" rtlCol="0">
-            <a:spAutoFit/>
-          </a:bodyPr>
-          <a:lstStyle/>
-          <a:p>
-            <a:r>
-              <a:rPr lang="en-US" sz="1100" dirty="0"/>
-              <a:t>6</a:t>
-            </a:r>
-            <a:r>
-              <a:rPr lang="en-US" sz="1100" dirty="0" smtClean="0"/>
-              <a:t>. Query Data</a:t>
-            </a:r>
-            <a:endParaRPr lang="en-US" sz="1100" dirty="0"/>
-          </a:p>
-        </p:txBody>
-      </p:sp>
-      <p:sp>
-        <p:nvSpPr>
-          <p:cNvPr id="35" name="TextBox 34"/>
-          <p:cNvSpPr txBox="1"/>
-          <p:nvPr/>
-        </p:nvSpPr>
-        <p:spPr>
-          <a:xfrm>
-            <a:off x="7391400" y="2971800"/>
-            <a:ext cx="1219199" cy="430887"/>
-          </a:xfrm>
-          <a:prstGeom prst="rect">
-            <a:avLst/>
-          </a:prstGeom>
-          <a:noFill/>
-        </p:spPr>
-        <p:txBody>
-          <a:bodyPr wrap="square" rtlCol="0">
-            <a:spAutoFit/>
-          </a:bodyPr>
-          <a:lstStyle/>
-          <a:p>
-            <a:r>
-              <a:rPr lang="en-US" sz="1100" dirty="0" smtClean="0"/>
-              <a:t>7. Search ES for data and return</a:t>
-            </a:r>
-            <a:endParaRPr lang="en-US" sz="1100" dirty="0"/>
-          </a:p>
-        </p:txBody>
-      </p:sp>
-      <p:sp>
-        <p:nvSpPr>
-          <p:cNvPr id="36" name="Down Arrow 35"/>
-          <p:cNvSpPr/>
-          <p:nvPr/>
-        </p:nvSpPr>
-        <p:spPr>
-          <a:xfrm>
-            <a:off x="7162800" y="2845158"/>
-            <a:ext cx="76200" cy="762000"/>
-          </a:xfrm>
-          <a:prstGeom prst="downArrow">
+          <p:cNvPr id="40" name="Flowchart: Process 39"/>
+          <p:cNvSpPr/>
+          <p:nvPr/>
+        </p:nvSpPr>
+        <p:spPr>
+          <a:xfrm>
+            <a:off x="3276600" y="1447800"/>
+            <a:ext cx="3810000" cy="76200"/>
+          </a:xfrm>
+          <a:prstGeom prst="flowChartProcess">
             <a:avLst/>
           </a:prstGeom>
         </p:spPr>
@@ -4008,16 +4150,84 @@
       </p:sp>
       <p:sp>
         <p:nvSpPr>
-          <p:cNvPr id="38" name="Flowchart: Process 37"/>
-          <p:cNvSpPr/>
-          <p:nvPr/>
-        </p:nvSpPr>
-        <p:spPr>
-          <a:xfrm>
-            <a:off x="7010400" y="1524000"/>
-            <a:ext cx="76200" cy="762000"/>
-          </a:xfrm>
-          <a:prstGeom prst="flowChartProcess">
+          <p:cNvPr id="41" name="TextBox 40"/>
+          <p:cNvSpPr txBox="1"/>
+          <p:nvPr/>
+        </p:nvSpPr>
+        <p:spPr>
+          <a:xfrm>
+            <a:off x="4343400" y="838200"/>
+            <a:ext cx="1219199" cy="600164"/>
+          </a:xfrm>
+          <a:prstGeom prst="rect">
+            <a:avLst/>
+          </a:prstGeom>
+          <a:noFill/>
+        </p:spPr>
+        <p:txBody>
+          <a:bodyPr wrap="square" rtlCol="0">
+            <a:spAutoFit/>
+          </a:bodyPr>
+          <a:lstStyle/>
+          <a:p>
+            <a:r>
+              <a:rPr lang="en-US" sz="1100" dirty="0" smtClean="0"/>
+              <a:t>8. Failed Query – put in Queue for checking in store</a:t>
+            </a:r>
+            <a:endParaRPr lang="en-US" sz="1100" dirty="0"/>
+          </a:p>
+        </p:txBody>
+      </p:sp>
+      <p:cxnSp>
+        <p:nvCxnSpPr>
+          <p:cNvPr id="42" name="Elbow Connector 41"/>
+          <p:cNvCxnSpPr>
+            <a:stCxn id="10" idx="2"/>
+            <a:endCxn id="6" idx="2"/>
+          </p:cNvCxnSpPr>
+          <p:nvPr/>
+        </p:nvCxnSpPr>
+        <p:spPr>
+          <a:xfrm rot="5400000">
+            <a:off x="3771900" y="304800"/>
+            <a:ext cx="1447800" cy="6477000"/>
+          </a:xfrm>
+          <a:prstGeom prst="bentConnector3">
+            <a:avLst>
+              <a:gd name="adj1" fmla="val 115789"/>
+            </a:avLst>
+          </a:prstGeom>
+          <a:ln>
+            <a:tailEnd type="arrow"/>
+          </a:ln>
+        </p:spPr>
+        <p:style>
+          <a:lnRef idx="1">
+            <a:schemeClr val="accent1"/>
+          </a:lnRef>
+          <a:fillRef idx="0">
+            <a:schemeClr val="accent1"/>
+          </a:fillRef>
+          <a:effectRef idx="0">
+            <a:schemeClr val="accent1"/>
+          </a:effectRef>
+          <a:fontRef idx="minor">
+            <a:schemeClr val="tx1"/>
+          </a:fontRef>
+        </p:style>
+      </p:cxnSp>
+      <p:sp>
+        <p:nvSpPr>
+          <p:cNvPr id="43" name="Rounded Rectangle 42"/>
+          <p:cNvSpPr/>
+          <p:nvPr/>
+        </p:nvSpPr>
+        <p:spPr>
+          <a:xfrm>
+            <a:off x="7010400" y="2362200"/>
+            <a:ext cx="381000" cy="152400"/>
+          </a:xfrm>
+          <a:prstGeom prst="roundRect">
             <a:avLst/>
           </a:prstGeom>
         </p:spPr>
@@ -4046,20 +4256,55 @@
           </a:p>
         </p:txBody>
       </p:sp>
-      <p:sp>
-        <p:nvSpPr>
-          <p:cNvPr id="39" name="Down Arrow 38"/>
-          <p:cNvSpPr/>
-          <p:nvPr/>
-        </p:nvSpPr>
-        <p:spPr>
-          <a:xfrm>
-            <a:off x="3200400" y="1447800"/>
-            <a:ext cx="152400" cy="762000"/>
-          </a:xfrm>
-          <a:prstGeom prst="downArrow">
-            <a:avLst/>
-          </a:prstGeom>
+    </p:spTree>
+  </p:cSld>
+  <p:clrMapOvr>
+    <a:masterClrMapping/>
+  </p:clrMapOvr>
+</p:sld>
+</file>
+
+<file path=ppt/slides/slide2.xml><?xml version="1.0" encoding="utf-8"?>
+<p:sld xmlns:a="http://schemas.openxmlformats.org/drawingml/2006/main" xmlns:r="http://schemas.openxmlformats.org/officeDocument/2006/relationships" xmlns:p="http://schemas.openxmlformats.org/presentationml/2006/main">
+  <p:cSld>
+    <p:spTree>
+      <p:nvGrpSpPr>
+        <p:cNvPr id="1" name=""/>
+        <p:cNvGrpSpPr/>
+        <p:nvPr/>
+      </p:nvGrpSpPr>
+      <p:grpSpPr>
+        <a:xfrm>
+          <a:off x="0" y="0"/>
+          <a:ext cx="0" cy="0"/>
+          <a:chOff x="0" y="0"/>
+          <a:chExt cx="0" cy="0"/>
+        </a:xfrm>
+      </p:grpSpPr>
+      <p:sp>
+        <p:nvSpPr>
+          <p:cNvPr id="225" name="Rectangle 224"/>
+          <p:cNvSpPr/>
+          <p:nvPr/>
+        </p:nvSpPr>
+        <p:spPr>
+          <a:xfrm>
+            <a:off x="304800" y="5105399"/>
+            <a:ext cx="8153400" cy="799563"/>
+          </a:xfrm>
+          <a:prstGeom prst="rect">
+            <a:avLst/>
+          </a:prstGeom>
+          <a:solidFill>
+            <a:srgbClr val="00B050">
+              <a:alpha val="0"/>
+            </a:srgbClr>
+          </a:solidFill>
+          <a:ln>
+            <a:solidFill>
+              <a:srgbClr val="00B050"/>
+            </a:solidFill>
+          </a:ln>
         </p:spPr>
         <p:style>
           <a:lnRef idx="2">
@@ -4088,18 +4333,28 @@
       </p:sp>
       <p:sp>
         <p:nvSpPr>
-          <p:cNvPr id="40" name="Flowchart: Process 39"/>
-          <p:cNvSpPr/>
-          <p:nvPr/>
-        </p:nvSpPr>
-        <p:spPr>
-          <a:xfrm>
-            <a:off x="3276600" y="1447800"/>
-            <a:ext cx="3810000" cy="76200"/>
-          </a:xfrm>
-          <a:prstGeom prst="flowChartProcess">
-            <a:avLst/>
-          </a:prstGeom>
+          <p:cNvPr id="219" name="Rectangle 218"/>
+          <p:cNvSpPr/>
+          <p:nvPr/>
+        </p:nvSpPr>
+        <p:spPr>
+          <a:xfrm>
+            <a:off x="152400" y="1143000"/>
+            <a:ext cx="8153400" cy="533400"/>
+          </a:xfrm>
+          <a:prstGeom prst="rect">
+            <a:avLst/>
+          </a:prstGeom>
+          <a:solidFill>
+            <a:srgbClr val="00B050">
+              <a:alpha val="0"/>
+            </a:srgbClr>
+          </a:solidFill>
+          <a:ln>
+            <a:solidFill>
+              <a:srgbClr val="00B050"/>
+            </a:solidFill>
+          </a:ln>
         </p:spPr>
         <p:style>
           <a:lnRef idx="2">
@@ -4128,14 +4383,5611 @@
       </p:sp>
       <p:sp>
         <p:nvSpPr>
-          <p:cNvPr id="41" name="TextBox 40"/>
+          <p:cNvPr id="37" name="Rectangle 36"/>
+          <p:cNvSpPr/>
+          <p:nvPr/>
+        </p:nvSpPr>
+        <p:spPr>
+          <a:xfrm>
+            <a:off x="304800" y="1219200"/>
+            <a:ext cx="1447800" cy="381000"/>
+          </a:xfrm>
+          <a:prstGeom prst="rect">
+            <a:avLst/>
+          </a:prstGeom>
+        </p:spPr>
+        <p:style>
+          <a:lnRef idx="1">
+            <a:schemeClr val="accent3"/>
+          </a:lnRef>
+          <a:fillRef idx="3">
+            <a:schemeClr val="accent3"/>
+          </a:fillRef>
+          <a:effectRef idx="2">
+            <a:schemeClr val="accent3"/>
+          </a:effectRef>
+          <a:fontRef idx="minor">
+            <a:schemeClr val="lt1"/>
+          </a:fontRef>
+        </p:style>
+        <p:txBody>
+          <a:bodyPr rtlCol="0" anchor="ctr"/>
+          <a:lstStyle/>
+          <a:p>
+            <a:pPr algn="ctr"/>
+            <a:r>
+              <a:rPr lang="en-US" sz="1400" dirty="0" smtClean="0"/>
+              <a:t>Ingest Interface</a:t>
+            </a:r>
+            <a:endParaRPr lang="en-US" sz="1400" dirty="0"/>
+          </a:p>
+        </p:txBody>
+      </p:sp>
+      <p:sp>
+        <p:nvSpPr>
+          <p:cNvPr id="44" name="Rectangle 43"/>
+          <p:cNvSpPr/>
+          <p:nvPr/>
+        </p:nvSpPr>
+        <p:spPr>
+          <a:xfrm>
+            <a:off x="1905000" y="1219200"/>
+            <a:ext cx="1447800" cy="381000"/>
+          </a:xfrm>
+          <a:prstGeom prst="rect">
+            <a:avLst/>
+          </a:prstGeom>
+        </p:spPr>
+        <p:style>
+          <a:lnRef idx="1">
+            <a:schemeClr val="accent3"/>
+          </a:lnRef>
+          <a:fillRef idx="3">
+            <a:schemeClr val="accent3"/>
+          </a:fillRef>
+          <a:effectRef idx="2">
+            <a:schemeClr val="accent3"/>
+          </a:effectRef>
+          <a:fontRef idx="minor">
+            <a:schemeClr val="lt1"/>
+          </a:fontRef>
+        </p:style>
+        <p:txBody>
+          <a:bodyPr rtlCol="0" anchor="ctr"/>
+          <a:lstStyle/>
+          <a:p>
+            <a:pPr algn="ctr"/>
+            <a:r>
+              <a:rPr lang="en-US" sz="1400" dirty="0" smtClean="0"/>
+              <a:t>Ingest Interface</a:t>
+            </a:r>
+            <a:endParaRPr lang="en-US" sz="1400" dirty="0"/>
+          </a:p>
+        </p:txBody>
+      </p:sp>
+      <p:sp>
+        <p:nvSpPr>
+          <p:cNvPr id="45" name="Rectangle 44"/>
+          <p:cNvSpPr/>
+          <p:nvPr/>
+        </p:nvSpPr>
+        <p:spPr>
+          <a:xfrm>
+            <a:off x="3505200" y="1219200"/>
+            <a:ext cx="1447800" cy="381000"/>
+          </a:xfrm>
+          <a:prstGeom prst="rect">
+            <a:avLst/>
+          </a:prstGeom>
+        </p:spPr>
+        <p:style>
+          <a:lnRef idx="1">
+            <a:schemeClr val="accent3"/>
+          </a:lnRef>
+          <a:fillRef idx="3">
+            <a:schemeClr val="accent3"/>
+          </a:fillRef>
+          <a:effectRef idx="2">
+            <a:schemeClr val="accent3"/>
+          </a:effectRef>
+          <a:fontRef idx="minor">
+            <a:schemeClr val="lt1"/>
+          </a:fontRef>
+        </p:style>
+        <p:txBody>
+          <a:bodyPr rtlCol="0" anchor="ctr"/>
+          <a:lstStyle/>
+          <a:p>
+            <a:pPr algn="ctr"/>
+            <a:r>
+              <a:rPr lang="en-US" sz="1400" dirty="0" smtClean="0"/>
+              <a:t>Ingest Interface</a:t>
+            </a:r>
+            <a:endParaRPr lang="en-US" sz="1400" dirty="0"/>
+          </a:p>
+        </p:txBody>
+      </p:sp>
+      <p:sp>
+        <p:nvSpPr>
+          <p:cNvPr id="46" name="Rectangle 45"/>
+          <p:cNvSpPr/>
+          <p:nvPr/>
+        </p:nvSpPr>
+        <p:spPr>
+          <a:xfrm>
+            <a:off x="5105400" y="1219200"/>
+            <a:ext cx="1447800" cy="381000"/>
+          </a:xfrm>
+          <a:prstGeom prst="rect">
+            <a:avLst/>
+          </a:prstGeom>
+        </p:spPr>
+        <p:style>
+          <a:lnRef idx="1">
+            <a:schemeClr val="accent3"/>
+          </a:lnRef>
+          <a:fillRef idx="3">
+            <a:schemeClr val="accent3"/>
+          </a:fillRef>
+          <a:effectRef idx="2">
+            <a:schemeClr val="accent3"/>
+          </a:effectRef>
+          <a:fontRef idx="minor">
+            <a:schemeClr val="lt1"/>
+          </a:fontRef>
+        </p:style>
+        <p:txBody>
+          <a:bodyPr rtlCol="0" anchor="ctr"/>
+          <a:lstStyle/>
+          <a:p>
+            <a:pPr algn="ctr"/>
+            <a:r>
+              <a:rPr lang="en-US" sz="1400" dirty="0" smtClean="0"/>
+              <a:t>Ingest Interface</a:t>
+            </a:r>
+            <a:endParaRPr lang="en-US" sz="1400" dirty="0"/>
+          </a:p>
+        </p:txBody>
+      </p:sp>
+      <p:sp>
+        <p:nvSpPr>
+          <p:cNvPr id="47" name="Rectangle 46"/>
+          <p:cNvSpPr/>
+          <p:nvPr/>
+        </p:nvSpPr>
+        <p:spPr>
+          <a:xfrm>
+            <a:off x="6705600" y="1219200"/>
+            <a:ext cx="1447800" cy="381000"/>
+          </a:xfrm>
+          <a:prstGeom prst="rect">
+            <a:avLst/>
+          </a:prstGeom>
+        </p:spPr>
+        <p:style>
+          <a:lnRef idx="1">
+            <a:schemeClr val="accent3"/>
+          </a:lnRef>
+          <a:fillRef idx="3">
+            <a:schemeClr val="accent3"/>
+          </a:fillRef>
+          <a:effectRef idx="2">
+            <a:schemeClr val="accent3"/>
+          </a:effectRef>
+          <a:fontRef idx="minor">
+            <a:schemeClr val="lt1"/>
+          </a:fontRef>
+        </p:style>
+        <p:txBody>
+          <a:bodyPr rtlCol="0" anchor="ctr"/>
+          <a:lstStyle/>
+          <a:p>
+            <a:pPr algn="ctr"/>
+            <a:r>
+              <a:rPr lang="en-US" sz="1400" dirty="0" smtClean="0"/>
+              <a:t>Ingest Interface</a:t>
+            </a:r>
+            <a:endParaRPr lang="en-US" sz="1400" dirty="0"/>
+          </a:p>
+        </p:txBody>
+      </p:sp>
+      <p:sp>
+        <p:nvSpPr>
+          <p:cNvPr id="49" name="Rectangle 48"/>
+          <p:cNvSpPr/>
+          <p:nvPr/>
+        </p:nvSpPr>
+        <p:spPr>
+          <a:xfrm>
+            <a:off x="228600" y="609600"/>
+            <a:ext cx="8001000" cy="457200"/>
+          </a:xfrm>
+          <a:prstGeom prst="rect">
+            <a:avLst/>
+          </a:prstGeom>
+        </p:spPr>
+        <p:style>
+          <a:lnRef idx="1">
+            <a:schemeClr val="accent1"/>
+          </a:lnRef>
+          <a:fillRef idx="3">
+            <a:schemeClr val="accent1"/>
+          </a:fillRef>
+          <a:effectRef idx="2">
+            <a:schemeClr val="accent1"/>
+          </a:effectRef>
+          <a:fontRef idx="minor">
+            <a:schemeClr val="lt1"/>
+          </a:fontRef>
+        </p:style>
+        <p:txBody>
+          <a:bodyPr rtlCol="0" anchor="ctr"/>
+          <a:lstStyle/>
+          <a:p>
+            <a:pPr algn="ctr"/>
+            <a:r>
+              <a:rPr lang="en-US" sz="3200" dirty="0" smtClean="0"/>
+              <a:t>Load Balancer</a:t>
+            </a:r>
+            <a:endParaRPr lang="en-US" sz="3200" dirty="0"/>
+          </a:p>
+        </p:txBody>
+      </p:sp>
+      <p:sp>
+        <p:nvSpPr>
+          <p:cNvPr id="55" name="Rectangle 54"/>
+          <p:cNvSpPr/>
+          <p:nvPr/>
+        </p:nvSpPr>
+        <p:spPr>
+          <a:xfrm>
+            <a:off x="304800" y="152400"/>
+            <a:ext cx="1447800" cy="304800"/>
+          </a:xfrm>
+          <a:prstGeom prst="rect">
+            <a:avLst/>
+          </a:prstGeom>
+        </p:spPr>
+        <p:style>
+          <a:lnRef idx="1">
+            <a:schemeClr val="accent1"/>
+          </a:lnRef>
+          <a:fillRef idx="2">
+            <a:schemeClr val="accent1"/>
+          </a:fillRef>
+          <a:effectRef idx="1">
+            <a:schemeClr val="accent1"/>
+          </a:effectRef>
+          <a:fontRef idx="minor">
+            <a:schemeClr val="dk1"/>
+          </a:fontRef>
+        </p:style>
+        <p:txBody>
+          <a:bodyPr rtlCol="0" anchor="ctr"/>
+          <a:lstStyle/>
+          <a:p>
+            <a:pPr algn="ctr"/>
+            <a:r>
+              <a:rPr lang="en-US" sz="1200" dirty="0" smtClean="0"/>
+              <a:t>Ingest Client1..10</a:t>
+            </a:r>
+            <a:endParaRPr lang="en-US" sz="1200" dirty="0"/>
+          </a:p>
+        </p:txBody>
+      </p:sp>
+      <p:sp>
+        <p:nvSpPr>
+          <p:cNvPr id="56" name="Rectangle 55"/>
+          <p:cNvSpPr/>
+          <p:nvPr/>
+        </p:nvSpPr>
+        <p:spPr>
+          <a:xfrm>
+            <a:off x="1905000" y="152400"/>
+            <a:ext cx="1447800" cy="304800"/>
+          </a:xfrm>
+          <a:prstGeom prst="rect">
+            <a:avLst/>
+          </a:prstGeom>
+        </p:spPr>
+        <p:style>
+          <a:lnRef idx="1">
+            <a:schemeClr val="accent1"/>
+          </a:lnRef>
+          <a:fillRef idx="2">
+            <a:schemeClr val="accent1"/>
+          </a:fillRef>
+          <a:effectRef idx="1">
+            <a:schemeClr val="accent1"/>
+          </a:effectRef>
+          <a:fontRef idx="minor">
+            <a:schemeClr val="dk1"/>
+          </a:fontRef>
+        </p:style>
+        <p:txBody>
+          <a:bodyPr rtlCol="0" anchor="ctr"/>
+          <a:lstStyle/>
+          <a:p>
+            <a:pPr algn="ctr"/>
+            <a:r>
+              <a:rPr lang="en-US" sz="1200" dirty="0" smtClean="0"/>
+              <a:t>Ingest Client11..20</a:t>
+            </a:r>
+            <a:endParaRPr lang="en-US" sz="1200" dirty="0"/>
+          </a:p>
+        </p:txBody>
+      </p:sp>
+      <p:sp>
+        <p:nvSpPr>
+          <p:cNvPr id="58" name="Rectangle 57"/>
+          <p:cNvSpPr/>
+          <p:nvPr/>
+        </p:nvSpPr>
+        <p:spPr>
+          <a:xfrm>
+            <a:off x="3505200" y="152400"/>
+            <a:ext cx="1447800" cy="304800"/>
+          </a:xfrm>
+          <a:prstGeom prst="rect">
+            <a:avLst/>
+          </a:prstGeom>
+        </p:spPr>
+        <p:style>
+          <a:lnRef idx="1">
+            <a:schemeClr val="accent1"/>
+          </a:lnRef>
+          <a:fillRef idx="2">
+            <a:schemeClr val="accent1"/>
+          </a:fillRef>
+          <a:effectRef idx="1">
+            <a:schemeClr val="accent1"/>
+          </a:effectRef>
+          <a:fontRef idx="minor">
+            <a:schemeClr val="dk1"/>
+          </a:fontRef>
+        </p:style>
+        <p:txBody>
+          <a:bodyPr rtlCol="0" anchor="ctr"/>
+          <a:lstStyle/>
+          <a:p>
+            <a:pPr algn="ctr"/>
+            <a:r>
+              <a:rPr lang="en-US" sz="1200" dirty="0" smtClean="0"/>
+              <a:t>Ingest Client21..30</a:t>
+            </a:r>
+            <a:endParaRPr lang="en-US" sz="1200" dirty="0"/>
+          </a:p>
+        </p:txBody>
+      </p:sp>
+      <p:sp>
+        <p:nvSpPr>
+          <p:cNvPr id="59" name="Rectangle 58"/>
+          <p:cNvSpPr/>
+          <p:nvPr/>
+        </p:nvSpPr>
+        <p:spPr>
+          <a:xfrm>
+            <a:off x="5105400" y="152400"/>
+            <a:ext cx="1447800" cy="304800"/>
+          </a:xfrm>
+          <a:prstGeom prst="rect">
+            <a:avLst/>
+          </a:prstGeom>
+        </p:spPr>
+        <p:style>
+          <a:lnRef idx="1">
+            <a:schemeClr val="accent1"/>
+          </a:lnRef>
+          <a:fillRef idx="2">
+            <a:schemeClr val="accent1"/>
+          </a:fillRef>
+          <a:effectRef idx="1">
+            <a:schemeClr val="accent1"/>
+          </a:effectRef>
+          <a:fontRef idx="minor">
+            <a:schemeClr val="dk1"/>
+          </a:fontRef>
+        </p:style>
+        <p:txBody>
+          <a:bodyPr rtlCol="0" anchor="ctr"/>
+          <a:lstStyle/>
+          <a:p>
+            <a:pPr algn="ctr"/>
+            <a:r>
+              <a:rPr lang="en-US" sz="1200" dirty="0" smtClean="0"/>
+              <a:t>Ingest Client31..40</a:t>
+            </a:r>
+            <a:endParaRPr lang="en-US" sz="1200" dirty="0"/>
+          </a:p>
+        </p:txBody>
+      </p:sp>
+      <p:sp>
+        <p:nvSpPr>
+          <p:cNvPr id="62" name="Rectangle 61"/>
+          <p:cNvSpPr/>
+          <p:nvPr/>
+        </p:nvSpPr>
+        <p:spPr>
+          <a:xfrm>
+            <a:off x="6629400" y="152400"/>
+            <a:ext cx="1447800" cy="304800"/>
+          </a:xfrm>
+          <a:prstGeom prst="rect">
+            <a:avLst/>
+          </a:prstGeom>
+        </p:spPr>
+        <p:style>
+          <a:lnRef idx="1">
+            <a:schemeClr val="accent1"/>
+          </a:lnRef>
+          <a:fillRef idx="2">
+            <a:schemeClr val="accent1"/>
+          </a:fillRef>
+          <a:effectRef idx="1">
+            <a:schemeClr val="accent1"/>
+          </a:effectRef>
+          <a:fontRef idx="minor">
+            <a:schemeClr val="dk1"/>
+          </a:fontRef>
+        </p:style>
+        <p:txBody>
+          <a:bodyPr rtlCol="0" anchor="ctr"/>
+          <a:lstStyle/>
+          <a:p>
+            <a:pPr algn="ctr"/>
+            <a:r>
+              <a:rPr lang="en-US" sz="1200" dirty="0" smtClean="0"/>
+              <a:t>Ingest Client41..50</a:t>
+            </a:r>
+            <a:endParaRPr lang="en-US" sz="1200" dirty="0"/>
+          </a:p>
+        </p:txBody>
+      </p:sp>
+      <p:sp>
+        <p:nvSpPr>
+          <p:cNvPr id="63" name="Rectangle 62"/>
+          <p:cNvSpPr/>
+          <p:nvPr/>
+        </p:nvSpPr>
+        <p:spPr>
+          <a:xfrm>
+            <a:off x="5791200" y="2286000"/>
+            <a:ext cx="1447800" cy="533400"/>
+          </a:xfrm>
+          <a:prstGeom prst="rect">
+            <a:avLst/>
+          </a:prstGeom>
+        </p:spPr>
+        <p:style>
+          <a:lnRef idx="1">
+            <a:schemeClr val="accent6"/>
+          </a:lnRef>
+          <a:fillRef idx="3">
+            <a:schemeClr val="accent6"/>
+          </a:fillRef>
+          <a:effectRef idx="2">
+            <a:schemeClr val="accent6"/>
+          </a:effectRef>
+          <a:fontRef idx="minor">
+            <a:schemeClr val="lt1"/>
+          </a:fontRef>
+        </p:style>
+        <p:txBody>
+          <a:bodyPr rtlCol="0" anchor="ctr"/>
+          <a:lstStyle/>
+          <a:p>
+            <a:pPr algn="ctr"/>
+            <a:r>
+              <a:rPr lang="en-US" dirty="0" smtClean="0"/>
+              <a:t>Exchange</a:t>
+            </a:r>
+            <a:endParaRPr lang="en-US" dirty="0"/>
+          </a:p>
+        </p:txBody>
+      </p:sp>
+      <p:sp>
+        <p:nvSpPr>
+          <p:cNvPr id="65" name="Rectangle 64"/>
+          <p:cNvSpPr/>
+          <p:nvPr/>
+        </p:nvSpPr>
+        <p:spPr>
+          <a:xfrm>
+            <a:off x="609600" y="2362200"/>
+            <a:ext cx="1447800" cy="533400"/>
+          </a:xfrm>
+          <a:prstGeom prst="rect">
+            <a:avLst/>
+          </a:prstGeom>
+        </p:spPr>
+        <p:style>
+          <a:lnRef idx="1">
+            <a:schemeClr val="accent6"/>
+          </a:lnRef>
+          <a:fillRef idx="3">
+            <a:schemeClr val="accent6"/>
+          </a:fillRef>
+          <a:effectRef idx="2">
+            <a:schemeClr val="accent6"/>
+          </a:effectRef>
+          <a:fontRef idx="minor">
+            <a:schemeClr val="lt1"/>
+          </a:fontRef>
+        </p:style>
+        <p:txBody>
+          <a:bodyPr rtlCol="0" anchor="ctr"/>
+          <a:lstStyle/>
+          <a:p>
+            <a:pPr algn="ctr"/>
+            <a:r>
+              <a:rPr lang="en-US" dirty="0" smtClean="0"/>
+              <a:t>Cassandra Cluster</a:t>
+            </a:r>
+            <a:endParaRPr lang="en-US" dirty="0"/>
+          </a:p>
+        </p:txBody>
+      </p:sp>
+      <p:sp>
+        <p:nvSpPr>
+          <p:cNvPr id="79" name="Rectangle 78"/>
+          <p:cNvSpPr/>
+          <p:nvPr/>
+        </p:nvSpPr>
+        <p:spPr>
+          <a:xfrm>
+            <a:off x="4267200" y="3200400"/>
+            <a:ext cx="838200" cy="228600"/>
+          </a:xfrm>
+          <a:prstGeom prst="rect">
+            <a:avLst/>
+          </a:prstGeom>
+        </p:spPr>
+        <p:style>
+          <a:lnRef idx="1">
+            <a:schemeClr val="accent6"/>
+          </a:lnRef>
+          <a:fillRef idx="3">
+            <a:schemeClr val="accent6"/>
+          </a:fillRef>
+          <a:effectRef idx="2">
+            <a:schemeClr val="accent6"/>
+          </a:effectRef>
+          <a:fontRef idx="minor">
+            <a:schemeClr val="lt1"/>
+          </a:fontRef>
+        </p:style>
+        <p:txBody>
+          <a:bodyPr rtlCol="0" anchor="ctr"/>
+          <a:lstStyle/>
+          <a:p>
+            <a:pPr algn="ctr"/>
+            <a:r>
+              <a:rPr lang="en-US" dirty="0" smtClean="0"/>
+              <a:t>Queue</a:t>
+            </a:r>
+            <a:endParaRPr lang="en-US" dirty="0"/>
+          </a:p>
+        </p:txBody>
+      </p:sp>
+      <p:sp>
+        <p:nvSpPr>
+          <p:cNvPr id="84" name="Rectangle 83"/>
+          <p:cNvSpPr/>
+          <p:nvPr/>
+        </p:nvSpPr>
+        <p:spPr>
+          <a:xfrm>
+            <a:off x="7924800" y="3200400"/>
+            <a:ext cx="838200" cy="228600"/>
+          </a:xfrm>
+          <a:prstGeom prst="rect">
+            <a:avLst/>
+          </a:prstGeom>
+        </p:spPr>
+        <p:style>
+          <a:lnRef idx="1">
+            <a:schemeClr val="accent6"/>
+          </a:lnRef>
+          <a:fillRef idx="3">
+            <a:schemeClr val="accent6"/>
+          </a:fillRef>
+          <a:effectRef idx="2">
+            <a:schemeClr val="accent6"/>
+          </a:effectRef>
+          <a:fontRef idx="minor">
+            <a:schemeClr val="lt1"/>
+          </a:fontRef>
+        </p:style>
+        <p:txBody>
+          <a:bodyPr rtlCol="0" anchor="ctr"/>
+          <a:lstStyle/>
+          <a:p>
+            <a:pPr algn="ctr"/>
+            <a:r>
+              <a:rPr lang="en-US" dirty="0" smtClean="0"/>
+              <a:t>Queue</a:t>
+            </a:r>
+            <a:endParaRPr lang="en-US" dirty="0"/>
+          </a:p>
+        </p:txBody>
+      </p:sp>
+      <p:sp>
+        <p:nvSpPr>
+          <p:cNvPr id="85" name="Rectangle 84"/>
+          <p:cNvSpPr/>
+          <p:nvPr/>
+        </p:nvSpPr>
+        <p:spPr>
+          <a:xfrm>
+            <a:off x="7010400" y="3200400"/>
+            <a:ext cx="838200" cy="228600"/>
+          </a:xfrm>
+          <a:prstGeom prst="rect">
+            <a:avLst/>
+          </a:prstGeom>
+        </p:spPr>
+        <p:style>
+          <a:lnRef idx="1">
+            <a:schemeClr val="accent6"/>
+          </a:lnRef>
+          <a:fillRef idx="3">
+            <a:schemeClr val="accent6"/>
+          </a:fillRef>
+          <a:effectRef idx="2">
+            <a:schemeClr val="accent6"/>
+          </a:effectRef>
+          <a:fontRef idx="minor">
+            <a:schemeClr val="lt1"/>
+          </a:fontRef>
+        </p:style>
+        <p:txBody>
+          <a:bodyPr rtlCol="0" anchor="ctr"/>
+          <a:lstStyle/>
+          <a:p>
+            <a:pPr algn="ctr"/>
+            <a:r>
+              <a:rPr lang="en-US" dirty="0" smtClean="0"/>
+              <a:t>Queue</a:t>
+            </a:r>
+            <a:endParaRPr lang="en-US" dirty="0"/>
+          </a:p>
+        </p:txBody>
+      </p:sp>
+      <p:sp>
+        <p:nvSpPr>
+          <p:cNvPr id="86" name="Rectangle 85"/>
+          <p:cNvSpPr/>
+          <p:nvPr/>
+        </p:nvSpPr>
+        <p:spPr>
+          <a:xfrm>
+            <a:off x="6096000" y="3200400"/>
+            <a:ext cx="838200" cy="228600"/>
+          </a:xfrm>
+          <a:prstGeom prst="rect">
+            <a:avLst/>
+          </a:prstGeom>
+        </p:spPr>
+        <p:style>
+          <a:lnRef idx="1">
+            <a:schemeClr val="accent6"/>
+          </a:lnRef>
+          <a:fillRef idx="3">
+            <a:schemeClr val="accent6"/>
+          </a:fillRef>
+          <a:effectRef idx="2">
+            <a:schemeClr val="accent6"/>
+          </a:effectRef>
+          <a:fontRef idx="minor">
+            <a:schemeClr val="lt1"/>
+          </a:fontRef>
+        </p:style>
+        <p:txBody>
+          <a:bodyPr rtlCol="0" anchor="ctr"/>
+          <a:lstStyle/>
+          <a:p>
+            <a:pPr algn="ctr"/>
+            <a:r>
+              <a:rPr lang="en-US" dirty="0" smtClean="0"/>
+              <a:t>Queue</a:t>
+            </a:r>
+            <a:endParaRPr lang="en-US" dirty="0"/>
+          </a:p>
+        </p:txBody>
+      </p:sp>
+      <p:sp>
+        <p:nvSpPr>
+          <p:cNvPr id="87" name="Rectangle 86"/>
+          <p:cNvSpPr/>
+          <p:nvPr/>
+        </p:nvSpPr>
+        <p:spPr>
+          <a:xfrm>
+            <a:off x="5181600" y="3200400"/>
+            <a:ext cx="838200" cy="228600"/>
+          </a:xfrm>
+          <a:prstGeom prst="rect">
+            <a:avLst/>
+          </a:prstGeom>
+        </p:spPr>
+        <p:style>
+          <a:lnRef idx="1">
+            <a:schemeClr val="accent6"/>
+          </a:lnRef>
+          <a:fillRef idx="3">
+            <a:schemeClr val="accent6"/>
+          </a:fillRef>
+          <a:effectRef idx="2">
+            <a:schemeClr val="accent6"/>
+          </a:effectRef>
+          <a:fontRef idx="minor">
+            <a:schemeClr val="lt1"/>
+          </a:fontRef>
+        </p:style>
+        <p:txBody>
+          <a:bodyPr rtlCol="0" anchor="ctr"/>
+          <a:lstStyle/>
+          <a:p>
+            <a:pPr algn="ctr"/>
+            <a:r>
+              <a:rPr lang="en-US" dirty="0" smtClean="0"/>
+              <a:t>Queue</a:t>
+            </a:r>
+            <a:endParaRPr lang="en-US" dirty="0"/>
+          </a:p>
+        </p:txBody>
+      </p:sp>
+      <p:sp>
+        <p:nvSpPr>
+          <p:cNvPr id="98" name="Rectangle 97"/>
+          <p:cNvSpPr/>
+          <p:nvPr/>
+        </p:nvSpPr>
+        <p:spPr>
+          <a:xfrm>
+            <a:off x="4343400" y="4114800"/>
+            <a:ext cx="4495800" cy="533400"/>
+          </a:xfrm>
+          <a:prstGeom prst="rect">
+            <a:avLst/>
+          </a:prstGeom>
+        </p:spPr>
+        <p:style>
+          <a:lnRef idx="1">
+            <a:schemeClr val="accent3"/>
+          </a:lnRef>
+          <a:fillRef idx="3">
+            <a:schemeClr val="accent3"/>
+          </a:fillRef>
+          <a:effectRef idx="2">
+            <a:schemeClr val="accent3"/>
+          </a:effectRef>
+          <a:fontRef idx="minor">
+            <a:schemeClr val="lt1"/>
+          </a:fontRef>
+        </p:style>
+        <p:txBody>
+          <a:bodyPr rtlCol="0" anchor="ctr"/>
+          <a:lstStyle/>
+          <a:p>
+            <a:pPr algn="ctr"/>
+            <a:r>
+              <a:rPr lang="en-US" dirty="0" smtClean="0"/>
+              <a:t>Queue Processor</a:t>
+            </a:r>
+            <a:endParaRPr lang="en-US" dirty="0"/>
+          </a:p>
+        </p:txBody>
+      </p:sp>
+      <p:grpSp>
+        <p:nvGrpSpPr>
+          <p:cNvPr id="102" name="Group 101"/>
+          <p:cNvGrpSpPr/>
+          <p:nvPr/>
+        </p:nvGrpSpPr>
+        <p:grpSpPr>
+          <a:xfrm>
+            <a:off x="8267163" y="3810000"/>
+            <a:ext cx="152400" cy="304800"/>
+            <a:chOff x="2438400" y="5105400"/>
+            <a:chExt cx="152400" cy="381000"/>
+          </a:xfrm>
+        </p:grpSpPr>
+        <p:sp>
+          <p:nvSpPr>
+            <p:cNvPr id="99" name="Oval 98"/>
+            <p:cNvSpPr/>
+            <p:nvPr/>
+          </p:nvSpPr>
+          <p:spPr>
+            <a:xfrm>
+              <a:off x="2438400" y="5105400"/>
+              <a:ext cx="152400" cy="152400"/>
+            </a:xfrm>
+            <a:prstGeom prst="ellipse">
+              <a:avLst/>
+            </a:prstGeom>
+          </p:spPr>
+          <p:style>
+            <a:lnRef idx="1">
+              <a:schemeClr val="accent3"/>
+            </a:lnRef>
+            <a:fillRef idx="3">
+              <a:schemeClr val="accent3"/>
+            </a:fillRef>
+            <a:effectRef idx="2">
+              <a:schemeClr val="accent3"/>
+            </a:effectRef>
+            <a:fontRef idx="minor">
+              <a:schemeClr val="lt1"/>
+            </a:fontRef>
+          </p:style>
+          <p:txBody>
+            <a:bodyPr rtlCol="0" anchor="ctr"/>
+            <a:lstStyle/>
+            <a:p>
+              <a:pPr algn="ctr"/>
+              <a:endParaRPr lang="en-US"/>
+            </a:p>
+          </p:txBody>
+        </p:sp>
+        <p:cxnSp>
+          <p:nvCxnSpPr>
+            <p:cNvPr id="101" name="Straight Connector 100"/>
+            <p:cNvCxnSpPr>
+              <a:endCxn id="99" idx="4"/>
+            </p:cNvCxnSpPr>
+            <p:nvPr/>
+          </p:nvCxnSpPr>
+          <p:spPr>
+            <a:xfrm flipV="1">
+              <a:off x="2514600" y="5257800"/>
+              <a:ext cx="0" cy="228600"/>
+            </a:xfrm>
+            <a:prstGeom prst="line">
+              <a:avLst/>
+            </a:prstGeom>
+            <a:ln/>
+          </p:spPr>
+          <p:style>
+            <a:lnRef idx="1">
+              <a:schemeClr val="accent3"/>
+            </a:lnRef>
+            <a:fillRef idx="3">
+              <a:schemeClr val="accent3"/>
+            </a:fillRef>
+            <a:effectRef idx="2">
+              <a:schemeClr val="accent3"/>
+            </a:effectRef>
+            <a:fontRef idx="minor">
+              <a:schemeClr val="lt1"/>
+            </a:fontRef>
+          </p:style>
+        </p:cxnSp>
+      </p:grpSp>
+      <p:grpSp>
+        <p:nvGrpSpPr>
+          <p:cNvPr id="103" name="Group 102"/>
+          <p:cNvGrpSpPr/>
+          <p:nvPr/>
+        </p:nvGrpSpPr>
+        <p:grpSpPr>
+          <a:xfrm>
+            <a:off x="7351689" y="3810000"/>
+            <a:ext cx="152400" cy="304800"/>
+            <a:chOff x="2438400" y="5105400"/>
+            <a:chExt cx="152400" cy="381000"/>
+          </a:xfrm>
+        </p:grpSpPr>
+        <p:sp>
+          <p:nvSpPr>
+            <p:cNvPr id="104" name="Oval 103"/>
+            <p:cNvSpPr/>
+            <p:nvPr/>
+          </p:nvSpPr>
+          <p:spPr>
+            <a:xfrm>
+              <a:off x="2438400" y="5105400"/>
+              <a:ext cx="152400" cy="152400"/>
+            </a:xfrm>
+            <a:prstGeom prst="ellipse">
+              <a:avLst/>
+            </a:prstGeom>
+          </p:spPr>
+          <p:style>
+            <a:lnRef idx="1">
+              <a:schemeClr val="accent3"/>
+            </a:lnRef>
+            <a:fillRef idx="3">
+              <a:schemeClr val="accent3"/>
+            </a:fillRef>
+            <a:effectRef idx="2">
+              <a:schemeClr val="accent3"/>
+            </a:effectRef>
+            <a:fontRef idx="minor">
+              <a:schemeClr val="lt1"/>
+            </a:fontRef>
+          </p:style>
+          <p:txBody>
+            <a:bodyPr rtlCol="0" anchor="ctr"/>
+            <a:lstStyle/>
+            <a:p>
+              <a:pPr algn="ctr"/>
+              <a:endParaRPr lang="en-US"/>
+            </a:p>
+          </p:txBody>
+        </p:sp>
+        <p:cxnSp>
+          <p:nvCxnSpPr>
+            <p:cNvPr id="105" name="Straight Connector 104"/>
+            <p:cNvCxnSpPr>
+              <a:endCxn id="104" idx="4"/>
+            </p:cNvCxnSpPr>
+            <p:nvPr/>
+          </p:nvCxnSpPr>
+          <p:spPr>
+            <a:xfrm flipV="1">
+              <a:off x="2514600" y="5257800"/>
+              <a:ext cx="0" cy="228600"/>
+            </a:xfrm>
+            <a:prstGeom prst="line">
+              <a:avLst/>
+            </a:prstGeom>
+            <a:ln/>
+          </p:spPr>
+          <p:style>
+            <a:lnRef idx="1">
+              <a:schemeClr val="accent3"/>
+            </a:lnRef>
+            <a:fillRef idx="3">
+              <a:schemeClr val="accent3"/>
+            </a:fillRef>
+            <a:effectRef idx="2">
+              <a:schemeClr val="accent3"/>
+            </a:effectRef>
+            <a:fontRef idx="minor">
+              <a:schemeClr val="lt1"/>
+            </a:fontRef>
+          </p:style>
+        </p:cxnSp>
+      </p:grpSp>
+      <p:grpSp>
+        <p:nvGrpSpPr>
+          <p:cNvPr id="106" name="Group 105"/>
+          <p:cNvGrpSpPr/>
+          <p:nvPr/>
+        </p:nvGrpSpPr>
+        <p:grpSpPr>
+          <a:xfrm>
+            <a:off x="6437289" y="3810000"/>
+            <a:ext cx="152400" cy="304800"/>
+            <a:chOff x="2438400" y="5105400"/>
+            <a:chExt cx="152400" cy="381000"/>
+          </a:xfrm>
+        </p:grpSpPr>
+        <p:sp>
+          <p:nvSpPr>
+            <p:cNvPr id="107" name="Oval 106"/>
+            <p:cNvSpPr/>
+            <p:nvPr/>
+          </p:nvSpPr>
+          <p:spPr>
+            <a:xfrm>
+              <a:off x="2438400" y="5105400"/>
+              <a:ext cx="152400" cy="152400"/>
+            </a:xfrm>
+            <a:prstGeom prst="ellipse">
+              <a:avLst/>
+            </a:prstGeom>
+          </p:spPr>
+          <p:style>
+            <a:lnRef idx="1">
+              <a:schemeClr val="accent3"/>
+            </a:lnRef>
+            <a:fillRef idx="3">
+              <a:schemeClr val="accent3"/>
+            </a:fillRef>
+            <a:effectRef idx="2">
+              <a:schemeClr val="accent3"/>
+            </a:effectRef>
+            <a:fontRef idx="minor">
+              <a:schemeClr val="lt1"/>
+            </a:fontRef>
+          </p:style>
+          <p:txBody>
+            <a:bodyPr rtlCol="0" anchor="ctr"/>
+            <a:lstStyle/>
+            <a:p>
+              <a:pPr algn="ctr"/>
+              <a:endParaRPr lang="en-US"/>
+            </a:p>
+          </p:txBody>
+        </p:sp>
+        <p:cxnSp>
+          <p:nvCxnSpPr>
+            <p:cNvPr id="108" name="Straight Connector 107"/>
+            <p:cNvCxnSpPr>
+              <a:endCxn id="107" idx="4"/>
+            </p:cNvCxnSpPr>
+            <p:nvPr/>
+          </p:nvCxnSpPr>
+          <p:spPr>
+            <a:xfrm flipV="1">
+              <a:off x="2514600" y="5257800"/>
+              <a:ext cx="0" cy="228600"/>
+            </a:xfrm>
+            <a:prstGeom prst="line">
+              <a:avLst/>
+            </a:prstGeom>
+            <a:ln/>
+          </p:spPr>
+          <p:style>
+            <a:lnRef idx="1">
+              <a:schemeClr val="accent3"/>
+            </a:lnRef>
+            <a:fillRef idx="3">
+              <a:schemeClr val="accent3"/>
+            </a:fillRef>
+            <a:effectRef idx="2">
+              <a:schemeClr val="accent3"/>
+            </a:effectRef>
+            <a:fontRef idx="minor">
+              <a:schemeClr val="lt1"/>
+            </a:fontRef>
+          </p:style>
+        </p:cxnSp>
+      </p:grpSp>
+      <p:grpSp>
+        <p:nvGrpSpPr>
+          <p:cNvPr id="109" name="Group 108"/>
+          <p:cNvGrpSpPr/>
+          <p:nvPr/>
+        </p:nvGrpSpPr>
+        <p:grpSpPr>
+          <a:xfrm>
+            <a:off x="5522889" y="3810000"/>
+            <a:ext cx="152400" cy="304800"/>
+            <a:chOff x="2438400" y="5105400"/>
+            <a:chExt cx="152400" cy="381000"/>
+          </a:xfrm>
+        </p:grpSpPr>
+        <p:sp>
+          <p:nvSpPr>
+            <p:cNvPr id="110" name="Oval 109"/>
+            <p:cNvSpPr/>
+            <p:nvPr/>
+          </p:nvSpPr>
+          <p:spPr>
+            <a:xfrm>
+              <a:off x="2438400" y="5105400"/>
+              <a:ext cx="152400" cy="152400"/>
+            </a:xfrm>
+            <a:prstGeom prst="ellipse">
+              <a:avLst/>
+            </a:prstGeom>
+          </p:spPr>
+          <p:style>
+            <a:lnRef idx="1">
+              <a:schemeClr val="accent3"/>
+            </a:lnRef>
+            <a:fillRef idx="3">
+              <a:schemeClr val="accent3"/>
+            </a:fillRef>
+            <a:effectRef idx="2">
+              <a:schemeClr val="accent3"/>
+            </a:effectRef>
+            <a:fontRef idx="minor">
+              <a:schemeClr val="lt1"/>
+            </a:fontRef>
+          </p:style>
+          <p:txBody>
+            <a:bodyPr rtlCol="0" anchor="ctr"/>
+            <a:lstStyle/>
+            <a:p>
+              <a:pPr algn="ctr"/>
+              <a:endParaRPr lang="en-US"/>
+            </a:p>
+          </p:txBody>
+        </p:sp>
+        <p:cxnSp>
+          <p:nvCxnSpPr>
+            <p:cNvPr id="111" name="Straight Connector 110"/>
+            <p:cNvCxnSpPr>
+              <a:endCxn id="110" idx="4"/>
+            </p:cNvCxnSpPr>
+            <p:nvPr/>
+          </p:nvCxnSpPr>
+          <p:spPr>
+            <a:xfrm flipV="1">
+              <a:off x="2514600" y="5257800"/>
+              <a:ext cx="0" cy="228600"/>
+            </a:xfrm>
+            <a:prstGeom prst="line">
+              <a:avLst/>
+            </a:prstGeom>
+            <a:ln/>
+          </p:spPr>
+          <p:style>
+            <a:lnRef idx="1">
+              <a:schemeClr val="accent3"/>
+            </a:lnRef>
+            <a:fillRef idx="3">
+              <a:schemeClr val="accent3"/>
+            </a:fillRef>
+            <a:effectRef idx="2">
+              <a:schemeClr val="accent3"/>
+            </a:effectRef>
+            <a:fontRef idx="minor">
+              <a:schemeClr val="lt1"/>
+            </a:fontRef>
+          </p:style>
+        </p:cxnSp>
+      </p:grpSp>
+      <p:grpSp>
+        <p:nvGrpSpPr>
+          <p:cNvPr id="112" name="Group 111"/>
+          <p:cNvGrpSpPr/>
+          <p:nvPr/>
+        </p:nvGrpSpPr>
+        <p:grpSpPr>
+          <a:xfrm>
+            <a:off x="4610637" y="3810000"/>
+            <a:ext cx="152400" cy="304800"/>
+            <a:chOff x="2514600" y="5105400"/>
+            <a:chExt cx="152400" cy="381000"/>
+          </a:xfrm>
+        </p:grpSpPr>
+        <p:sp>
+          <p:nvSpPr>
+            <p:cNvPr id="113" name="Oval 112"/>
+            <p:cNvSpPr/>
+            <p:nvPr/>
+          </p:nvSpPr>
+          <p:spPr>
+            <a:xfrm>
+              <a:off x="2514600" y="5105400"/>
+              <a:ext cx="152400" cy="152400"/>
+            </a:xfrm>
+            <a:prstGeom prst="ellipse">
+              <a:avLst/>
+            </a:prstGeom>
+          </p:spPr>
+          <p:style>
+            <a:lnRef idx="1">
+              <a:schemeClr val="accent3"/>
+            </a:lnRef>
+            <a:fillRef idx="3">
+              <a:schemeClr val="accent3"/>
+            </a:fillRef>
+            <a:effectRef idx="2">
+              <a:schemeClr val="accent3"/>
+            </a:effectRef>
+            <a:fontRef idx="minor">
+              <a:schemeClr val="lt1"/>
+            </a:fontRef>
+          </p:style>
+          <p:txBody>
+            <a:bodyPr rtlCol="0" anchor="ctr"/>
+            <a:lstStyle/>
+            <a:p>
+              <a:pPr algn="ctr"/>
+              <a:endParaRPr lang="en-US"/>
+            </a:p>
+          </p:txBody>
+        </p:sp>
+        <p:cxnSp>
+          <p:nvCxnSpPr>
+            <p:cNvPr id="114" name="Straight Connector 113"/>
+            <p:cNvCxnSpPr>
+              <a:endCxn id="113" idx="4"/>
+            </p:cNvCxnSpPr>
+            <p:nvPr/>
+          </p:nvCxnSpPr>
+          <p:spPr>
+            <a:xfrm flipV="1">
+              <a:off x="2590800" y="5257800"/>
+              <a:ext cx="0" cy="228600"/>
+            </a:xfrm>
+            <a:prstGeom prst="line">
+              <a:avLst/>
+            </a:prstGeom>
+            <a:ln/>
+          </p:spPr>
+          <p:style>
+            <a:lnRef idx="1">
+              <a:schemeClr val="accent3"/>
+            </a:lnRef>
+            <a:fillRef idx="3">
+              <a:schemeClr val="accent3"/>
+            </a:fillRef>
+            <a:effectRef idx="2">
+              <a:schemeClr val="accent3"/>
+            </a:effectRef>
+            <a:fontRef idx="minor">
+              <a:schemeClr val="lt1"/>
+            </a:fontRef>
+          </p:style>
+        </p:cxnSp>
+      </p:grpSp>
+      <p:cxnSp>
+        <p:nvCxnSpPr>
+          <p:cNvPr id="117" name="Elbow Connector 116"/>
+          <p:cNvCxnSpPr>
+            <a:stCxn id="113" idx="0"/>
+            <a:endCxn id="79" idx="2"/>
+          </p:cNvCxnSpPr>
+          <p:nvPr/>
+        </p:nvCxnSpPr>
+        <p:spPr>
+          <a:xfrm rot="16200000" flipV="1">
+            <a:off x="4496069" y="3619231"/>
+            <a:ext cx="381000" cy="537"/>
+          </a:xfrm>
+          <a:prstGeom prst="bentConnector3">
+            <a:avLst>
+              <a:gd name="adj1" fmla="val 50000"/>
+            </a:avLst>
+          </a:prstGeom>
+          <a:ln>
+            <a:tailEnd type="arrow"/>
+          </a:ln>
+        </p:spPr>
+        <p:style>
+          <a:lnRef idx="1">
+            <a:schemeClr val="accent1"/>
+          </a:lnRef>
+          <a:fillRef idx="0">
+            <a:schemeClr val="accent1"/>
+          </a:fillRef>
+          <a:effectRef idx="0">
+            <a:schemeClr val="accent1"/>
+          </a:effectRef>
+          <a:fontRef idx="minor">
+            <a:schemeClr val="tx1"/>
+          </a:fontRef>
+        </p:style>
+      </p:cxnSp>
+      <p:cxnSp>
+        <p:nvCxnSpPr>
+          <p:cNvPr id="119" name="Elbow Connector 118"/>
+          <p:cNvCxnSpPr>
+            <a:stCxn id="110" idx="0"/>
+            <a:endCxn id="87" idx="2"/>
+          </p:cNvCxnSpPr>
+          <p:nvPr/>
+        </p:nvCxnSpPr>
+        <p:spPr>
+          <a:xfrm rot="5400000" flipH="1" flipV="1">
+            <a:off x="5409394" y="3618695"/>
+            <a:ext cx="381000" cy="1611"/>
+          </a:xfrm>
+          <a:prstGeom prst="bentConnector3">
+            <a:avLst>
+              <a:gd name="adj1" fmla="val 50000"/>
+            </a:avLst>
+          </a:prstGeom>
+          <a:ln>
+            <a:tailEnd type="arrow"/>
+          </a:ln>
+        </p:spPr>
+        <p:style>
+          <a:lnRef idx="1">
+            <a:schemeClr val="accent1"/>
+          </a:lnRef>
+          <a:fillRef idx="0">
+            <a:schemeClr val="accent1"/>
+          </a:fillRef>
+          <a:effectRef idx="0">
+            <a:schemeClr val="accent1"/>
+          </a:effectRef>
+          <a:fontRef idx="minor">
+            <a:schemeClr val="tx1"/>
+          </a:fontRef>
+        </p:style>
+      </p:cxnSp>
+      <p:cxnSp>
+        <p:nvCxnSpPr>
+          <p:cNvPr id="121" name="Elbow Connector 120"/>
+          <p:cNvCxnSpPr>
+            <a:stCxn id="107" idx="0"/>
+            <a:endCxn id="86" idx="2"/>
+          </p:cNvCxnSpPr>
+          <p:nvPr/>
+        </p:nvCxnSpPr>
+        <p:spPr>
+          <a:xfrm rot="5400000" flipH="1" flipV="1">
+            <a:off x="6323794" y="3618695"/>
+            <a:ext cx="381000" cy="1611"/>
+          </a:xfrm>
+          <a:prstGeom prst="bentConnector3">
+            <a:avLst>
+              <a:gd name="adj1" fmla="val 50000"/>
+            </a:avLst>
+          </a:prstGeom>
+          <a:ln>
+            <a:tailEnd type="arrow"/>
+          </a:ln>
+        </p:spPr>
+        <p:style>
+          <a:lnRef idx="1">
+            <a:schemeClr val="accent1"/>
+          </a:lnRef>
+          <a:fillRef idx="0">
+            <a:schemeClr val="accent1"/>
+          </a:fillRef>
+          <a:effectRef idx="0">
+            <a:schemeClr val="accent1"/>
+          </a:effectRef>
+          <a:fontRef idx="minor">
+            <a:schemeClr val="tx1"/>
+          </a:fontRef>
+        </p:style>
+      </p:cxnSp>
+      <p:cxnSp>
+        <p:nvCxnSpPr>
+          <p:cNvPr id="123" name="Elbow Connector 122"/>
+          <p:cNvCxnSpPr>
+            <a:stCxn id="104" idx="0"/>
+            <a:endCxn id="85" idx="2"/>
+          </p:cNvCxnSpPr>
+          <p:nvPr/>
+        </p:nvCxnSpPr>
+        <p:spPr>
+          <a:xfrm rot="5400000" flipH="1" flipV="1">
+            <a:off x="7238194" y="3618695"/>
+            <a:ext cx="381000" cy="1611"/>
+          </a:xfrm>
+          <a:prstGeom prst="bentConnector3">
+            <a:avLst>
+              <a:gd name="adj1" fmla="val 50000"/>
+            </a:avLst>
+          </a:prstGeom>
+          <a:ln>
+            <a:tailEnd type="arrow"/>
+          </a:ln>
+        </p:spPr>
+        <p:style>
+          <a:lnRef idx="1">
+            <a:schemeClr val="accent1"/>
+          </a:lnRef>
+          <a:fillRef idx="0">
+            <a:schemeClr val="accent1"/>
+          </a:fillRef>
+          <a:effectRef idx="0">
+            <a:schemeClr val="accent1"/>
+          </a:effectRef>
+          <a:fontRef idx="minor">
+            <a:schemeClr val="tx1"/>
+          </a:fontRef>
+        </p:style>
+      </p:cxnSp>
+      <p:cxnSp>
+        <p:nvCxnSpPr>
+          <p:cNvPr id="125" name="Elbow Connector 124"/>
+          <p:cNvCxnSpPr>
+            <a:stCxn id="99" idx="0"/>
+            <a:endCxn id="84" idx="2"/>
+          </p:cNvCxnSpPr>
+          <p:nvPr/>
+        </p:nvCxnSpPr>
+        <p:spPr>
+          <a:xfrm rot="5400000" flipH="1" flipV="1">
+            <a:off x="8153131" y="3619232"/>
+            <a:ext cx="381000" cy="537"/>
+          </a:xfrm>
+          <a:prstGeom prst="bentConnector3">
+            <a:avLst>
+              <a:gd name="adj1" fmla="val 50000"/>
+            </a:avLst>
+          </a:prstGeom>
+          <a:ln>
+            <a:tailEnd type="arrow"/>
+          </a:ln>
+        </p:spPr>
+        <p:style>
+          <a:lnRef idx="1">
+            <a:schemeClr val="accent1"/>
+          </a:lnRef>
+          <a:fillRef idx="0">
+            <a:schemeClr val="accent1"/>
+          </a:fillRef>
+          <a:effectRef idx="0">
+            <a:schemeClr val="accent1"/>
+          </a:effectRef>
+          <a:fontRef idx="minor">
+            <a:schemeClr val="tx1"/>
+          </a:fontRef>
+        </p:style>
+      </p:cxnSp>
+      <p:sp>
+        <p:nvSpPr>
+          <p:cNvPr id="128" name="Rectangle 127"/>
+          <p:cNvSpPr/>
+          <p:nvPr/>
+        </p:nvSpPr>
+        <p:spPr>
+          <a:xfrm>
+            <a:off x="610674" y="4114800"/>
+            <a:ext cx="1447800" cy="533400"/>
+          </a:xfrm>
+          <a:prstGeom prst="rect">
+            <a:avLst/>
+          </a:prstGeom>
+        </p:spPr>
+        <p:style>
+          <a:lnRef idx="1">
+            <a:schemeClr val="accent6"/>
+          </a:lnRef>
+          <a:fillRef idx="3">
+            <a:schemeClr val="accent6"/>
+          </a:fillRef>
+          <a:effectRef idx="2">
+            <a:schemeClr val="accent6"/>
+          </a:effectRef>
+          <a:fontRef idx="minor">
+            <a:schemeClr val="lt1"/>
+          </a:fontRef>
+        </p:style>
+        <p:txBody>
+          <a:bodyPr rtlCol="0" anchor="ctr"/>
+          <a:lstStyle/>
+          <a:p>
+            <a:pPr algn="ctr"/>
+            <a:r>
+              <a:rPr lang="en-US" dirty="0" smtClean="0"/>
+              <a:t>ES Cluster</a:t>
+            </a:r>
+            <a:endParaRPr lang="en-US" dirty="0"/>
+          </a:p>
+        </p:txBody>
+      </p:sp>
+      <p:cxnSp>
+        <p:nvCxnSpPr>
+          <p:cNvPr id="130" name="Elbow Connector 129"/>
+          <p:cNvCxnSpPr>
+            <a:stCxn id="98" idx="1"/>
+            <a:endCxn id="128" idx="3"/>
+          </p:cNvCxnSpPr>
+          <p:nvPr/>
+        </p:nvCxnSpPr>
+        <p:spPr>
+          <a:xfrm rot="10800000">
+            <a:off x="2058474" y="4381500"/>
+            <a:ext cx="2284926" cy="12700"/>
+          </a:xfrm>
+          <a:prstGeom prst="bentConnector3">
+            <a:avLst>
+              <a:gd name="adj1" fmla="val 50000"/>
+            </a:avLst>
+          </a:prstGeom>
+          <a:ln>
+            <a:tailEnd type="arrow"/>
+          </a:ln>
+        </p:spPr>
+        <p:style>
+          <a:lnRef idx="1">
+            <a:schemeClr val="accent1"/>
+          </a:lnRef>
+          <a:fillRef idx="0">
+            <a:schemeClr val="accent1"/>
+          </a:fillRef>
+          <a:effectRef idx="0">
+            <a:schemeClr val="accent1"/>
+          </a:effectRef>
+          <a:fontRef idx="minor">
+            <a:schemeClr val="tx1"/>
+          </a:fontRef>
+        </p:style>
+      </p:cxnSp>
+      <p:cxnSp>
+        <p:nvCxnSpPr>
+          <p:cNvPr id="179" name="Elbow Connector 178"/>
+          <p:cNvCxnSpPr>
+            <a:stCxn id="98" idx="1"/>
+            <a:endCxn id="65" idx="3"/>
+          </p:cNvCxnSpPr>
+          <p:nvPr/>
+        </p:nvCxnSpPr>
+        <p:spPr>
+          <a:xfrm rot="10800000">
+            <a:off x="2057400" y="2628900"/>
+            <a:ext cx="2286000" cy="1752600"/>
+          </a:xfrm>
+          <a:prstGeom prst="bentConnector3">
+            <a:avLst>
+              <a:gd name="adj1" fmla="val 50000"/>
+            </a:avLst>
+          </a:prstGeom>
+          <a:ln>
+            <a:tailEnd type="arrow"/>
+          </a:ln>
+        </p:spPr>
+        <p:style>
+          <a:lnRef idx="1">
+            <a:schemeClr val="accent1"/>
+          </a:lnRef>
+          <a:fillRef idx="0">
+            <a:schemeClr val="accent1"/>
+          </a:fillRef>
+          <a:effectRef idx="0">
+            <a:schemeClr val="accent1"/>
+          </a:effectRef>
+          <a:fontRef idx="minor">
+            <a:schemeClr val="tx1"/>
+          </a:fontRef>
+        </p:style>
+      </p:cxnSp>
+      <p:sp>
+        <p:nvSpPr>
+          <p:cNvPr id="191" name="Rectangle 190"/>
+          <p:cNvSpPr/>
+          <p:nvPr/>
+        </p:nvSpPr>
+        <p:spPr>
+          <a:xfrm>
+            <a:off x="533400" y="6477000"/>
+            <a:ext cx="1447800" cy="304800"/>
+          </a:xfrm>
+          <a:prstGeom prst="rect">
+            <a:avLst/>
+          </a:prstGeom>
+        </p:spPr>
+        <p:style>
+          <a:lnRef idx="1">
+            <a:schemeClr val="accent1"/>
+          </a:lnRef>
+          <a:fillRef idx="2">
+            <a:schemeClr val="accent1"/>
+          </a:fillRef>
+          <a:effectRef idx="1">
+            <a:schemeClr val="accent1"/>
+          </a:effectRef>
+          <a:fontRef idx="minor">
+            <a:schemeClr val="dk1"/>
+          </a:fontRef>
+        </p:style>
+        <p:txBody>
+          <a:bodyPr rtlCol="0" anchor="ctr"/>
+          <a:lstStyle/>
+          <a:p>
+            <a:pPr algn="ctr"/>
+            <a:r>
+              <a:rPr lang="en-US" sz="1200" dirty="0" smtClean="0"/>
+              <a:t>Query Client1..10</a:t>
+            </a:r>
+            <a:endParaRPr lang="en-US" sz="1200" dirty="0"/>
+          </a:p>
+        </p:txBody>
+      </p:sp>
+      <p:sp>
+        <p:nvSpPr>
+          <p:cNvPr id="192" name="Rectangle 191"/>
+          <p:cNvSpPr/>
+          <p:nvPr/>
+        </p:nvSpPr>
+        <p:spPr>
+          <a:xfrm>
+            <a:off x="2133600" y="6477000"/>
+            <a:ext cx="1447800" cy="304800"/>
+          </a:xfrm>
+          <a:prstGeom prst="rect">
+            <a:avLst/>
+          </a:prstGeom>
+        </p:spPr>
+        <p:style>
+          <a:lnRef idx="1">
+            <a:schemeClr val="accent1"/>
+          </a:lnRef>
+          <a:fillRef idx="2">
+            <a:schemeClr val="accent1"/>
+          </a:fillRef>
+          <a:effectRef idx="1">
+            <a:schemeClr val="accent1"/>
+          </a:effectRef>
+          <a:fontRef idx="minor">
+            <a:schemeClr val="dk1"/>
+          </a:fontRef>
+        </p:style>
+        <p:txBody>
+          <a:bodyPr rtlCol="0" anchor="ctr"/>
+          <a:lstStyle/>
+          <a:p>
+            <a:pPr algn="ctr"/>
+            <a:r>
+              <a:rPr lang="en-US" sz="1200" dirty="0" smtClean="0"/>
+              <a:t>Query Client11..20</a:t>
+            </a:r>
+            <a:endParaRPr lang="en-US" sz="1200" dirty="0"/>
+          </a:p>
+        </p:txBody>
+      </p:sp>
+      <p:sp>
+        <p:nvSpPr>
+          <p:cNvPr id="193" name="Rectangle 192"/>
+          <p:cNvSpPr/>
+          <p:nvPr/>
+        </p:nvSpPr>
+        <p:spPr>
+          <a:xfrm>
+            <a:off x="3733800" y="6477000"/>
+            <a:ext cx="1447800" cy="304800"/>
+          </a:xfrm>
+          <a:prstGeom prst="rect">
+            <a:avLst/>
+          </a:prstGeom>
+        </p:spPr>
+        <p:style>
+          <a:lnRef idx="1">
+            <a:schemeClr val="accent1"/>
+          </a:lnRef>
+          <a:fillRef idx="2">
+            <a:schemeClr val="accent1"/>
+          </a:fillRef>
+          <a:effectRef idx="1">
+            <a:schemeClr val="accent1"/>
+          </a:effectRef>
+          <a:fontRef idx="minor">
+            <a:schemeClr val="dk1"/>
+          </a:fontRef>
+        </p:style>
+        <p:txBody>
+          <a:bodyPr rtlCol="0" anchor="ctr"/>
+          <a:lstStyle/>
+          <a:p>
+            <a:pPr algn="ctr"/>
+            <a:r>
+              <a:rPr lang="en-US" sz="1200" dirty="0" smtClean="0"/>
+              <a:t>Query Client21..30</a:t>
+            </a:r>
+            <a:endParaRPr lang="en-US" sz="1200" dirty="0"/>
+          </a:p>
+        </p:txBody>
+      </p:sp>
+      <p:sp>
+        <p:nvSpPr>
+          <p:cNvPr id="194" name="Rectangle 193"/>
+          <p:cNvSpPr/>
+          <p:nvPr/>
+        </p:nvSpPr>
+        <p:spPr>
+          <a:xfrm>
+            <a:off x="5334000" y="6477000"/>
+            <a:ext cx="1447800" cy="304800"/>
+          </a:xfrm>
+          <a:prstGeom prst="rect">
+            <a:avLst/>
+          </a:prstGeom>
+        </p:spPr>
+        <p:style>
+          <a:lnRef idx="1">
+            <a:schemeClr val="accent1"/>
+          </a:lnRef>
+          <a:fillRef idx="2">
+            <a:schemeClr val="accent1"/>
+          </a:fillRef>
+          <a:effectRef idx="1">
+            <a:schemeClr val="accent1"/>
+          </a:effectRef>
+          <a:fontRef idx="minor">
+            <a:schemeClr val="dk1"/>
+          </a:fontRef>
+        </p:style>
+        <p:txBody>
+          <a:bodyPr rtlCol="0" anchor="ctr"/>
+          <a:lstStyle/>
+          <a:p>
+            <a:pPr algn="ctr"/>
+            <a:r>
+              <a:rPr lang="en-US" sz="1200" dirty="0" smtClean="0"/>
+              <a:t>Query Client31..40</a:t>
+            </a:r>
+            <a:endParaRPr lang="en-US" sz="1200" dirty="0"/>
+          </a:p>
+        </p:txBody>
+      </p:sp>
+      <p:sp>
+        <p:nvSpPr>
+          <p:cNvPr id="195" name="Rectangle 194"/>
+          <p:cNvSpPr/>
+          <p:nvPr/>
+        </p:nvSpPr>
+        <p:spPr>
+          <a:xfrm>
+            <a:off x="6858000" y="6477000"/>
+            <a:ext cx="1447800" cy="304800"/>
+          </a:xfrm>
+          <a:prstGeom prst="rect">
+            <a:avLst/>
+          </a:prstGeom>
+        </p:spPr>
+        <p:style>
+          <a:lnRef idx="1">
+            <a:schemeClr val="accent1"/>
+          </a:lnRef>
+          <a:fillRef idx="2">
+            <a:schemeClr val="accent1"/>
+          </a:fillRef>
+          <a:effectRef idx="1">
+            <a:schemeClr val="accent1"/>
+          </a:effectRef>
+          <a:fontRef idx="minor">
+            <a:schemeClr val="dk1"/>
+          </a:fontRef>
+        </p:style>
+        <p:txBody>
+          <a:bodyPr rtlCol="0" anchor="ctr"/>
+          <a:lstStyle/>
+          <a:p>
+            <a:pPr algn="ctr"/>
+            <a:r>
+              <a:rPr lang="en-US" sz="1200" dirty="0" smtClean="0"/>
+              <a:t>Query Client41..50</a:t>
+            </a:r>
+            <a:endParaRPr lang="en-US" sz="1200" dirty="0"/>
+          </a:p>
+        </p:txBody>
+      </p:sp>
+      <p:sp>
+        <p:nvSpPr>
+          <p:cNvPr id="196" name="Rectangle 195"/>
+          <p:cNvSpPr/>
+          <p:nvPr/>
+        </p:nvSpPr>
+        <p:spPr>
+          <a:xfrm>
+            <a:off x="457200" y="5943600"/>
+            <a:ext cx="8001000" cy="457200"/>
+          </a:xfrm>
+          <a:prstGeom prst="rect">
+            <a:avLst/>
+          </a:prstGeom>
+        </p:spPr>
+        <p:style>
+          <a:lnRef idx="1">
+            <a:schemeClr val="accent1"/>
+          </a:lnRef>
+          <a:fillRef idx="3">
+            <a:schemeClr val="accent1"/>
+          </a:fillRef>
+          <a:effectRef idx="2">
+            <a:schemeClr val="accent1"/>
+          </a:effectRef>
+          <a:fontRef idx="minor">
+            <a:schemeClr val="lt1"/>
+          </a:fontRef>
+        </p:style>
+        <p:txBody>
+          <a:bodyPr rtlCol="0" anchor="ctr"/>
+          <a:lstStyle/>
+          <a:p>
+            <a:pPr algn="ctr"/>
+            <a:r>
+              <a:rPr lang="en-US" sz="3200" dirty="0" smtClean="0"/>
+              <a:t>Load Balancer</a:t>
+            </a:r>
+            <a:endParaRPr lang="en-US" sz="3200" dirty="0"/>
+          </a:p>
+        </p:txBody>
+      </p:sp>
+      <p:sp>
+        <p:nvSpPr>
+          <p:cNvPr id="197" name="Rectangle 196"/>
+          <p:cNvSpPr/>
+          <p:nvPr/>
+        </p:nvSpPr>
+        <p:spPr>
+          <a:xfrm>
+            <a:off x="533400" y="5257800"/>
+            <a:ext cx="1447800" cy="533400"/>
+          </a:xfrm>
+          <a:prstGeom prst="rect">
+            <a:avLst/>
+          </a:prstGeom>
+        </p:spPr>
+        <p:style>
+          <a:lnRef idx="1">
+            <a:schemeClr val="accent3"/>
+          </a:lnRef>
+          <a:fillRef idx="3">
+            <a:schemeClr val="accent3"/>
+          </a:fillRef>
+          <a:effectRef idx="2">
+            <a:schemeClr val="accent3"/>
+          </a:effectRef>
+          <a:fontRef idx="minor">
+            <a:schemeClr val="lt1"/>
+          </a:fontRef>
+        </p:style>
+        <p:txBody>
+          <a:bodyPr rtlCol="0" anchor="b"/>
+          <a:lstStyle/>
+          <a:p>
+            <a:pPr algn="ctr"/>
+            <a:r>
+              <a:rPr lang="en-US" sz="1400" dirty="0" smtClean="0"/>
+              <a:t>Query Interface</a:t>
+            </a:r>
+            <a:endParaRPr lang="en-US" sz="1400" dirty="0"/>
+          </a:p>
+        </p:txBody>
+      </p:sp>
+      <p:sp>
+        <p:nvSpPr>
+          <p:cNvPr id="198" name="Rectangle 197"/>
+          <p:cNvSpPr/>
+          <p:nvPr/>
+        </p:nvSpPr>
+        <p:spPr>
+          <a:xfrm>
+            <a:off x="2133600" y="5257800"/>
+            <a:ext cx="1447800" cy="533400"/>
+          </a:xfrm>
+          <a:prstGeom prst="rect">
+            <a:avLst/>
+          </a:prstGeom>
+        </p:spPr>
+        <p:style>
+          <a:lnRef idx="1">
+            <a:schemeClr val="accent3"/>
+          </a:lnRef>
+          <a:fillRef idx="3">
+            <a:schemeClr val="accent3"/>
+          </a:fillRef>
+          <a:effectRef idx="2">
+            <a:schemeClr val="accent3"/>
+          </a:effectRef>
+          <a:fontRef idx="minor">
+            <a:schemeClr val="lt1"/>
+          </a:fontRef>
+        </p:style>
+        <p:txBody>
+          <a:bodyPr rtlCol="0" anchor="b"/>
+          <a:lstStyle/>
+          <a:p>
+            <a:pPr algn="ctr"/>
+            <a:r>
+              <a:rPr lang="en-US" sz="1400" dirty="0" smtClean="0"/>
+              <a:t>Query Interface</a:t>
+            </a:r>
+          </a:p>
+        </p:txBody>
+      </p:sp>
+      <p:sp>
+        <p:nvSpPr>
+          <p:cNvPr id="199" name="Rectangle 198"/>
+          <p:cNvSpPr/>
+          <p:nvPr/>
+        </p:nvSpPr>
+        <p:spPr>
+          <a:xfrm>
+            <a:off x="3733800" y="5257800"/>
+            <a:ext cx="1447800" cy="533400"/>
+          </a:xfrm>
+          <a:prstGeom prst="rect">
+            <a:avLst/>
+          </a:prstGeom>
+        </p:spPr>
+        <p:style>
+          <a:lnRef idx="1">
+            <a:schemeClr val="accent3"/>
+          </a:lnRef>
+          <a:fillRef idx="3">
+            <a:schemeClr val="accent3"/>
+          </a:fillRef>
+          <a:effectRef idx="2">
+            <a:schemeClr val="accent3"/>
+          </a:effectRef>
+          <a:fontRef idx="minor">
+            <a:schemeClr val="lt1"/>
+          </a:fontRef>
+        </p:style>
+        <p:txBody>
+          <a:bodyPr rtlCol="0" anchor="b"/>
+          <a:lstStyle/>
+          <a:p>
+            <a:pPr algn="ctr"/>
+            <a:r>
+              <a:rPr lang="en-US" sz="1400" dirty="0" smtClean="0"/>
+              <a:t>Query Interface</a:t>
+            </a:r>
+          </a:p>
+        </p:txBody>
+      </p:sp>
+      <p:sp>
+        <p:nvSpPr>
+          <p:cNvPr id="200" name="Rectangle 199"/>
+          <p:cNvSpPr/>
+          <p:nvPr/>
+        </p:nvSpPr>
+        <p:spPr>
+          <a:xfrm>
+            <a:off x="5334000" y="5257800"/>
+            <a:ext cx="1447800" cy="533400"/>
+          </a:xfrm>
+          <a:prstGeom prst="rect">
+            <a:avLst/>
+          </a:prstGeom>
+        </p:spPr>
+        <p:style>
+          <a:lnRef idx="1">
+            <a:schemeClr val="accent3"/>
+          </a:lnRef>
+          <a:fillRef idx="3">
+            <a:schemeClr val="accent3"/>
+          </a:fillRef>
+          <a:effectRef idx="2">
+            <a:schemeClr val="accent3"/>
+          </a:effectRef>
+          <a:fontRef idx="minor">
+            <a:schemeClr val="lt1"/>
+          </a:fontRef>
+        </p:style>
+        <p:txBody>
+          <a:bodyPr rtlCol="0" anchor="b"/>
+          <a:lstStyle/>
+          <a:p>
+            <a:pPr algn="ctr"/>
+            <a:r>
+              <a:rPr lang="en-US" sz="1400" dirty="0" smtClean="0"/>
+              <a:t>Query Interface</a:t>
+            </a:r>
+          </a:p>
+        </p:txBody>
+      </p:sp>
+      <p:sp>
+        <p:nvSpPr>
+          <p:cNvPr id="201" name="Rectangle 200"/>
+          <p:cNvSpPr/>
+          <p:nvPr/>
+        </p:nvSpPr>
+        <p:spPr>
+          <a:xfrm>
+            <a:off x="6934200" y="5257800"/>
+            <a:ext cx="1447800" cy="533400"/>
+          </a:xfrm>
+          <a:prstGeom prst="rect">
+            <a:avLst/>
+          </a:prstGeom>
+        </p:spPr>
+        <p:style>
+          <a:lnRef idx="1">
+            <a:schemeClr val="accent3"/>
+          </a:lnRef>
+          <a:fillRef idx="3">
+            <a:schemeClr val="accent3"/>
+          </a:fillRef>
+          <a:effectRef idx="2">
+            <a:schemeClr val="accent3"/>
+          </a:effectRef>
+          <a:fontRef idx="minor">
+            <a:schemeClr val="lt1"/>
+          </a:fontRef>
+        </p:style>
+        <p:txBody>
+          <a:bodyPr rtlCol="0" anchor="b"/>
+          <a:lstStyle/>
+          <a:p>
+            <a:pPr algn="ctr"/>
+            <a:r>
+              <a:rPr lang="en-US" sz="1400" dirty="0" smtClean="0"/>
+              <a:t>Query Interface</a:t>
+            </a:r>
+          </a:p>
+        </p:txBody>
+      </p:sp>
+      <p:sp>
+        <p:nvSpPr>
+          <p:cNvPr id="202" name="Rectangle 201"/>
+          <p:cNvSpPr/>
+          <p:nvPr/>
+        </p:nvSpPr>
+        <p:spPr>
+          <a:xfrm>
+            <a:off x="533400" y="5257800"/>
+            <a:ext cx="685800" cy="228600"/>
+          </a:xfrm>
+          <a:prstGeom prst="rect">
+            <a:avLst/>
+          </a:prstGeom>
+        </p:spPr>
+        <p:style>
+          <a:lnRef idx="1">
+            <a:schemeClr val="accent6"/>
+          </a:lnRef>
+          <a:fillRef idx="3">
+            <a:schemeClr val="accent6"/>
+          </a:fillRef>
+          <a:effectRef idx="2">
+            <a:schemeClr val="accent6"/>
+          </a:effectRef>
+          <a:fontRef idx="minor">
+            <a:schemeClr val="lt1"/>
+          </a:fontRef>
+        </p:style>
+        <p:txBody>
+          <a:bodyPr rtlCol="0" anchor="ctr"/>
+          <a:lstStyle/>
+          <a:p>
+            <a:pPr algn="ctr"/>
+            <a:r>
+              <a:rPr lang="en-US" sz="1200" dirty="0" smtClean="0"/>
+              <a:t>Cache</a:t>
+            </a:r>
+            <a:endParaRPr lang="en-US" sz="1200" dirty="0"/>
+          </a:p>
+        </p:txBody>
+      </p:sp>
+      <p:sp>
+        <p:nvSpPr>
+          <p:cNvPr id="204" name="Rectangle 203"/>
+          <p:cNvSpPr/>
+          <p:nvPr/>
+        </p:nvSpPr>
+        <p:spPr>
+          <a:xfrm>
+            <a:off x="6934200" y="5257800"/>
+            <a:ext cx="685800" cy="228600"/>
+          </a:xfrm>
+          <a:prstGeom prst="rect">
+            <a:avLst/>
+          </a:prstGeom>
+        </p:spPr>
+        <p:style>
+          <a:lnRef idx="1">
+            <a:schemeClr val="accent6"/>
+          </a:lnRef>
+          <a:fillRef idx="3">
+            <a:schemeClr val="accent6"/>
+          </a:fillRef>
+          <a:effectRef idx="2">
+            <a:schemeClr val="accent6"/>
+          </a:effectRef>
+          <a:fontRef idx="minor">
+            <a:schemeClr val="lt1"/>
+          </a:fontRef>
+        </p:style>
+        <p:txBody>
+          <a:bodyPr rtlCol="0" anchor="ctr"/>
+          <a:lstStyle/>
+          <a:p>
+            <a:pPr algn="ctr"/>
+            <a:r>
+              <a:rPr lang="en-US" sz="1200" dirty="0" smtClean="0"/>
+              <a:t>Cache</a:t>
+            </a:r>
+            <a:endParaRPr lang="en-US" sz="1200" dirty="0"/>
+          </a:p>
+        </p:txBody>
+      </p:sp>
+      <p:sp>
+        <p:nvSpPr>
+          <p:cNvPr id="205" name="Rectangle 204"/>
+          <p:cNvSpPr/>
+          <p:nvPr/>
+        </p:nvSpPr>
+        <p:spPr>
+          <a:xfrm>
+            <a:off x="5334000" y="5257800"/>
+            <a:ext cx="685800" cy="228600"/>
+          </a:xfrm>
+          <a:prstGeom prst="rect">
+            <a:avLst/>
+          </a:prstGeom>
+        </p:spPr>
+        <p:style>
+          <a:lnRef idx="1">
+            <a:schemeClr val="accent6"/>
+          </a:lnRef>
+          <a:fillRef idx="3">
+            <a:schemeClr val="accent6"/>
+          </a:fillRef>
+          <a:effectRef idx="2">
+            <a:schemeClr val="accent6"/>
+          </a:effectRef>
+          <a:fontRef idx="minor">
+            <a:schemeClr val="lt1"/>
+          </a:fontRef>
+        </p:style>
+        <p:txBody>
+          <a:bodyPr rtlCol="0" anchor="ctr"/>
+          <a:lstStyle/>
+          <a:p>
+            <a:pPr algn="ctr"/>
+            <a:r>
+              <a:rPr lang="en-US" sz="1200" dirty="0" smtClean="0"/>
+              <a:t>Cache</a:t>
+            </a:r>
+            <a:endParaRPr lang="en-US" sz="1200" dirty="0"/>
+          </a:p>
+        </p:txBody>
+      </p:sp>
+      <p:sp>
+        <p:nvSpPr>
+          <p:cNvPr id="206" name="Rectangle 205"/>
+          <p:cNvSpPr/>
+          <p:nvPr/>
+        </p:nvSpPr>
+        <p:spPr>
+          <a:xfrm>
+            <a:off x="3733800" y="5257800"/>
+            <a:ext cx="685800" cy="228600"/>
+          </a:xfrm>
+          <a:prstGeom prst="rect">
+            <a:avLst/>
+          </a:prstGeom>
+        </p:spPr>
+        <p:style>
+          <a:lnRef idx="1">
+            <a:schemeClr val="accent6"/>
+          </a:lnRef>
+          <a:fillRef idx="3">
+            <a:schemeClr val="accent6"/>
+          </a:fillRef>
+          <a:effectRef idx="2">
+            <a:schemeClr val="accent6"/>
+          </a:effectRef>
+          <a:fontRef idx="minor">
+            <a:schemeClr val="lt1"/>
+          </a:fontRef>
+        </p:style>
+        <p:txBody>
+          <a:bodyPr rtlCol="0" anchor="ctr"/>
+          <a:lstStyle/>
+          <a:p>
+            <a:pPr algn="ctr"/>
+            <a:r>
+              <a:rPr lang="en-US" sz="1200" dirty="0" smtClean="0"/>
+              <a:t>Cache</a:t>
+            </a:r>
+            <a:endParaRPr lang="en-US" sz="1200" dirty="0"/>
+          </a:p>
+        </p:txBody>
+      </p:sp>
+      <p:sp>
+        <p:nvSpPr>
+          <p:cNvPr id="207" name="Rectangle 206"/>
+          <p:cNvSpPr/>
+          <p:nvPr/>
+        </p:nvSpPr>
+        <p:spPr>
+          <a:xfrm>
+            <a:off x="2133600" y="5257800"/>
+            <a:ext cx="685800" cy="228600"/>
+          </a:xfrm>
+          <a:prstGeom prst="rect">
+            <a:avLst/>
+          </a:prstGeom>
+        </p:spPr>
+        <p:style>
+          <a:lnRef idx="1">
+            <a:schemeClr val="accent6"/>
+          </a:lnRef>
+          <a:fillRef idx="3">
+            <a:schemeClr val="accent6"/>
+          </a:fillRef>
+          <a:effectRef idx="2">
+            <a:schemeClr val="accent6"/>
+          </a:effectRef>
+          <a:fontRef idx="minor">
+            <a:schemeClr val="lt1"/>
+          </a:fontRef>
+        </p:style>
+        <p:txBody>
+          <a:bodyPr rtlCol="0" anchor="ctr"/>
+          <a:lstStyle/>
+          <a:p>
+            <a:pPr algn="ctr"/>
+            <a:r>
+              <a:rPr lang="en-US" sz="1200" dirty="0" smtClean="0"/>
+              <a:t>Cache</a:t>
+            </a:r>
+            <a:endParaRPr lang="en-US" sz="1200" dirty="0"/>
+          </a:p>
+        </p:txBody>
+      </p:sp>
+      <p:cxnSp>
+        <p:nvCxnSpPr>
+          <p:cNvPr id="221" name="Elbow Connector 220"/>
+          <p:cNvCxnSpPr>
+            <a:stCxn id="219" idx="2"/>
+            <a:endCxn id="65" idx="0"/>
+          </p:cNvCxnSpPr>
+          <p:nvPr/>
+        </p:nvCxnSpPr>
+        <p:spPr>
+          <a:xfrm rot="5400000">
+            <a:off x="2438400" y="571500"/>
+            <a:ext cx="685800" cy="2895600"/>
+          </a:xfrm>
+          <a:prstGeom prst="bentConnector3">
+            <a:avLst>
+              <a:gd name="adj1" fmla="val 50000"/>
+            </a:avLst>
+          </a:prstGeom>
+          <a:ln>
+            <a:tailEnd type="arrow"/>
+          </a:ln>
+        </p:spPr>
+        <p:style>
+          <a:lnRef idx="1">
+            <a:schemeClr val="accent1"/>
+          </a:lnRef>
+          <a:fillRef idx="0">
+            <a:schemeClr val="accent1"/>
+          </a:fillRef>
+          <a:effectRef idx="0">
+            <a:schemeClr val="accent1"/>
+          </a:effectRef>
+          <a:fontRef idx="minor">
+            <a:schemeClr val="tx1"/>
+          </a:fontRef>
+        </p:style>
+      </p:cxnSp>
+      <p:cxnSp>
+        <p:nvCxnSpPr>
+          <p:cNvPr id="223" name="Elbow Connector 222"/>
+          <p:cNvCxnSpPr>
+            <a:stCxn id="219" idx="2"/>
+            <a:endCxn id="63" idx="0"/>
+          </p:cNvCxnSpPr>
+          <p:nvPr/>
+        </p:nvCxnSpPr>
+        <p:spPr>
+          <a:xfrm rot="16200000" flipH="1">
+            <a:off x="5067300" y="838200"/>
+            <a:ext cx="609600" cy="2286000"/>
+          </a:xfrm>
+          <a:prstGeom prst="bentConnector3">
+            <a:avLst>
+              <a:gd name="adj1" fmla="val 56338"/>
+            </a:avLst>
+          </a:prstGeom>
+          <a:ln>
+            <a:tailEnd type="arrow"/>
+          </a:ln>
+        </p:spPr>
+        <p:style>
+          <a:lnRef idx="1">
+            <a:schemeClr val="accent1"/>
+          </a:lnRef>
+          <a:fillRef idx="0">
+            <a:schemeClr val="accent1"/>
+          </a:fillRef>
+          <a:effectRef idx="0">
+            <a:schemeClr val="accent1"/>
+          </a:effectRef>
+          <a:fontRef idx="minor">
+            <a:schemeClr val="tx1"/>
+          </a:fontRef>
+        </p:style>
+      </p:cxnSp>
+      <p:cxnSp>
+        <p:nvCxnSpPr>
+          <p:cNvPr id="227" name="Elbow Connector 226"/>
+          <p:cNvCxnSpPr>
+            <a:stCxn id="225" idx="0"/>
+            <a:endCxn id="128" idx="2"/>
+          </p:cNvCxnSpPr>
+          <p:nvPr/>
+        </p:nvCxnSpPr>
+        <p:spPr>
+          <a:xfrm rot="16200000" flipV="1">
+            <a:off x="2629438" y="3353337"/>
+            <a:ext cx="457199" cy="3046926"/>
+          </a:xfrm>
+          <a:prstGeom prst="bentConnector3">
+            <a:avLst>
+              <a:gd name="adj1" fmla="val 50000"/>
+            </a:avLst>
+          </a:prstGeom>
+          <a:ln>
+            <a:tailEnd type="arrow"/>
+          </a:ln>
+        </p:spPr>
+        <p:style>
+          <a:lnRef idx="1">
+            <a:schemeClr val="accent1"/>
+          </a:lnRef>
+          <a:fillRef idx="0">
+            <a:schemeClr val="accent1"/>
+          </a:fillRef>
+          <a:effectRef idx="0">
+            <a:schemeClr val="accent1"/>
+          </a:effectRef>
+          <a:fontRef idx="minor">
+            <a:schemeClr val="tx1"/>
+          </a:fontRef>
+        </p:style>
+      </p:cxnSp>
+      <p:cxnSp>
+        <p:nvCxnSpPr>
+          <p:cNvPr id="229" name="Elbow Connector 228"/>
+          <p:cNvCxnSpPr>
+            <a:stCxn id="225" idx="1"/>
+            <a:endCxn id="65" idx="1"/>
+          </p:cNvCxnSpPr>
+          <p:nvPr/>
+        </p:nvCxnSpPr>
+        <p:spPr>
+          <a:xfrm rot="10800000" flipH="1">
+            <a:off x="304800" y="2628901"/>
+            <a:ext cx="304800" cy="2876281"/>
+          </a:xfrm>
+          <a:prstGeom prst="bentConnector3">
+            <a:avLst>
+              <a:gd name="adj1" fmla="val -75000"/>
+            </a:avLst>
+          </a:prstGeom>
+          <a:ln>
+            <a:tailEnd type="arrow"/>
+          </a:ln>
+        </p:spPr>
+        <p:style>
+          <a:lnRef idx="1">
+            <a:schemeClr val="accent1"/>
+          </a:lnRef>
+          <a:fillRef idx="0">
+            <a:schemeClr val="accent1"/>
+          </a:fillRef>
+          <a:effectRef idx="0">
+            <a:schemeClr val="accent1"/>
+          </a:effectRef>
+          <a:fontRef idx="minor">
+            <a:schemeClr val="tx1"/>
+          </a:fontRef>
+        </p:style>
+      </p:cxnSp>
+      <p:sp>
+        <p:nvSpPr>
+          <p:cNvPr id="231" name="Rectangle 230"/>
+          <p:cNvSpPr/>
+          <p:nvPr/>
+        </p:nvSpPr>
+        <p:spPr>
+          <a:xfrm>
+            <a:off x="4152363" y="3048000"/>
+            <a:ext cx="4724400" cy="533400"/>
+          </a:xfrm>
+          <a:prstGeom prst="rect">
+            <a:avLst/>
+          </a:prstGeom>
+          <a:solidFill>
+            <a:schemeClr val="accent6">
+              <a:alpha val="0"/>
+            </a:schemeClr>
+          </a:solidFill>
+          <a:ln>
+            <a:solidFill>
+              <a:schemeClr val="accent6"/>
+            </a:solidFill>
+          </a:ln>
+        </p:spPr>
+        <p:style>
+          <a:lnRef idx="2">
+            <a:schemeClr val="accent1">
+              <a:shade val="50000"/>
+            </a:schemeClr>
+          </a:lnRef>
+          <a:fillRef idx="1">
+            <a:schemeClr val="accent1"/>
+          </a:fillRef>
+          <a:effectRef idx="0">
+            <a:schemeClr val="accent1"/>
+          </a:effectRef>
+          <a:fontRef idx="minor">
+            <a:schemeClr val="lt1"/>
+          </a:fontRef>
+        </p:style>
+        <p:txBody>
+          <a:bodyPr rtlCol="0" anchor="ctr"/>
+          <a:lstStyle/>
+          <a:p>
+            <a:pPr algn="ctr"/>
+            <a:endParaRPr lang="en-US"/>
+          </a:p>
+        </p:txBody>
+      </p:sp>
+      <p:cxnSp>
+        <p:nvCxnSpPr>
+          <p:cNvPr id="233" name="Elbow Connector 232"/>
+          <p:cNvCxnSpPr>
+            <a:stCxn id="231" idx="0"/>
+            <a:endCxn id="63" idx="2"/>
+          </p:cNvCxnSpPr>
+          <p:nvPr/>
+        </p:nvCxnSpPr>
+        <p:spPr>
+          <a:xfrm rot="5400000" flipH="1" flipV="1">
+            <a:off x="6400531" y="2933432"/>
+            <a:ext cx="228600" cy="537"/>
+          </a:xfrm>
+          <a:prstGeom prst="bentConnector3">
+            <a:avLst>
+              <a:gd name="adj1" fmla="val 50000"/>
+            </a:avLst>
+          </a:prstGeom>
+          <a:ln>
+            <a:tailEnd type="arrow"/>
+          </a:ln>
+        </p:spPr>
+        <p:style>
+          <a:lnRef idx="1">
+            <a:schemeClr val="accent1"/>
+          </a:lnRef>
+          <a:fillRef idx="0">
+            <a:schemeClr val="accent1"/>
+          </a:fillRef>
+          <a:effectRef idx="0">
+            <a:schemeClr val="accent1"/>
+          </a:effectRef>
+          <a:fontRef idx="minor">
+            <a:schemeClr val="tx1"/>
+          </a:fontRef>
+        </p:style>
+      </p:cxnSp>
+      <p:cxnSp>
+        <p:nvCxnSpPr>
+          <p:cNvPr id="235" name="Elbow Connector 234"/>
+          <p:cNvCxnSpPr>
+            <a:stCxn id="225" idx="0"/>
+            <a:endCxn id="98" idx="2"/>
+          </p:cNvCxnSpPr>
+          <p:nvPr/>
+        </p:nvCxnSpPr>
+        <p:spPr>
+          <a:xfrm rot="5400000" flipH="1" flipV="1">
+            <a:off x="5257801" y="3771900"/>
+            <a:ext cx="457199" cy="2209800"/>
+          </a:xfrm>
+          <a:prstGeom prst="bentConnector3">
+            <a:avLst>
+              <a:gd name="adj1" fmla="val 50000"/>
+            </a:avLst>
+          </a:prstGeom>
+          <a:ln>
+            <a:tailEnd type="arrow"/>
+          </a:ln>
+        </p:spPr>
+        <p:style>
+          <a:lnRef idx="1">
+            <a:schemeClr val="accent1"/>
+          </a:lnRef>
+          <a:fillRef idx="0">
+            <a:schemeClr val="accent1"/>
+          </a:fillRef>
+          <a:effectRef idx="0">
+            <a:schemeClr val="accent1"/>
+          </a:effectRef>
+          <a:fontRef idx="minor">
+            <a:schemeClr val="tx1"/>
+          </a:fontRef>
+        </p:style>
+      </p:cxnSp>
+      <p:sp>
+        <p:nvSpPr>
+          <p:cNvPr id="236" name="Rectangle 235"/>
+          <p:cNvSpPr/>
+          <p:nvPr/>
+        </p:nvSpPr>
+        <p:spPr>
+          <a:xfrm>
+            <a:off x="610674" y="3276600"/>
+            <a:ext cx="1447800" cy="381000"/>
+          </a:xfrm>
+          <a:prstGeom prst="rect">
+            <a:avLst/>
+          </a:prstGeom>
+        </p:spPr>
+        <p:style>
+          <a:lnRef idx="1">
+            <a:schemeClr val="accent3"/>
+          </a:lnRef>
+          <a:fillRef idx="3">
+            <a:schemeClr val="accent3"/>
+          </a:fillRef>
+          <a:effectRef idx="2">
+            <a:schemeClr val="accent3"/>
+          </a:effectRef>
+          <a:fontRef idx="minor">
+            <a:schemeClr val="lt1"/>
+          </a:fontRef>
+        </p:style>
+        <p:txBody>
+          <a:bodyPr rtlCol="0" anchor="ctr"/>
+          <a:lstStyle/>
+          <a:p>
+            <a:pPr algn="ctr"/>
+            <a:r>
+              <a:rPr lang="en-US" sz="1400" dirty="0" smtClean="0"/>
+              <a:t>ES Repair</a:t>
+            </a:r>
+            <a:endParaRPr lang="en-US" sz="1400" dirty="0"/>
+          </a:p>
+        </p:txBody>
+      </p:sp>
+      <p:cxnSp>
+        <p:nvCxnSpPr>
+          <p:cNvPr id="238" name="Straight Arrow Connector 237"/>
+          <p:cNvCxnSpPr>
+            <a:stCxn id="236" idx="0"/>
+            <a:endCxn id="65" idx="2"/>
+          </p:cNvCxnSpPr>
+          <p:nvPr/>
+        </p:nvCxnSpPr>
+        <p:spPr>
+          <a:xfrm flipH="1" flipV="1">
+            <a:off x="1333500" y="2895600"/>
+            <a:ext cx="1074" cy="381000"/>
+          </a:xfrm>
+          <a:prstGeom prst="straightConnector1">
+            <a:avLst/>
+          </a:prstGeom>
+          <a:ln>
+            <a:tailEnd type="arrow"/>
+          </a:ln>
+        </p:spPr>
+        <p:style>
+          <a:lnRef idx="1">
+            <a:schemeClr val="accent1"/>
+          </a:lnRef>
+          <a:fillRef idx="0">
+            <a:schemeClr val="accent1"/>
+          </a:fillRef>
+          <a:effectRef idx="0">
+            <a:schemeClr val="accent1"/>
+          </a:effectRef>
+          <a:fontRef idx="minor">
+            <a:schemeClr val="tx1"/>
+          </a:fontRef>
+        </p:style>
+      </p:cxnSp>
+      <p:cxnSp>
+        <p:nvCxnSpPr>
+          <p:cNvPr id="240" name="Straight Arrow Connector 239"/>
+          <p:cNvCxnSpPr>
+            <a:stCxn id="236" idx="2"/>
+            <a:endCxn id="128" idx="0"/>
+          </p:cNvCxnSpPr>
+          <p:nvPr/>
+        </p:nvCxnSpPr>
+        <p:spPr>
+          <a:xfrm>
+            <a:off x="1334574" y="3657600"/>
+            <a:ext cx="0" cy="457200"/>
+          </a:xfrm>
+          <a:prstGeom prst="straightConnector1">
+            <a:avLst/>
+          </a:prstGeom>
+          <a:ln>
+            <a:tailEnd type="arrow"/>
+          </a:ln>
+        </p:spPr>
+        <p:style>
+          <a:lnRef idx="1">
+            <a:schemeClr val="accent1"/>
+          </a:lnRef>
+          <a:fillRef idx="0">
+            <a:schemeClr val="accent1"/>
+          </a:fillRef>
+          <a:effectRef idx="0">
+            <a:schemeClr val="accent1"/>
+          </a:effectRef>
+          <a:fontRef idx="minor">
+            <a:schemeClr val="tx1"/>
+          </a:fontRef>
+        </p:style>
+      </p:cxnSp>
+    </p:spTree>
+  </p:cSld>
+  <p:clrMapOvr>
+    <a:masterClrMapping/>
+  </p:clrMapOvr>
+</p:sld>
+</file>
+
+<file path=ppt/slides/slide3.xml><?xml version="1.0" encoding="utf-8"?>
+<p:sld xmlns:a="http://schemas.openxmlformats.org/drawingml/2006/main" xmlns:r="http://schemas.openxmlformats.org/officeDocument/2006/relationships" xmlns:p="http://schemas.openxmlformats.org/presentationml/2006/main">
+  <p:cSld>
+    <p:spTree>
+      <p:nvGrpSpPr>
+        <p:cNvPr id="1" name=""/>
+        <p:cNvGrpSpPr/>
+        <p:nvPr/>
+      </p:nvGrpSpPr>
+      <p:grpSpPr>
+        <a:xfrm>
+          <a:off x="0" y="0"/>
+          <a:ext cx="0" cy="0"/>
+          <a:chOff x="0" y="0"/>
+          <a:chExt cx="0" cy="0"/>
+        </a:xfrm>
+      </p:grpSpPr>
+      <p:sp>
+        <p:nvSpPr>
+          <p:cNvPr id="225" name="Rectangle 224"/>
+          <p:cNvSpPr/>
+          <p:nvPr/>
+        </p:nvSpPr>
+        <p:spPr>
+          <a:xfrm>
+            <a:off x="304800" y="5105399"/>
+            <a:ext cx="8153400" cy="799563"/>
+          </a:xfrm>
+          <a:prstGeom prst="rect">
+            <a:avLst/>
+          </a:prstGeom>
+          <a:solidFill>
+            <a:srgbClr val="00B050">
+              <a:alpha val="0"/>
+            </a:srgbClr>
+          </a:solidFill>
+          <a:ln>
+            <a:solidFill>
+              <a:srgbClr val="00B050"/>
+            </a:solidFill>
+          </a:ln>
+        </p:spPr>
+        <p:style>
+          <a:lnRef idx="2">
+            <a:schemeClr val="accent1">
+              <a:shade val="50000"/>
+            </a:schemeClr>
+          </a:lnRef>
+          <a:fillRef idx="1">
+            <a:schemeClr val="accent1"/>
+          </a:fillRef>
+          <a:effectRef idx="0">
+            <a:schemeClr val="accent1"/>
+          </a:effectRef>
+          <a:fontRef idx="minor">
+            <a:schemeClr val="lt1"/>
+          </a:fontRef>
+        </p:style>
+        <p:txBody>
+          <a:bodyPr rtlCol="0" anchor="ctr"/>
+          <a:lstStyle/>
+          <a:p>
+            <a:pPr algn="ctr"/>
+            <a:endParaRPr lang="en-US"/>
+          </a:p>
+        </p:txBody>
+      </p:sp>
+      <p:sp>
+        <p:nvSpPr>
+          <p:cNvPr id="219" name="Rectangle 218"/>
+          <p:cNvSpPr/>
+          <p:nvPr/>
+        </p:nvSpPr>
+        <p:spPr>
+          <a:xfrm>
+            <a:off x="152400" y="1143000"/>
+            <a:ext cx="8153400" cy="533400"/>
+          </a:xfrm>
+          <a:prstGeom prst="rect">
+            <a:avLst/>
+          </a:prstGeom>
+          <a:solidFill>
+            <a:srgbClr val="00B050">
+              <a:alpha val="0"/>
+            </a:srgbClr>
+          </a:solidFill>
+          <a:ln>
+            <a:solidFill>
+              <a:srgbClr val="00B050"/>
+            </a:solidFill>
+          </a:ln>
+        </p:spPr>
+        <p:style>
+          <a:lnRef idx="2">
+            <a:schemeClr val="accent1">
+              <a:shade val="50000"/>
+            </a:schemeClr>
+          </a:lnRef>
+          <a:fillRef idx="1">
+            <a:schemeClr val="accent1"/>
+          </a:fillRef>
+          <a:effectRef idx="0">
+            <a:schemeClr val="accent1"/>
+          </a:effectRef>
+          <a:fontRef idx="minor">
+            <a:schemeClr val="lt1"/>
+          </a:fontRef>
+        </p:style>
+        <p:txBody>
+          <a:bodyPr rtlCol="0" anchor="ctr"/>
+          <a:lstStyle/>
+          <a:p>
+            <a:pPr algn="ctr"/>
+            <a:endParaRPr lang="en-US"/>
+          </a:p>
+        </p:txBody>
+      </p:sp>
+      <p:sp>
+        <p:nvSpPr>
+          <p:cNvPr id="37" name="Rectangle 36"/>
+          <p:cNvSpPr/>
+          <p:nvPr/>
+        </p:nvSpPr>
+        <p:spPr>
+          <a:xfrm>
+            <a:off x="304800" y="1219200"/>
+            <a:ext cx="1447800" cy="381000"/>
+          </a:xfrm>
+          <a:prstGeom prst="rect">
+            <a:avLst/>
+          </a:prstGeom>
+        </p:spPr>
+        <p:style>
+          <a:lnRef idx="1">
+            <a:schemeClr val="accent3"/>
+          </a:lnRef>
+          <a:fillRef idx="3">
+            <a:schemeClr val="accent3"/>
+          </a:fillRef>
+          <a:effectRef idx="2">
+            <a:schemeClr val="accent3"/>
+          </a:effectRef>
+          <a:fontRef idx="minor">
+            <a:schemeClr val="lt1"/>
+          </a:fontRef>
+        </p:style>
+        <p:txBody>
+          <a:bodyPr rtlCol="0" anchor="ctr"/>
+          <a:lstStyle/>
+          <a:p>
+            <a:pPr algn="ctr"/>
+            <a:r>
+              <a:rPr lang="en-US" sz="1400" dirty="0" smtClean="0"/>
+              <a:t>Ingest Interface</a:t>
+            </a:r>
+            <a:endParaRPr lang="en-US" sz="1400" dirty="0"/>
+          </a:p>
+        </p:txBody>
+      </p:sp>
+      <p:sp>
+        <p:nvSpPr>
+          <p:cNvPr id="44" name="Rectangle 43"/>
+          <p:cNvSpPr/>
+          <p:nvPr/>
+        </p:nvSpPr>
+        <p:spPr>
+          <a:xfrm>
+            <a:off x="1905000" y="1219200"/>
+            <a:ext cx="1447800" cy="381000"/>
+          </a:xfrm>
+          <a:prstGeom prst="rect">
+            <a:avLst/>
+          </a:prstGeom>
+        </p:spPr>
+        <p:style>
+          <a:lnRef idx="1">
+            <a:schemeClr val="accent3"/>
+          </a:lnRef>
+          <a:fillRef idx="3">
+            <a:schemeClr val="accent3"/>
+          </a:fillRef>
+          <a:effectRef idx="2">
+            <a:schemeClr val="accent3"/>
+          </a:effectRef>
+          <a:fontRef idx="minor">
+            <a:schemeClr val="lt1"/>
+          </a:fontRef>
+        </p:style>
+        <p:txBody>
+          <a:bodyPr rtlCol="0" anchor="ctr"/>
+          <a:lstStyle/>
+          <a:p>
+            <a:pPr algn="ctr"/>
+            <a:r>
+              <a:rPr lang="en-US" sz="1400" dirty="0" smtClean="0"/>
+              <a:t>Ingest Interface</a:t>
+            </a:r>
+            <a:endParaRPr lang="en-US" sz="1400" dirty="0"/>
+          </a:p>
+        </p:txBody>
+      </p:sp>
+      <p:sp>
+        <p:nvSpPr>
+          <p:cNvPr id="45" name="Rectangle 44"/>
+          <p:cNvSpPr/>
+          <p:nvPr/>
+        </p:nvSpPr>
+        <p:spPr>
+          <a:xfrm>
+            <a:off x="3505200" y="1219200"/>
+            <a:ext cx="1447800" cy="381000"/>
+          </a:xfrm>
+          <a:prstGeom prst="rect">
+            <a:avLst/>
+          </a:prstGeom>
+        </p:spPr>
+        <p:style>
+          <a:lnRef idx="1">
+            <a:schemeClr val="accent3"/>
+          </a:lnRef>
+          <a:fillRef idx="3">
+            <a:schemeClr val="accent3"/>
+          </a:fillRef>
+          <a:effectRef idx="2">
+            <a:schemeClr val="accent3"/>
+          </a:effectRef>
+          <a:fontRef idx="minor">
+            <a:schemeClr val="lt1"/>
+          </a:fontRef>
+        </p:style>
+        <p:txBody>
+          <a:bodyPr rtlCol="0" anchor="ctr"/>
+          <a:lstStyle/>
+          <a:p>
+            <a:pPr algn="ctr"/>
+            <a:r>
+              <a:rPr lang="en-US" sz="1400" dirty="0" smtClean="0"/>
+              <a:t>Ingest Interface</a:t>
+            </a:r>
+            <a:endParaRPr lang="en-US" sz="1400" dirty="0"/>
+          </a:p>
+        </p:txBody>
+      </p:sp>
+      <p:sp>
+        <p:nvSpPr>
+          <p:cNvPr id="46" name="Rectangle 45"/>
+          <p:cNvSpPr/>
+          <p:nvPr/>
+        </p:nvSpPr>
+        <p:spPr>
+          <a:xfrm>
+            <a:off x="5105400" y="1219200"/>
+            <a:ext cx="1447800" cy="381000"/>
+          </a:xfrm>
+          <a:prstGeom prst="rect">
+            <a:avLst/>
+          </a:prstGeom>
+        </p:spPr>
+        <p:style>
+          <a:lnRef idx="1">
+            <a:schemeClr val="accent3"/>
+          </a:lnRef>
+          <a:fillRef idx="3">
+            <a:schemeClr val="accent3"/>
+          </a:fillRef>
+          <a:effectRef idx="2">
+            <a:schemeClr val="accent3"/>
+          </a:effectRef>
+          <a:fontRef idx="minor">
+            <a:schemeClr val="lt1"/>
+          </a:fontRef>
+        </p:style>
+        <p:txBody>
+          <a:bodyPr rtlCol="0" anchor="ctr"/>
+          <a:lstStyle/>
+          <a:p>
+            <a:pPr algn="ctr"/>
+            <a:r>
+              <a:rPr lang="en-US" sz="1400" dirty="0" smtClean="0"/>
+              <a:t>Ingest Interface</a:t>
+            </a:r>
+            <a:endParaRPr lang="en-US" sz="1400" dirty="0"/>
+          </a:p>
+        </p:txBody>
+      </p:sp>
+      <p:sp>
+        <p:nvSpPr>
+          <p:cNvPr id="47" name="Rectangle 46"/>
+          <p:cNvSpPr/>
+          <p:nvPr/>
+        </p:nvSpPr>
+        <p:spPr>
+          <a:xfrm>
+            <a:off x="6705600" y="1219200"/>
+            <a:ext cx="1447800" cy="381000"/>
+          </a:xfrm>
+          <a:prstGeom prst="rect">
+            <a:avLst/>
+          </a:prstGeom>
+        </p:spPr>
+        <p:style>
+          <a:lnRef idx="1">
+            <a:schemeClr val="accent3"/>
+          </a:lnRef>
+          <a:fillRef idx="3">
+            <a:schemeClr val="accent3"/>
+          </a:fillRef>
+          <a:effectRef idx="2">
+            <a:schemeClr val="accent3"/>
+          </a:effectRef>
+          <a:fontRef idx="minor">
+            <a:schemeClr val="lt1"/>
+          </a:fontRef>
+        </p:style>
+        <p:txBody>
+          <a:bodyPr rtlCol="0" anchor="ctr"/>
+          <a:lstStyle/>
+          <a:p>
+            <a:pPr algn="ctr"/>
+            <a:r>
+              <a:rPr lang="en-US" sz="1400" dirty="0" smtClean="0"/>
+              <a:t>Ingest Interface</a:t>
+            </a:r>
+            <a:endParaRPr lang="en-US" sz="1400" dirty="0"/>
+          </a:p>
+        </p:txBody>
+      </p:sp>
+      <p:sp>
+        <p:nvSpPr>
+          <p:cNvPr id="49" name="Rectangle 48"/>
+          <p:cNvSpPr/>
+          <p:nvPr/>
+        </p:nvSpPr>
+        <p:spPr>
+          <a:xfrm>
+            <a:off x="228600" y="609600"/>
+            <a:ext cx="8001000" cy="457200"/>
+          </a:xfrm>
+          <a:prstGeom prst="rect">
+            <a:avLst/>
+          </a:prstGeom>
+        </p:spPr>
+        <p:style>
+          <a:lnRef idx="1">
+            <a:schemeClr val="accent1"/>
+          </a:lnRef>
+          <a:fillRef idx="3">
+            <a:schemeClr val="accent1"/>
+          </a:fillRef>
+          <a:effectRef idx="2">
+            <a:schemeClr val="accent1"/>
+          </a:effectRef>
+          <a:fontRef idx="minor">
+            <a:schemeClr val="lt1"/>
+          </a:fontRef>
+        </p:style>
+        <p:txBody>
+          <a:bodyPr rtlCol="0" anchor="ctr"/>
+          <a:lstStyle/>
+          <a:p>
+            <a:pPr algn="ctr"/>
+            <a:r>
+              <a:rPr lang="en-US" sz="3200" dirty="0" smtClean="0"/>
+              <a:t>Load Balancer</a:t>
+            </a:r>
+            <a:endParaRPr lang="en-US" sz="3200" dirty="0"/>
+          </a:p>
+        </p:txBody>
+      </p:sp>
+      <p:sp>
+        <p:nvSpPr>
+          <p:cNvPr id="55" name="Rectangle 54"/>
+          <p:cNvSpPr/>
+          <p:nvPr/>
+        </p:nvSpPr>
+        <p:spPr>
+          <a:xfrm>
+            <a:off x="304800" y="152400"/>
+            <a:ext cx="1447800" cy="304800"/>
+          </a:xfrm>
+          <a:prstGeom prst="rect">
+            <a:avLst/>
+          </a:prstGeom>
+        </p:spPr>
+        <p:style>
+          <a:lnRef idx="1">
+            <a:schemeClr val="accent1"/>
+          </a:lnRef>
+          <a:fillRef idx="2">
+            <a:schemeClr val="accent1"/>
+          </a:fillRef>
+          <a:effectRef idx="1">
+            <a:schemeClr val="accent1"/>
+          </a:effectRef>
+          <a:fontRef idx="minor">
+            <a:schemeClr val="dk1"/>
+          </a:fontRef>
+        </p:style>
+        <p:txBody>
+          <a:bodyPr rtlCol="0" anchor="ctr"/>
+          <a:lstStyle/>
+          <a:p>
+            <a:pPr algn="ctr"/>
+            <a:r>
+              <a:rPr lang="en-US" sz="1200" dirty="0" smtClean="0"/>
+              <a:t>Ingest Client1..10</a:t>
+            </a:r>
+            <a:endParaRPr lang="en-US" sz="1200" dirty="0"/>
+          </a:p>
+        </p:txBody>
+      </p:sp>
+      <p:sp>
+        <p:nvSpPr>
+          <p:cNvPr id="56" name="Rectangle 55"/>
+          <p:cNvSpPr/>
+          <p:nvPr/>
+        </p:nvSpPr>
+        <p:spPr>
+          <a:xfrm>
+            <a:off x="1905000" y="152400"/>
+            <a:ext cx="1447800" cy="304800"/>
+          </a:xfrm>
+          <a:prstGeom prst="rect">
+            <a:avLst/>
+          </a:prstGeom>
+        </p:spPr>
+        <p:style>
+          <a:lnRef idx="1">
+            <a:schemeClr val="accent1"/>
+          </a:lnRef>
+          <a:fillRef idx="2">
+            <a:schemeClr val="accent1"/>
+          </a:fillRef>
+          <a:effectRef idx="1">
+            <a:schemeClr val="accent1"/>
+          </a:effectRef>
+          <a:fontRef idx="minor">
+            <a:schemeClr val="dk1"/>
+          </a:fontRef>
+        </p:style>
+        <p:txBody>
+          <a:bodyPr rtlCol="0" anchor="ctr"/>
+          <a:lstStyle/>
+          <a:p>
+            <a:pPr algn="ctr"/>
+            <a:r>
+              <a:rPr lang="en-US" sz="1200" dirty="0" smtClean="0"/>
+              <a:t>Ingest Client11..20</a:t>
+            </a:r>
+            <a:endParaRPr lang="en-US" sz="1200" dirty="0"/>
+          </a:p>
+        </p:txBody>
+      </p:sp>
+      <p:sp>
+        <p:nvSpPr>
+          <p:cNvPr id="58" name="Rectangle 57"/>
+          <p:cNvSpPr/>
+          <p:nvPr/>
+        </p:nvSpPr>
+        <p:spPr>
+          <a:xfrm>
+            <a:off x="3505200" y="152400"/>
+            <a:ext cx="1447800" cy="304800"/>
+          </a:xfrm>
+          <a:prstGeom prst="rect">
+            <a:avLst/>
+          </a:prstGeom>
+        </p:spPr>
+        <p:style>
+          <a:lnRef idx="1">
+            <a:schemeClr val="accent1"/>
+          </a:lnRef>
+          <a:fillRef idx="2">
+            <a:schemeClr val="accent1"/>
+          </a:fillRef>
+          <a:effectRef idx="1">
+            <a:schemeClr val="accent1"/>
+          </a:effectRef>
+          <a:fontRef idx="minor">
+            <a:schemeClr val="dk1"/>
+          </a:fontRef>
+        </p:style>
+        <p:txBody>
+          <a:bodyPr rtlCol="0" anchor="ctr"/>
+          <a:lstStyle/>
+          <a:p>
+            <a:pPr algn="ctr"/>
+            <a:r>
+              <a:rPr lang="en-US" sz="1200" dirty="0" smtClean="0"/>
+              <a:t>Ingest Client21..30</a:t>
+            </a:r>
+            <a:endParaRPr lang="en-US" sz="1200" dirty="0"/>
+          </a:p>
+        </p:txBody>
+      </p:sp>
+      <p:sp>
+        <p:nvSpPr>
+          <p:cNvPr id="59" name="Rectangle 58"/>
+          <p:cNvSpPr/>
+          <p:nvPr/>
+        </p:nvSpPr>
+        <p:spPr>
+          <a:xfrm>
+            <a:off x="5105400" y="152400"/>
+            <a:ext cx="1447800" cy="304800"/>
+          </a:xfrm>
+          <a:prstGeom prst="rect">
+            <a:avLst/>
+          </a:prstGeom>
+        </p:spPr>
+        <p:style>
+          <a:lnRef idx="1">
+            <a:schemeClr val="accent1"/>
+          </a:lnRef>
+          <a:fillRef idx="2">
+            <a:schemeClr val="accent1"/>
+          </a:fillRef>
+          <a:effectRef idx="1">
+            <a:schemeClr val="accent1"/>
+          </a:effectRef>
+          <a:fontRef idx="minor">
+            <a:schemeClr val="dk1"/>
+          </a:fontRef>
+        </p:style>
+        <p:txBody>
+          <a:bodyPr rtlCol="0" anchor="ctr"/>
+          <a:lstStyle/>
+          <a:p>
+            <a:pPr algn="ctr"/>
+            <a:r>
+              <a:rPr lang="en-US" sz="1200" dirty="0" smtClean="0"/>
+              <a:t>Ingest Client31..40</a:t>
+            </a:r>
+            <a:endParaRPr lang="en-US" sz="1200" dirty="0"/>
+          </a:p>
+        </p:txBody>
+      </p:sp>
+      <p:sp>
+        <p:nvSpPr>
+          <p:cNvPr id="62" name="Rectangle 61"/>
+          <p:cNvSpPr/>
+          <p:nvPr/>
+        </p:nvSpPr>
+        <p:spPr>
+          <a:xfrm>
+            <a:off x="6629400" y="152400"/>
+            <a:ext cx="1447800" cy="304800"/>
+          </a:xfrm>
+          <a:prstGeom prst="rect">
+            <a:avLst/>
+          </a:prstGeom>
+        </p:spPr>
+        <p:style>
+          <a:lnRef idx="1">
+            <a:schemeClr val="accent1"/>
+          </a:lnRef>
+          <a:fillRef idx="2">
+            <a:schemeClr val="accent1"/>
+          </a:fillRef>
+          <a:effectRef idx="1">
+            <a:schemeClr val="accent1"/>
+          </a:effectRef>
+          <a:fontRef idx="minor">
+            <a:schemeClr val="dk1"/>
+          </a:fontRef>
+        </p:style>
+        <p:txBody>
+          <a:bodyPr rtlCol="0" anchor="ctr"/>
+          <a:lstStyle/>
+          <a:p>
+            <a:pPr algn="ctr"/>
+            <a:r>
+              <a:rPr lang="en-US" sz="1200" dirty="0" smtClean="0"/>
+              <a:t>Ingest Client41..50</a:t>
+            </a:r>
+            <a:endParaRPr lang="en-US" sz="1200" dirty="0"/>
+          </a:p>
+        </p:txBody>
+      </p:sp>
+      <p:sp>
+        <p:nvSpPr>
+          <p:cNvPr id="63" name="Rectangle 62"/>
+          <p:cNvSpPr/>
+          <p:nvPr/>
+        </p:nvSpPr>
+        <p:spPr>
+          <a:xfrm>
+            <a:off x="6172200" y="2362200"/>
+            <a:ext cx="1447800" cy="533400"/>
+          </a:xfrm>
+          <a:prstGeom prst="rect">
+            <a:avLst/>
+          </a:prstGeom>
+        </p:spPr>
+        <p:style>
+          <a:lnRef idx="1">
+            <a:schemeClr val="accent6"/>
+          </a:lnRef>
+          <a:fillRef idx="3">
+            <a:schemeClr val="accent6"/>
+          </a:fillRef>
+          <a:effectRef idx="2">
+            <a:schemeClr val="accent6"/>
+          </a:effectRef>
+          <a:fontRef idx="minor">
+            <a:schemeClr val="lt1"/>
+          </a:fontRef>
+        </p:style>
+        <p:txBody>
+          <a:bodyPr rtlCol="0" anchor="ctr"/>
+          <a:lstStyle/>
+          <a:p>
+            <a:pPr algn="ctr"/>
+            <a:r>
+              <a:rPr lang="en-US" dirty="0" smtClean="0"/>
+              <a:t>Exchange</a:t>
+            </a:r>
+            <a:endParaRPr lang="en-US" dirty="0"/>
+          </a:p>
+        </p:txBody>
+      </p:sp>
+      <p:sp>
+        <p:nvSpPr>
+          <p:cNvPr id="65" name="Rectangle 64"/>
+          <p:cNvSpPr/>
+          <p:nvPr/>
+        </p:nvSpPr>
+        <p:spPr>
+          <a:xfrm>
+            <a:off x="609600" y="2362200"/>
+            <a:ext cx="1447800" cy="533400"/>
+          </a:xfrm>
+          <a:prstGeom prst="rect">
+            <a:avLst/>
+          </a:prstGeom>
+        </p:spPr>
+        <p:style>
+          <a:lnRef idx="1">
+            <a:schemeClr val="accent6"/>
+          </a:lnRef>
+          <a:fillRef idx="3">
+            <a:schemeClr val="accent6"/>
+          </a:fillRef>
+          <a:effectRef idx="2">
+            <a:schemeClr val="accent6"/>
+          </a:effectRef>
+          <a:fontRef idx="minor">
+            <a:schemeClr val="lt1"/>
+          </a:fontRef>
+        </p:style>
+        <p:txBody>
+          <a:bodyPr rtlCol="0" anchor="ctr"/>
+          <a:lstStyle/>
+          <a:p>
+            <a:pPr algn="ctr"/>
+            <a:r>
+              <a:rPr lang="en-US" dirty="0" smtClean="0"/>
+              <a:t>Cassandra Cluster</a:t>
+            </a:r>
+            <a:endParaRPr lang="en-US" dirty="0"/>
+          </a:p>
+        </p:txBody>
+      </p:sp>
+      <p:sp>
+        <p:nvSpPr>
+          <p:cNvPr id="128" name="Rectangle 127"/>
+          <p:cNvSpPr/>
+          <p:nvPr/>
+        </p:nvSpPr>
+        <p:spPr>
+          <a:xfrm>
+            <a:off x="4343400" y="2362200"/>
+            <a:ext cx="1447800" cy="533400"/>
+          </a:xfrm>
+          <a:prstGeom prst="rect">
+            <a:avLst/>
+          </a:prstGeom>
+        </p:spPr>
+        <p:style>
+          <a:lnRef idx="1">
+            <a:schemeClr val="accent6"/>
+          </a:lnRef>
+          <a:fillRef idx="3">
+            <a:schemeClr val="accent6"/>
+          </a:fillRef>
+          <a:effectRef idx="2">
+            <a:schemeClr val="accent6"/>
+          </a:effectRef>
+          <a:fontRef idx="minor">
+            <a:schemeClr val="lt1"/>
+          </a:fontRef>
+        </p:style>
+        <p:txBody>
+          <a:bodyPr rtlCol="0" anchor="ctr"/>
+          <a:lstStyle/>
+          <a:p>
+            <a:pPr algn="ctr"/>
+            <a:r>
+              <a:rPr lang="en-US" dirty="0" smtClean="0"/>
+              <a:t>ES Cluster</a:t>
+            </a:r>
+            <a:endParaRPr lang="en-US" dirty="0"/>
+          </a:p>
+        </p:txBody>
+      </p:sp>
+      <p:sp>
+        <p:nvSpPr>
+          <p:cNvPr id="191" name="Rectangle 190"/>
+          <p:cNvSpPr/>
+          <p:nvPr/>
+        </p:nvSpPr>
+        <p:spPr>
+          <a:xfrm>
+            <a:off x="533400" y="6477000"/>
+            <a:ext cx="1447800" cy="304800"/>
+          </a:xfrm>
+          <a:prstGeom prst="rect">
+            <a:avLst/>
+          </a:prstGeom>
+        </p:spPr>
+        <p:style>
+          <a:lnRef idx="1">
+            <a:schemeClr val="accent1"/>
+          </a:lnRef>
+          <a:fillRef idx="2">
+            <a:schemeClr val="accent1"/>
+          </a:fillRef>
+          <a:effectRef idx="1">
+            <a:schemeClr val="accent1"/>
+          </a:effectRef>
+          <a:fontRef idx="minor">
+            <a:schemeClr val="dk1"/>
+          </a:fontRef>
+        </p:style>
+        <p:txBody>
+          <a:bodyPr rtlCol="0" anchor="ctr"/>
+          <a:lstStyle/>
+          <a:p>
+            <a:pPr algn="ctr"/>
+            <a:r>
+              <a:rPr lang="en-US" sz="1200" dirty="0" smtClean="0"/>
+              <a:t>Query Client1..10</a:t>
+            </a:r>
+            <a:endParaRPr lang="en-US" sz="1200" dirty="0"/>
+          </a:p>
+        </p:txBody>
+      </p:sp>
+      <p:sp>
+        <p:nvSpPr>
+          <p:cNvPr id="192" name="Rectangle 191"/>
+          <p:cNvSpPr/>
+          <p:nvPr/>
+        </p:nvSpPr>
+        <p:spPr>
+          <a:xfrm>
+            <a:off x="2133600" y="6477000"/>
+            <a:ext cx="1447800" cy="304800"/>
+          </a:xfrm>
+          <a:prstGeom prst="rect">
+            <a:avLst/>
+          </a:prstGeom>
+        </p:spPr>
+        <p:style>
+          <a:lnRef idx="1">
+            <a:schemeClr val="accent1"/>
+          </a:lnRef>
+          <a:fillRef idx="2">
+            <a:schemeClr val="accent1"/>
+          </a:fillRef>
+          <a:effectRef idx="1">
+            <a:schemeClr val="accent1"/>
+          </a:effectRef>
+          <a:fontRef idx="minor">
+            <a:schemeClr val="dk1"/>
+          </a:fontRef>
+        </p:style>
+        <p:txBody>
+          <a:bodyPr rtlCol="0" anchor="ctr"/>
+          <a:lstStyle/>
+          <a:p>
+            <a:pPr algn="ctr"/>
+            <a:r>
+              <a:rPr lang="en-US" sz="1200" dirty="0" smtClean="0"/>
+              <a:t>Query Client11..20</a:t>
+            </a:r>
+            <a:endParaRPr lang="en-US" sz="1200" dirty="0"/>
+          </a:p>
+        </p:txBody>
+      </p:sp>
+      <p:sp>
+        <p:nvSpPr>
+          <p:cNvPr id="193" name="Rectangle 192"/>
+          <p:cNvSpPr/>
+          <p:nvPr/>
+        </p:nvSpPr>
+        <p:spPr>
+          <a:xfrm>
+            <a:off x="3733800" y="6477000"/>
+            <a:ext cx="1447800" cy="304800"/>
+          </a:xfrm>
+          <a:prstGeom prst="rect">
+            <a:avLst/>
+          </a:prstGeom>
+        </p:spPr>
+        <p:style>
+          <a:lnRef idx="1">
+            <a:schemeClr val="accent1"/>
+          </a:lnRef>
+          <a:fillRef idx="2">
+            <a:schemeClr val="accent1"/>
+          </a:fillRef>
+          <a:effectRef idx="1">
+            <a:schemeClr val="accent1"/>
+          </a:effectRef>
+          <a:fontRef idx="minor">
+            <a:schemeClr val="dk1"/>
+          </a:fontRef>
+        </p:style>
+        <p:txBody>
+          <a:bodyPr rtlCol="0" anchor="ctr"/>
+          <a:lstStyle/>
+          <a:p>
+            <a:pPr algn="ctr"/>
+            <a:r>
+              <a:rPr lang="en-US" sz="1200" dirty="0" smtClean="0"/>
+              <a:t>Query Client21..30</a:t>
+            </a:r>
+            <a:endParaRPr lang="en-US" sz="1200" dirty="0"/>
+          </a:p>
+        </p:txBody>
+      </p:sp>
+      <p:sp>
+        <p:nvSpPr>
+          <p:cNvPr id="194" name="Rectangle 193"/>
+          <p:cNvSpPr/>
+          <p:nvPr/>
+        </p:nvSpPr>
+        <p:spPr>
+          <a:xfrm>
+            <a:off x="5334000" y="6477000"/>
+            <a:ext cx="1447800" cy="304800"/>
+          </a:xfrm>
+          <a:prstGeom prst="rect">
+            <a:avLst/>
+          </a:prstGeom>
+        </p:spPr>
+        <p:style>
+          <a:lnRef idx="1">
+            <a:schemeClr val="accent1"/>
+          </a:lnRef>
+          <a:fillRef idx="2">
+            <a:schemeClr val="accent1"/>
+          </a:fillRef>
+          <a:effectRef idx="1">
+            <a:schemeClr val="accent1"/>
+          </a:effectRef>
+          <a:fontRef idx="minor">
+            <a:schemeClr val="dk1"/>
+          </a:fontRef>
+        </p:style>
+        <p:txBody>
+          <a:bodyPr rtlCol="0" anchor="ctr"/>
+          <a:lstStyle/>
+          <a:p>
+            <a:pPr algn="ctr"/>
+            <a:r>
+              <a:rPr lang="en-US" sz="1200" dirty="0" smtClean="0"/>
+              <a:t>Query Client31..40</a:t>
+            </a:r>
+            <a:endParaRPr lang="en-US" sz="1200" dirty="0"/>
+          </a:p>
+        </p:txBody>
+      </p:sp>
+      <p:sp>
+        <p:nvSpPr>
+          <p:cNvPr id="195" name="Rectangle 194"/>
+          <p:cNvSpPr/>
+          <p:nvPr/>
+        </p:nvSpPr>
+        <p:spPr>
+          <a:xfrm>
+            <a:off x="6858000" y="6477000"/>
+            <a:ext cx="1447800" cy="304800"/>
+          </a:xfrm>
+          <a:prstGeom prst="rect">
+            <a:avLst/>
+          </a:prstGeom>
+        </p:spPr>
+        <p:style>
+          <a:lnRef idx="1">
+            <a:schemeClr val="accent1"/>
+          </a:lnRef>
+          <a:fillRef idx="2">
+            <a:schemeClr val="accent1"/>
+          </a:fillRef>
+          <a:effectRef idx="1">
+            <a:schemeClr val="accent1"/>
+          </a:effectRef>
+          <a:fontRef idx="minor">
+            <a:schemeClr val="dk1"/>
+          </a:fontRef>
+        </p:style>
+        <p:txBody>
+          <a:bodyPr rtlCol="0" anchor="ctr"/>
+          <a:lstStyle/>
+          <a:p>
+            <a:pPr algn="ctr"/>
+            <a:r>
+              <a:rPr lang="en-US" sz="1200" dirty="0" smtClean="0"/>
+              <a:t>Query Client41..50</a:t>
+            </a:r>
+            <a:endParaRPr lang="en-US" sz="1200" dirty="0"/>
+          </a:p>
+        </p:txBody>
+      </p:sp>
+      <p:sp>
+        <p:nvSpPr>
+          <p:cNvPr id="196" name="Rectangle 195"/>
+          <p:cNvSpPr/>
+          <p:nvPr/>
+        </p:nvSpPr>
+        <p:spPr>
+          <a:xfrm>
+            <a:off x="457200" y="5943600"/>
+            <a:ext cx="8001000" cy="457200"/>
+          </a:xfrm>
+          <a:prstGeom prst="rect">
+            <a:avLst/>
+          </a:prstGeom>
+        </p:spPr>
+        <p:style>
+          <a:lnRef idx="1">
+            <a:schemeClr val="accent1"/>
+          </a:lnRef>
+          <a:fillRef idx="3">
+            <a:schemeClr val="accent1"/>
+          </a:fillRef>
+          <a:effectRef idx="2">
+            <a:schemeClr val="accent1"/>
+          </a:effectRef>
+          <a:fontRef idx="minor">
+            <a:schemeClr val="lt1"/>
+          </a:fontRef>
+        </p:style>
+        <p:txBody>
+          <a:bodyPr rtlCol="0" anchor="ctr"/>
+          <a:lstStyle/>
+          <a:p>
+            <a:pPr algn="ctr"/>
+            <a:r>
+              <a:rPr lang="en-US" sz="3200" dirty="0" smtClean="0"/>
+              <a:t>Load Balancer</a:t>
+            </a:r>
+            <a:endParaRPr lang="en-US" sz="3200" dirty="0"/>
+          </a:p>
+        </p:txBody>
+      </p:sp>
+      <p:sp>
+        <p:nvSpPr>
+          <p:cNvPr id="197" name="Rectangle 196"/>
+          <p:cNvSpPr/>
+          <p:nvPr/>
+        </p:nvSpPr>
+        <p:spPr>
+          <a:xfrm>
+            <a:off x="533400" y="5257800"/>
+            <a:ext cx="1447800" cy="533400"/>
+          </a:xfrm>
+          <a:prstGeom prst="rect">
+            <a:avLst/>
+          </a:prstGeom>
+        </p:spPr>
+        <p:style>
+          <a:lnRef idx="1">
+            <a:schemeClr val="accent3"/>
+          </a:lnRef>
+          <a:fillRef idx="3">
+            <a:schemeClr val="accent3"/>
+          </a:fillRef>
+          <a:effectRef idx="2">
+            <a:schemeClr val="accent3"/>
+          </a:effectRef>
+          <a:fontRef idx="minor">
+            <a:schemeClr val="lt1"/>
+          </a:fontRef>
+        </p:style>
+        <p:txBody>
+          <a:bodyPr rtlCol="0" anchor="b"/>
+          <a:lstStyle/>
+          <a:p>
+            <a:pPr algn="ctr"/>
+            <a:r>
+              <a:rPr lang="en-US" sz="1400" dirty="0" smtClean="0"/>
+              <a:t>Query Interface</a:t>
+            </a:r>
+            <a:endParaRPr lang="en-US" sz="1400" dirty="0"/>
+          </a:p>
+        </p:txBody>
+      </p:sp>
+      <p:sp>
+        <p:nvSpPr>
+          <p:cNvPr id="198" name="Rectangle 197"/>
+          <p:cNvSpPr/>
+          <p:nvPr/>
+        </p:nvSpPr>
+        <p:spPr>
+          <a:xfrm>
+            <a:off x="2133600" y="5257800"/>
+            <a:ext cx="1447800" cy="533400"/>
+          </a:xfrm>
+          <a:prstGeom prst="rect">
+            <a:avLst/>
+          </a:prstGeom>
+        </p:spPr>
+        <p:style>
+          <a:lnRef idx="1">
+            <a:schemeClr val="accent3"/>
+          </a:lnRef>
+          <a:fillRef idx="3">
+            <a:schemeClr val="accent3"/>
+          </a:fillRef>
+          <a:effectRef idx="2">
+            <a:schemeClr val="accent3"/>
+          </a:effectRef>
+          <a:fontRef idx="minor">
+            <a:schemeClr val="lt1"/>
+          </a:fontRef>
+        </p:style>
+        <p:txBody>
+          <a:bodyPr rtlCol="0" anchor="b"/>
+          <a:lstStyle/>
+          <a:p>
+            <a:pPr algn="ctr"/>
+            <a:r>
+              <a:rPr lang="en-US" sz="1400" dirty="0" smtClean="0"/>
+              <a:t>Query Interface</a:t>
+            </a:r>
+          </a:p>
+        </p:txBody>
+      </p:sp>
+      <p:sp>
+        <p:nvSpPr>
+          <p:cNvPr id="199" name="Rectangle 198"/>
+          <p:cNvSpPr/>
+          <p:nvPr/>
+        </p:nvSpPr>
+        <p:spPr>
+          <a:xfrm>
+            <a:off x="3733800" y="5257800"/>
+            <a:ext cx="1447800" cy="533400"/>
+          </a:xfrm>
+          <a:prstGeom prst="rect">
+            <a:avLst/>
+          </a:prstGeom>
+        </p:spPr>
+        <p:style>
+          <a:lnRef idx="1">
+            <a:schemeClr val="accent3"/>
+          </a:lnRef>
+          <a:fillRef idx="3">
+            <a:schemeClr val="accent3"/>
+          </a:fillRef>
+          <a:effectRef idx="2">
+            <a:schemeClr val="accent3"/>
+          </a:effectRef>
+          <a:fontRef idx="minor">
+            <a:schemeClr val="lt1"/>
+          </a:fontRef>
+        </p:style>
+        <p:txBody>
+          <a:bodyPr rtlCol="0" anchor="b"/>
+          <a:lstStyle/>
+          <a:p>
+            <a:pPr algn="ctr"/>
+            <a:r>
+              <a:rPr lang="en-US" sz="1400" dirty="0" smtClean="0"/>
+              <a:t>Query Interface</a:t>
+            </a:r>
+          </a:p>
+        </p:txBody>
+      </p:sp>
+      <p:sp>
+        <p:nvSpPr>
+          <p:cNvPr id="200" name="Rectangle 199"/>
+          <p:cNvSpPr/>
+          <p:nvPr/>
+        </p:nvSpPr>
+        <p:spPr>
+          <a:xfrm>
+            <a:off x="5334000" y="5257800"/>
+            <a:ext cx="1447800" cy="533400"/>
+          </a:xfrm>
+          <a:prstGeom prst="rect">
+            <a:avLst/>
+          </a:prstGeom>
+        </p:spPr>
+        <p:style>
+          <a:lnRef idx="1">
+            <a:schemeClr val="accent3"/>
+          </a:lnRef>
+          <a:fillRef idx="3">
+            <a:schemeClr val="accent3"/>
+          </a:fillRef>
+          <a:effectRef idx="2">
+            <a:schemeClr val="accent3"/>
+          </a:effectRef>
+          <a:fontRef idx="minor">
+            <a:schemeClr val="lt1"/>
+          </a:fontRef>
+        </p:style>
+        <p:txBody>
+          <a:bodyPr rtlCol="0" anchor="b"/>
+          <a:lstStyle/>
+          <a:p>
+            <a:pPr algn="ctr"/>
+            <a:r>
+              <a:rPr lang="en-US" sz="1400" dirty="0" smtClean="0"/>
+              <a:t>Query Interface</a:t>
+            </a:r>
+          </a:p>
+        </p:txBody>
+      </p:sp>
+      <p:sp>
+        <p:nvSpPr>
+          <p:cNvPr id="201" name="Rectangle 200"/>
+          <p:cNvSpPr/>
+          <p:nvPr/>
+        </p:nvSpPr>
+        <p:spPr>
+          <a:xfrm>
+            <a:off x="6934200" y="5257800"/>
+            <a:ext cx="1447800" cy="533400"/>
+          </a:xfrm>
+          <a:prstGeom prst="rect">
+            <a:avLst/>
+          </a:prstGeom>
+        </p:spPr>
+        <p:style>
+          <a:lnRef idx="1">
+            <a:schemeClr val="accent3"/>
+          </a:lnRef>
+          <a:fillRef idx="3">
+            <a:schemeClr val="accent3"/>
+          </a:fillRef>
+          <a:effectRef idx="2">
+            <a:schemeClr val="accent3"/>
+          </a:effectRef>
+          <a:fontRef idx="minor">
+            <a:schemeClr val="lt1"/>
+          </a:fontRef>
+        </p:style>
+        <p:txBody>
+          <a:bodyPr rtlCol="0" anchor="b"/>
+          <a:lstStyle/>
+          <a:p>
+            <a:pPr algn="ctr"/>
+            <a:r>
+              <a:rPr lang="en-US" sz="1400" dirty="0" smtClean="0"/>
+              <a:t>Query Interface</a:t>
+            </a:r>
+          </a:p>
+        </p:txBody>
+      </p:sp>
+      <p:sp>
+        <p:nvSpPr>
+          <p:cNvPr id="202" name="Rectangle 201"/>
+          <p:cNvSpPr/>
+          <p:nvPr/>
+        </p:nvSpPr>
+        <p:spPr>
+          <a:xfrm>
+            <a:off x="533400" y="5257800"/>
+            <a:ext cx="685800" cy="228600"/>
+          </a:xfrm>
+          <a:prstGeom prst="rect">
+            <a:avLst/>
+          </a:prstGeom>
+        </p:spPr>
+        <p:style>
+          <a:lnRef idx="1">
+            <a:schemeClr val="accent6"/>
+          </a:lnRef>
+          <a:fillRef idx="3">
+            <a:schemeClr val="accent6"/>
+          </a:fillRef>
+          <a:effectRef idx="2">
+            <a:schemeClr val="accent6"/>
+          </a:effectRef>
+          <a:fontRef idx="minor">
+            <a:schemeClr val="lt1"/>
+          </a:fontRef>
+        </p:style>
+        <p:txBody>
+          <a:bodyPr rtlCol="0" anchor="ctr"/>
+          <a:lstStyle/>
+          <a:p>
+            <a:pPr algn="ctr"/>
+            <a:r>
+              <a:rPr lang="en-US" sz="1200" dirty="0" smtClean="0"/>
+              <a:t>Cache</a:t>
+            </a:r>
+            <a:endParaRPr lang="en-US" sz="1200" dirty="0"/>
+          </a:p>
+        </p:txBody>
+      </p:sp>
+      <p:sp>
+        <p:nvSpPr>
+          <p:cNvPr id="204" name="Rectangle 203"/>
+          <p:cNvSpPr/>
+          <p:nvPr/>
+        </p:nvSpPr>
+        <p:spPr>
+          <a:xfrm>
+            <a:off x="6934200" y="5257800"/>
+            <a:ext cx="685800" cy="228600"/>
+          </a:xfrm>
+          <a:prstGeom prst="rect">
+            <a:avLst/>
+          </a:prstGeom>
+        </p:spPr>
+        <p:style>
+          <a:lnRef idx="1">
+            <a:schemeClr val="accent6"/>
+          </a:lnRef>
+          <a:fillRef idx="3">
+            <a:schemeClr val="accent6"/>
+          </a:fillRef>
+          <a:effectRef idx="2">
+            <a:schemeClr val="accent6"/>
+          </a:effectRef>
+          <a:fontRef idx="minor">
+            <a:schemeClr val="lt1"/>
+          </a:fontRef>
+        </p:style>
+        <p:txBody>
+          <a:bodyPr rtlCol="0" anchor="ctr"/>
+          <a:lstStyle/>
+          <a:p>
+            <a:pPr algn="ctr"/>
+            <a:r>
+              <a:rPr lang="en-US" sz="1200" dirty="0" smtClean="0"/>
+              <a:t>Cache</a:t>
+            </a:r>
+            <a:endParaRPr lang="en-US" sz="1200" dirty="0"/>
+          </a:p>
+        </p:txBody>
+      </p:sp>
+      <p:sp>
+        <p:nvSpPr>
+          <p:cNvPr id="205" name="Rectangle 204"/>
+          <p:cNvSpPr/>
+          <p:nvPr/>
+        </p:nvSpPr>
+        <p:spPr>
+          <a:xfrm>
+            <a:off x="5334000" y="5257800"/>
+            <a:ext cx="685800" cy="228600"/>
+          </a:xfrm>
+          <a:prstGeom prst="rect">
+            <a:avLst/>
+          </a:prstGeom>
+        </p:spPr>
+        <p:style>
+          <a:lnRef idx="1">
+            <a:schemeClr val="accent6"/>
+          </a:lnRef>
+          <a:fillRef idx="3">
+            <a:schemeClr val="accent6"/>
+          </a:fillRef>
+          <a:effectRef idx="2">
+            <a:schemeClr val="accent6"/>
+          </a:effectRef>
+          <a:fontRef idx="minor">
+            <a:schemeClr val="lt1"/>
+          </a:fontRef>
+        </p:style>
+        <p:txBody>
+          <a:bodyPr rtlCol="0" anchor="ctr"/>
+          <a:lstStyle/>
+          <a:p>
+            <a:pPr algn="ctr"/>
+            <a:r>
+              <a:rPr lang="en-US" sz="1200" dirty="0" smtClean="0"/>
+              <a:t>Cache</a:t>
+            </a:r>
+            <a:endParaRPr lang="en-US" sz="1200" dirty="0"/>
+          </a:p>
+        </p:txBody>
+      </p:sp>
+      <p:sp>
+        <p:nvSpPr>
+          <p:cNvPr id="206" name="Rectangle 205"/>
+          <p:cNvSpPr/>
+          <p:nvPr/>
+        </p:nvSpPr>
+        <p:spPr>
+          <a:xfrm>
+            <a:off x="3733800" y="5257800"/>
+            <a:ext cx="685800" cy="228600"/>
+          </a:xfrm>
+          <a:prstGeom prst="rect">
+            <a:avLst/>
+          </a:prstGeom>
+        </p:spPr>
+        <p:style>
+          <a:lnRef idx="1">
+            <a:schemeClr val="accent6"/>
+          </a:lnRef>
+          <a:fillRef idx="3">
+            <a:schemeClr val="accent6"/>
+          </a:fillRef>
+          <a:effectRef idx="2">
+            <a:schemeClr val="accent6"/>
+          </a:effectRef>
+          <a:fontRef idx="minor">
+            <a:schemeClr val="lt1"/>
+          </a:fontRef>
+        </p:style>
+        <p:txBody>
+          <a:bodyPr rtlCol="0" anchor="ctr"/>
+          <a:lstStyle/>
+          <a:p>
+            <a:pPr algn="ctr"/>
+            <a:r>
+              <a:rPr lang="en-US" sz="1200" dirty="0" smtClean="0"/>
+              <a:t>Cache</a:t>
+            </a:r>
+            <a:endParaRPr lang="en-US" sz="1200" dirty="0"/>
+          </a:p>
+        </p:txBody>
+      </p:sp>
+      <p:sp>
+        <p:nvSpPr>
+          <p:cNvPr id="207" name="Rectangle 206"/>
+          <p:cNvSpPr/>
+          <p:nvPr/>
+        </p:nvSpPr>
+        <p:spPr>
+          <a:xfrm>
+            <a:off x="2133600" y="5257800"/>
+            <a:ext cx="685800" cy="228600"/>
+          </a:xfrm>
+          <a:prstGeom prst="rect">
+            <a:avLst/>
+          </a:prstGeom>
+        </p:spPr>
+        <p:style>
+          <a:lnRef idx="1">
+            <a:schemeClr val="accent6"/>
+          </a:lnRef>
+          <a:fillRef idx="3">
+            <a:schemeClr val="accent6"/>
+          </a:fillRef>
+          <a:effectRef idx="2">
+            <a:schemeClr val="accent6"/>
+          </a:effectRef>
+          <a:fontRef idx="minor">
+            <a:schemeClr val="lt1"/>
+          </a:fontRef>
+        </p:style>
+        <p:txBody>
+          <a:bodyPr rtlCol="0" anchor="ctr"/>
+          <a:lstStyle/>
+          <a:p>
+            <a:pPr algn="ctr"/>
+            <a:r>
+              <a:rPr lang="en-US" sz="1200" dirty="0" smtClean="0"/>
+              <a:t>Cache</a:t>
+            </a:r>
+            <a:endParaRPr lang="en-US" sz="1200" dirty="0"/>
+          </a:p>
+        </p:txBody>
+      </p:sp>
+      <p:cxnSp>
+        <p:nvCxnSpPr>
+          <p:cNvPr id="221" name="Elbow Connector 220"/>
+          <p:cNvCxnSpPr>
+            <a:stCxn id="219" idx="2"/>
+            <a:endCxn id="65" idx="0"/>
+          </p:cNvCxnSpPr>
+          <p:nvPr/>
+        </p:nvCxnSpPr>
+        <p:spPr>
+          <a:xfrm rot="5400000">
+            <a:off x="2438400" y="571500"/>
+            <a:ext cx="685800" cy="2895600"/>
+          </a:xfrm>
+          <a:prstGeom prst="bentConnector3">
+            <a:avLst>
+              <a:gd name="adj1" fmla="val 50000"/>
+            </a:avLst>
+          </a:prstGeom>
+          <a:ln>
+            <a:tailEnd type="arrow"/>
+          </a:ln>
+        </p:spPr>
+        <p:style>
+          <a:lnRef idx="1">
+            <a:schemeClr val="accent1"/>
+          </a:lnRef>
+          <a:fillRef idx="0">
+            <a:schemeClr val="accent1"/>
+          </a:fillRef>
+          <a:effectRef idx="0">
+            <a:schemeClr val="accent1"/>
+          </a:effectRef>
+          <a:fontRef idx="minor">
+            <a:schemeClr val="tx1"/>
+          </a:fontRef>
+        </p:style>
+      </p:cxnSp>
+      <p:cxnSp>
+        <p:nvCxnSpPr>
+          <p:cNvPr id="229" name="Elbow Connector 228"/>
+          <p:cNvCxnSpPr>
+            <a:stCxn id="225" idx="1"/>
+            <a:endCxn id="65" idx="1"/>
+          </p:cNvCxnSpPr>
+          <p:nvPr/>
+        </p:nvCxnSpPr>
+        <p:spPr>
+          <a:xfrm rot="10800000" flipH="1">
+            <a:off x="304800" y="2628901"/>
+            <a:ext cx="304800" cy="2876281"/>
+          </a:xfrm>
+          <a:prstGeom prst="bentConnector3">
+            <a:avLst>
+              <a:gd name="adj1" fmla="val -75000"/>
+            </a:avLst>
+          </a:prstGeom>
+          <a:ln>
+            <a:tailEnd type="arrow"/>
+          </a:ln>
+        </p:spPr>
+        <p:style>
+          <a:lnRef idx="1">
+            <a:schemeClr val="accent1"/>
+          </a:lnRef>
+          <a:fillRef idx="0">
+            <a:schemeClr val="accent1"/>
+          </a:fillRef>
+          <a:effectRef idx="0">
+            <a:schemeClr val="accent1"/>
+          </a:effectRef>
+          <a:fontRef idx="minor">
+            <a:schemeClr val="tx1"/>
+          </a:fontRef>
+        </p:style>
+      </p:cxnSp>
+      <p:cxnSp>
+        <p:nvCxnSpPr>
+          <p:cNvPr id="117" name="Elbow Connector 116"/>
+          <p:cNvCxnSpPr>
+            <a:stCxn id="197" idx="0"/>
+            <a:endCxn id="79" idx="2"/>
+          </p:cNvCxnSpPr>
+          <p:nvPr/>
+        </p:nvCxnSpPr>
+        <p:spPr>
+          <a:xfrm rot="5400000" flipH="1" flipV="1">
+            <a:off x="2220507" y="2618193"/>
+            <a:ext cx="1676400" cy="3602814"/>
+          </a:xfrm>
+          <a:prstGeom prst="bentConnector3">
+            <a:avLst>
+              <a:gd name="adj1" fmla="val 76889"/>
+            </a:avLst>
+          </a:prstGeom>
+          <a:ln>
+            <a:tailEnd type="arrow"/>
+          </a:ln>
+        </p:spPr>
+        <p:style>
+          <a:lnRef idx="1">
+            <a:schemeClr val="accent1"/>
+          </a:lnRef>
+          <a:fillRef idx="0">
+            <a:schemeClr val="accent1"/>
+          </a:fillRef>
+          <a:effectRef idx="0">
+            <a:schemeClr val="accent1"/>
+          </a:effectRef>
+          <a:fontRef idx="minor">
+            <a:schemeClr val="tx1"/>
+          </a:fontRef>
+        </p:style>
+      </p:cxnSp>
+      <p:cxnSp>
+        <p:nvCxnSpPr>
+          <p:cNvPr id="119" name="Elbow Connector 118"/>
+          <p:cNvCxnSpPr>
+            <a:stCxn id="198" idx="0"/>
+            <a:endCxn id="87" idx="2"/>
+          </p:cNvCxnSpPr>
+          <p:nvPr/>
+        </p:nvCxnSpPr>
+        <p:spPr>
+          <a:xfrm rot="5400000" flipH="1" flipV="1">
+            <a:off x="3463058" y="2975842"/>
+            <a:ext cx="1676400" cy="2887517"/>
+          </a:xfrm>
+          <a:prstGeom prst="bentConnector3">
+            <a:avLst>
+              <a:gd name="adj1" fmla="val 67670"/>
+            </a:avLst>
+          </a:prstGeom>
+          <a:ln>
+            <a:tailEnd type="arrow"/>
+          </a:ln>
+        </p:spPr>
+        <p:style>
+          <a:lnRef idx="1">
+            <a:schemeClr val="accent1"/>
+          </a:lnRef>
+          <a:fillRef idx="0">
+            <a:schemeClr val="accent1"/>
+          </a:fillRef>
+          <a:effectRef idx="0">
+            <a:schemeClr val="accent1"/>
+          </a:effectRef>
+          <a:fontRef idx="minor">
+            <a:schemeClr val="tx1"/>
+          </a:fontRef>
+        </p:style>
+      </p:cxnSp>
+      <p:cxnSp>
+        <p:nvCxnSpPr>
+          <p:cNvPr id="121" name="Elbow Connector 120"/>
+          <p:cNvCxnSpPr>
+            <a:stCxn id="199" idx="0"/>
+            <a:endCxn id="86" idx="2"/>
+          </p:cNvCxnSpPr>
+          <p:nvPr/>
+        </p:nvCxnSpPr>
+        <p:spPr>
+          <a:xfrm rot="5400000" flipH="1" flipV="1">
+            <a:off x="4705610" y="3333490"/>
+            <a:ext cx="1676400" cy="2172220"/>
+          </a:xfrm>
+          <a:prstGeom prst="bentConnector3">
+            <a:avLst>
+              <a:gd name="adj1" fmla="val 58451"/>
+            </a:avLst>
+          </a:prstGeom>
+          <a:ln>
+            <a:tailEnd type="arrow"/>
+          </a:ln>
+        </p:spPr>
+        <p:style>
+          <a:lnRef idx="1">
+            <a:schemeClr val="accent1"/>
+          </a:lnRef>
+          <a:fillRef idx="0">
+            <a:schemeClr val="accent1"/>
+          </a:fillRef>
+          <a:effectRef idx="0">
+            <a:schemeClr val="accent1"/>
+          </a:effectRef>
+          <a:fontRef idx="minor">
+            <a:schemeClr val="tx1"/>
+          </a:fontRef>
+        </p:style>
+      </p:cxnSp>
+      <p:cxnSp>
+        <p:nvCxnSpPr>
+          <p:cNvPr id="123" name="Elbow Connector 122"/>
+          <p:cNvCxnSpPr>
+            <a:stCxn id="200" idx="0"/>
+            <a:endCxn id="85" idx="2"/>
+          </p:cNvCxnSpPr>
+          <p:nvPr/>
+        </p:nvCxnSpPr>
+        <p:spPr>
+          <a:xfrm rot="5400000" flipH="1" flipV="1">
+            <a:off x="5948161" y="3691139"/>
+            <a:ext cx="1676400" cy="1456923"/>
+          </a:xfrm>
+          <a:prstGeom prst="bentConnector3">
+            <a:avLst>
+              <a:gd name="adj1" fmla="val 50000"/>
+            </a:avLst>
+          </a:prstGeom>
+          <a:ln>
+            <a:tailEnd type="arrow"/>
+          </a:ln>
+        </p:spPr>
+        <p:style>
+          <a:lnRef idx="1">
+            <a:schemeClr val="accent1"/>
+          </a:lnRef>
+          <a:fillRef idx="0">
+            <a:schemeClr val="accent1"/>
+          </a:fillRef>
+          <a:effectRef idx="0">
+            <a:schemeClr val="accent1"/>
+          </a:effectRef>
+          <a:fontRef idx="minor">
+            <a:schemeClr val="tx1"/>
+          </a:fontRef>
+        </p:style>
+      </p:cxnSp>
+      <p:cxnSp>
+        <p:nvCxnSpPr>
+          <p:cNvPr id="125" name="Elbow Connector 124"/>
+          <p:cNvCxnSpPr>
+            <a:stCxn id="201" idx="0"/>
+            <a:endCxn id="84" idx="2"/>
+          </p:cNvCxnSpPr>
+          <p:nvPr/>
+        </p:nvCxnSpPr>
+        <p:spPr>
+          <a:xfrm rot="5400000" flipH="1" flipV="1">
+            <a:off x="7190713" y="4048787"/>
+            <a:ext cx="1676400" cy="741626"/>
+          </a:xfrm>
+          <a:prstGeom prst="bentConnector3">
+            <a:avLst>
+              <a:gd name="adj1" fmla="val 50000"/>
+            </a:avLst>
+          </a:prstGeom>
+          <a:ln>
+            <a:tailEnd type="arrow"/>
+          </a:ln>
+        </p:spPr>
+        <p:style>
+          <a:lnRef idx="1">
+            <a:schemeClr val="accent1"/>
+          </a:lnRef>
+          <a:fillRef idx="0">
+            <a:schemeClr val="accent1"/>
+          </a:fillRef>
+          <a:effectRef idx="0">
+            <a:schemeClr val="accent1"/>
+          </a:effectRef>
+          <a:fontRef idx="minor">
+            <a:schemeClr val="tx1"/>
+          </a:fontRef>
+        </p:style>
+      </p:cxnSp>
+      <p:grpSp>
+        <p:nvGrpSpPr>
+          <p:cNvPr id="116" name="Group 115"/>
+          <p:cNvGrpSpPr/>
+          <p:nvPr/>
+        </p:nvGrpSpPr>
+        <p:grpSpPr>
+          <a:xfrm>
+            <a:off x="4343400" y="3200400"/>
+            <a:ext cx="4572000" cy="533400"/>
+            <a:chOff x="1905000" y="3276600"/>
+            <a:chExt cx="4572000" cy="533400"/>
+          </a:xfrm>
+        </p:grpSpPr>
+        <p:sp>
+          <p:nvSpPr>
+            <p:cNvPr id="79" name="Rectangle 78"/>
+            <p:cNvSpPr/>
+            <p:nvPr/>
+          </p:nvSpPr>
+          <p:spPr>
+            <a:xfrm>
+              <a:off x="2016133" y="3429000"/>
+              <a:ext cx="811161" cy="228600"/>
+            </a:xfrm>
+            <a:prstGeom prst="rect">
+              <a:avLst/>
+            </a:prstGeom>
+          </p:spPr>
+          <p:style>
+            <a:lnRef idx="1">
+              <a:schemeClr val="accent6"/>
+            </a:lnRef>
+            <a:fillRef idx="3">
+              <a:schemeClr val="accent6"/>
+            </a:fillRef>
+            <a:effectRef idx="2">
+              <a:schemeClr val="accent6"/>
+            </a:effectRef>
+            <a:fontRef idx="minor">
+              <a:schemeClr val="lt1"/>
+            </a:fontRef>
+          </p:style>
+          <p:txBody>
+            <a:bodyPr rtlCol="0" anchor="ctr"/>
+            <a:lstStyle/>
+            <a:p>
+              <a:pPr algn="ctr"/>
+              <a:r>
+                <a:rPr lang="en-US" dirty="0" smtClean="0"/>
+                <a:t>Queue</a:t>
+              </a:r>
+              <a:endParaRPr lang="en-US" dirty="0"/>
+            </a:p>
+          </p:txBody>
+        </p:sp>
+        <p:sp>
+          <p:nvSpPr>
+            <p:cNvPr id="84" name="Rectangle 83"/>
+            <p:cNvSpPr/>
+            <p:nvPr/>
+          </p:nvSpPr>
+          <p:spPr>
+            <a:xfrm>
+              <a:off x="5555745" y="3429000"/>
+              <a:ext cx="811161" cy="228600"/>
+            </a:xfrm>
+            <a:prstGeom prst="rect">
+              <a:avLst/>
+            </a:prstGeom>
+          </p:spPr>
+          <p:style>
+            <a:lnRef idx="1">
+              <a:schemeClr val="accent6"/>
+            </a:lnRef>
+            <a:fillRef idx="3">
+              <a:schemeClr val="accent6"/>
+            </a:fillRef>
+            <a:effectRef idx="2">
+              <a:schemeClr val="accent6"/>
+            </a:effectRef>
+            <a:fontRef idx="minor">
+              <a:schemeClr val="lt1"/>
+            </a:fontRef>
+          </p:style>
+          <p:txBody>
+            <a:bodyPr rtlCol="0" anchor="ctr"/>
+            <a:lstStyle/>
+            <a:p>
+              <a:pPr algn="ctr"/>
+              <a:r>
+                <a:rPr lang="en-US" dirty="0" smtClean="0"/>
+                <a:t>Queue</a:t>
+              </a:r>
+              <a:endParaRPr lang="en-US" dirty="0"/>
+            </a:p>
+          </p:txBody>
+        </p:sp>
+        <p:sp>
+          <p:nvSpPr>
+            <p:cNvPr id="85" name="Rectangle 84"/>
+            <p:cNvSpPr/>
+            <p:nvPr/>
+          </p:nvSpPr>
+          <p:spPr>
+            <a:xfrm>
+              <a:off x="4670842" y="3429000"/>
+              <a:ext cx="811161" cy="228600"/>
+            </a:xfrm>
+            <a:prstGeom prst="rect">
+              <a:avLst/>
+            </a:prstGeom>
+          </p:spPr>
+          <p:style>
+            <a:lnRef idx="1">
+              <a:schemeClr val="accent6"/>
+            </a:lnRef>
+            <a:fillRef idx="3">
+              <a:schemeClr val="accent6"/>
+            </a:fillRef>
+            <a:effectRef idx="2">
+              <a:schemeClr val="accent6"/>
+            </a:effectRef>
+            <a:fontRef idx="minor">
+              <a:schemeClr val="lt1"/>
+            </a:fontRef>
+          </p:style>
+          <p:txBody>
+            <a:bodyPr rtlCol="0" anchor="ctr"/>
+            <a:lstStyle/>
+            <a:p>
+              <a:pPr algn="ctr"/>
+              <a:r>
+                <a:rPr lang="en-US" dirty="0" smtClean="0"/>
+                <a:t>Queue</a:t>
+              </a:r>
+              <a:endParaRPr lang="en-US" dirty="0"/>
+            </a:p>
+          </p:txBody>
+        </p:sp>
+        <p:sp>
+          <p:nvSpPr>
+            <p:cNvPr id="86" name="Rectangle 85"/>
+            <p:cNvSpPr/>
+            <p:nvPr/>
+          </p:nvSpPr>
+          <p:spPr>
+            <a:xfrm>
+              <a:off x="3785939" y="3429000"/>
+              <a:ext cx="811161" cy="228600"/>
+            </a:xfrm>
+            <a:prstGeom prst="rect">
+              <a:avLst/>
+            </a:prstGeom>
+          </p:spPr>
+          <p:style>
+            <a:lnRef idx="1">
+              <a:schemeClr val="accent6"/>
+            </a:lnRef>
+            <a:fillRef idx="3">
+              <a:schemeClr val="accent6"/>
+            </a:fillRef>
+            <a:effectRef idx="2">
+              <a:schemeClr val="accent6"/>
+            </a:effectRef>
+            <a:fontRef idx="minor">
+              <a:schemeClr val="lt1"/>
+            </a:fontRef>
+          </p:style>
+          <p:txBody>
+            <a:bodyPr rtlCol="0" anchor="ctr"/>
+            <a:lstStyle/>
+            <a:p>
+              <a:pPr algn="ctr"/>
+              <a:r>
+                <a:rPr lang="en-US" dirty="0" smtClean="0"/>
+                <a:t>Queue</a:t>
+              </a:r>
+              <a:endParaRPr lang="en-US" dirty="0"/>
+            </a:p>
+          </p:txBody>
+        </p:sp>
+        <p:sp>
+          <p:nvSpPr>
+            <p:cNvPr id="87" name="Rectangle 86"/>
+            <p:cNvSpPr/>
+            <p:nvPr/>
+          </p:nvSpPr>
+          <p:spPr>
+            <a:xfrm>
+              <a:off x="2901036" y="3429000"/>
+              <a:ext cx="811161" cy="228600"/>
+            </a:xfrm>
+            <a:prstGeom prst="rect">
+              <a:avLst/>
+            </a:prstGeom>
+          </p:spPr>
+          <p:style>
+            <a:lnRef idx="1">
+              <a:schemeClr val="accent6"/>
+            </a:lnRef>
+            <a:fillRef idx="3">
+              <a:schemeClr val="accent6"/>
+            </a:fillRef>
+            <a:effectRef idx="2">
+              <a:schemeClr val="accent6"/>
+            </a:effectRef>
+            <a:fontRef idx="minor">
+              <a:schemeClr val="lt1"/>
+            </a:fontRef>
+          </p:style>
+          <p:txBody>
+            <a:bodyPr rtlCol="0" anchor="ctr"/>
+            <a:lstStyle/>
+            <a:p>
+              <a:pPr algn="ctr"/>
+              <a:r>
+                <a:rPr lang="en-US" dirty="0" smtClean="0"/>
+                <a:t>Queue</a:t>
+              </a:r>
+              <a:endParaRPr lang="en-US" dirty="0"/>
+            </a:p>
+          </p:txBody>
+        </p:sp>
+        <p:sp>
+          <p:nvSpPr>
+            <p:cNvPr id="231" name="Rectangle 230"/>
+            <p:cNvSpPr/>
+            <p:nvPr/>
+          </p:nvSpPr>
+          <p:spPr>
+            <a:xfrm>
+              <a:off x="1905000" y="3276600"/>
+              <a:ext cx="4572000" cy="533400"/>
+            </a:xfrm>
+            <a:prstGeom prst="rect">
+              <a:avLst/>
+            </a:prstGeom>
+            <a:solidFill>
+              <a:schemeClr val="accent6">
+                <a:alpha val="0"/>
+              </a:schemeClr>
+            </a:solidFill>
+            <a:ln>
+              <a:solidFill>
+                <a:schemeClr val="accent6"/>
+              </a:solidFill>
+            </a:ln>
+          </p:spPr>
+          <p:style>
+            <a:lnRef idx="2">
+              <a:schemeClr val="accent1">
+                <a:shade val="50000"/>
+              </a:schemeClr>
+            </a:lnRef>
+            <a:fillRef idx="1">
+              <a:schemeClr val="accent1"/>
+            </a:fillRef>
+            <a:effectRef idx="0">
+              <a:schemeClr val="accent1"/>
+            </a:effectRef>
+            <a:fontRef idx="minor">
+              <a:schemeClr val="lt1"/>
+            </a:fontRef>
+          </p:style>
+          <p:txBody>
+            <a:bodyPr rtlCol="0" anchor="ctr"/>
+            <a:lstStyle/>
+            <a:p>
+              <a:pPr algn="ctr"/>
+              <a:endParaRPr lang="en-US"/>
+            </a:p>
+          </p:txBody>
+        </p:sp>
+      </p:grpSp>
+      <p:cxnSp>
+        <p:nvCxnSpPr>
+          <p:cNvPr id="233" name="Elbow Connector 232"/>
+          <p:cNvCxnSpPr>
+            <a:stCxn id="231" idx="0"/>
+            <a:endCxn id="63" idx="2"/>
+          </p:cNvCxnSpPr>
+          <p:nvPr/>
+        </p:nvCxnSpPr>
+        <p:spPr>
+          <a:xfrm rot="5400000" flipH="1" flipV="1">
+            <a:off x="6610350" y="2914650"/>
+            <a:ext cx="304800" cy="266700"/>
+          </a:xfrm>
+          <a:prstGeom prst="bentConnector3">
+            <a:avLst>
+              <a:gd name="adj1" fmla="val 50000"/>
+            </a:avLst>
+          </a:prstGeom>
+          <a:ln>
+            <a:tailEnd type="arrow"/>
+          </a:ln>
+        </p:spPr>
+        <p:style>
+          <a:lnRef idx="1">
+            <a:schemeClr val="accent1"/>
+          </a:lnRef>
+          <a:fillRef idx="0">
+            <a:schemeClr val="accent1"/>
+          </a:fillRef>
+          <a:effectRef idx="0">
+            <a:schemeClr val="accent1"/>
+          </a:effectRef>
+          <a:fontRef idx="minor">
+            <a:schemeClr val="tx1"/>
+          </a:fontRef>
+        </p:style>
+      </p:cxnSp>
+      <p:sp>
+        <p:nvSpPr>
+          <p:cNvPr id="236" name="Rectangle 235"/>
+          <p:cNvSpPr/>
+          <p:nvPr/>
+        </p:nvSpPr>
+        <p:spPr>
+          <a:xfrm>
+            <a:off x="2514600" y="2438400"/>
+            <a:ext cx="1447800" cy="381000"/>
+          </a:xfrm>
+          <a:prstGeom prst="rect">
+            <a:avLst/>
+          </a:prstGeom>
+        </p:spPr>
+        <p:style>
+          <a:lnRef idx="1">
+            <a:schemeClr val="accent3"/>
+          </a:lnRef>
+          <a:fillRef idx="3">
+            <a:schemeClr val="accent3"/>
+          </a:fillRef>
+          <a:effectRef idx="2">
+            <a:schemeClr val="accent3"/>
+          </a:effectRef>
+          <a:fontRef idx="minor">
+            <a:schemeClr val="lt1"/>
+          </a:fontRef>
+        </p:style>
+        <p:txBody>
+          <a:bodyPr rtlCol="0" anchor="ctr"/>
+          <a:lstStyle/>
+          <a:p>
+            <a:pPr algn="ctr"/>
+            <a:r>
+              <a:rPr lang="en-US" sz="1400" dirty="0" smtClean="0"/>
+              <a:t>ES Repair</a:t>
+            </a:r>
+            <a:endParaRPr lang="en-US" sz="1400" dirty="0"/>
+          </a:p>
+        </p:txBody>
+      </p:sp>
+      <p:cxnSp>
+        <p:nvCxnSpPr>
+          <p:cNvPr id="238" name="Straight Arrow Connector 237"/>
+          <p:cNvCxnSpPr>
+            <a:stCxn id="236" idx="1"/>
+            <a:endCxn id="65" idx="3"/>
+          </p:cNvCxnSpPr>
+          <p:nvPr/>
+        </p:nvCxnSpPr>
+        <p:spPr>
+          <a:xfrm flipH="1">
+            <a:off x="2057400" y="2628900"/>
+            <a:ext cx="457200" cy="0"/>
+          </a:xfrm>
+          <a:prstGeom prst="straightConnector1">
+            <a:avLst/>
+          </a:prstGeom>
+          <a:ln>
+            <a:tailEnd type="arrow"/>
+          </a:ln>
+        </p:spPr>
+        <p:style>
+          <a:lnRef idx="1">
+            <a:schemeClr val="accent1"/>
+          </a:lnRef>
+          <a:fillRef idx="0">
+            <a:schemeClr val="accent1"/>
+          </a:fillRef>
+          <a:effectRef idx="0">
+            <a:schemeClr val="accent1"/>
+          </a:effectRef>
+          <a:fontRef idx="minor">
+            <a:schemeClr val="tx1"/>
+          </a:fontRef>
+        </p:style>
+      </p:cxnSp>
+      <p:cxnSp>
+        <p:nvCxnSpPr>
+          <p:cNvPr id="240" name="Straight Arrow Connector 239"/>
+          <p:cNvCxnSpPr>
+            <a:stCxn id="236" idx="3"/>
+            <a:endCxn id="128" idx="1"/>
+          </p:cNvCxnSpPr>
+          <p:nvPr/>
+        </p:nvCxnSpPr>
+        <p:spPr>
+          <a:xfrm>
+            <a:off x="3962400" y="2628900"/>
+            <a:ext cx="381000" cy="0"/>
+          </a:xfrm>
+          <a:prstGeom prst="straightConnector1">
+            <a:avLst/>
+          </a:prstGeom>
+          <a:ln>
+            <a:tailEnd type="arrow"/>
+          </a:ln>
+        </p:spPr>
+        <p:style>
+          <a:lnRef idx="1">
+            <a:schemeClr val="accent1"/>
+          </a:lnRef>
+          <a:fillRef idx="0">
+            <a:schemeClr val="accent1"/>
+          </a:fillRef>
+          <a:effectRef idx="0">
+            <a:schemeClr val="accent1"/>
+          </a:effectRef>
+          <a:fontRef idx="minor">
+            <a:schemeClr val="tx1"/>
+          </a:fontRef>
+        </p:style>
+      </p:cxnSp>
+      <p:cxnSp>
+        <p:nvCxnSpPr>
+          <p:cNvPr id="92" name="Elbow Connector 91"/>
+          <p:cNvCxnSpPr>
+            <a:stCxn id="219" idx="2"/>
+            <a:endCxn id="128" idx="0"/>
+          </p:cNvCxnSpPr>
+          <p:nvPr/>
+        </p:nvCxnSpPr>
+        <p:spPr>
+          <a:xfrm rot="16200000" flipH="1">
+            <a:off x="4305300" y="1600200"/>
+            <a:ext cx="685800" cy="838200"/>
+          </a:xfrm>
+          <a:prstGeom prst="bentConnector3">
+            <a:avLst>
+              <a:gd name="adj1" fmla="val 50000"/>
+            </a:avLst>
+          </a:prstGeom>
+          <a:ln>
+            <a:tailEnd type="arrow"/>
+          </a:ln>
+        </p:spPr>
+        <p:style>
+          <a:lnRef idx="1">
+            <a:schemeClr val="accent1"/>
+          </a:lnRef>
+          <a:fillRef idx="0">
+            <a:schemeClr val="accent1"/>
+          </a:fillRef>
+          <a:effectRef idx="0">
+            <a:schemeClr val="accent1"/>
+          </a:effectRef>
+          <a:fontRef idx="minor">
+            <a:schemeClr val="tx1"/>
+          </a:fontRef>
+        </p:style>
+      </p:cxnSp>
+      <p:cxnSp>
+        <p:nvCxnSpPr>
+          <p:cNvPr id="103" name="Elbow Connector 102"/>
+          <p:cNvCxnSpPr>
+            <a:stCxn id="219" idx="2"/>
+            <a:endCxn id="63" idx="0"/>
+          </p:cNvCxnSpPr>
+          <p:nvPr/>
+        </p:nvCxnSpPr>
+        <p:spPr>
+          <a:xfrm rot="16200000" flipH="1">
+            <a:off x="5219700" y="685800"/>
+            <a:ext cx="685800" cy="2667000"/>
+          </a:xfrm>
+          <a:prstGeom prst="bentConnector3">
+            <a:avLst>
+              <a:gd name="adj1" fmla="val 50000"/>
+            </a:avLst>
+          </a:prstGeom>
+          <a:ln>
+            <a:tailEnd type="arrow"/>
+          </a:ln>
+        </p:spPr>
+        <p:style>
+          <a:lnRef idx="1">
+            <a:schemeClr val="accent1"/>
+          </a:lnRef>
+          <a:fillRef idx="0">
+            <a:schemeClr val="accent1"/>
+          </a:fillRef>
+          <a:effectRef idx="0">
+            <a:schemeClr val="accent1"/>
+          </a:effectRef>
+          <a:fontRef idx="minor">
+            <a:schemeClr val="tx1"/>
+          </a:fontRef>
+        </p:style>
+      </p:cxnSp>
+      <p:cxnSp>
+        <p:nvCxnSpPr>
+          <p:cNvPr id="126" name="Shape 125"/>
+          <p:cNvCxnSpPr>
+            <a:stCxn id="225" idx="1"/>
+            <a:endCxn id="128" idx="2"/>
+          </p:cNvCxnSpPr>
+          <p:nvPr/>
+        </p:nvCxnSpPr>
+        <p:spPr>
+          <a:xfrm rot="10800000" flipH="1">
+            <a:off x="304800" y="2895601"/>
+            <a:ext cx="4762500" cy="2609581"/>
+          </a:xfrm>
+          <a:prstGeom prst="bentConnector4">
+            <a:avLst>
+              <a:gd name="adj1" fmla="val -2096"/>
+              <a:gd name="adj2" fmla="val 93687"/>
+            </a:avLst>
+          </a:prstGeom>
+          <a:ln>
+            <a:tailEnd type="arrow"/>
+          </a:ln>
+        </p:spPr>
+        <p:style>
+          <a:lnRef idx="1">
+            <a:schemeClr val="accent1"/>
+          </a:lnRef>
+          <a:fillRef idx="0">
+            <a:schemeClr val="accent1"/>
+          </a:fillRef>
+          <a:effectRef idx="0">
+            <a:schemeClr val="accent1"/>
+          </a:effectRef>
+          <a:fontRef idx="minor">
+            <a:schemeClr val="tx1"/>
+          </a:fontRef>
+        </p:style>
+      </p:cxnSp>
+    </p:spTree>
+  </p:cSld>
+  <p:clrMapOvr>
+    <a:masterClrMapping/>
+  </p:clrMapOvr>
+</p:sld>
+</file>
+
+<file path=ppt/slides/slide4.xml><?xml version="1.0" encoding="utf-8"?>
+<p:sld xmlns:a="http://schemas.openxmlformats.org/drawingml/2006/main" xmlns:r="http://schemas.openxmlformats.org/officeDocument/2006/relationships" xmlns:p="http://schemas.openxmlformats.org/presentationml/2006/main">
+  <p:cSld>
+    <p:spTree>
+      <p:nvGrpSpPr>
+        <p:cNvPr id="1" name=""/>
+        <p:cNvGrpSpPr/>
+        <p:nvPr/>
+      </p:nvGrpSpPr>
+      <p:grpSpPr>
+        <a:xfrm>
+          <a:off x="0" y="0"/>
+          <a:ext cx="0" cy="0"/>
+          <a:chOff x="0" y="0"/>
+          <a:chExt cx="0" cy="0"/>
+        </a:xfrm>
+      </p:grpSpPr>
+      <p:sp>
+        <p:nvSpPr>
+          <p:cNvPr id="4" name="Rectangle 3"/>
+          <p:cNvSpPr/>
+          <p:nvPr/>
+        </p:nvSpPr>
+        <p:spPr>
+          <a:xfrm>
+            <a:off x="533400" y="838200"/>
+            <a:ext cx="1447800" cy="533400"/>
+          </a:xfrm>
+          <a:prstGeom prst="rect">
+            <a:avLst/>
+          </a:prstGeom>
+        </p:spPr>
+        <p:style>
+          <a:lnRef idx="2">
+            <a:schemeClr val="accent1">
+              <a:shade val="50000"/>
+            </a:schemeClr>
+          </a:lnRef>
+          <a:fillRef idx="1">
+            <a:schemeClr val="accent1"/>
+          </a:fillRef>
+          <a:effectRef idx="0">
+            <a:schemeClr val="accent1"/>
+          </a:effectRef>
+          <a:fontRef idx="minor">
+            <a:schemeClr val="lt1"/>
+          </a:fontRef>
+        </p:style>
+        <p:txBody>
+          <a:bodyPr rtlCol="0" anchor="ctr"/>
+          <a:lstStyle/>
+          <a:p>
+            <a:pPr algn="ctr"/>
+            <a:r>
+              <a:rPr lang="en-US" dirty="0" smtClean="0"/>
+              <a:t>Client</a:t>
+            </a:r>
+            <a:endParaRPr lang="en-US" dirty="0"/>
+          </a:p>
+        </p:txBody>
+      </p:sp>
+      <p:sp>
+        <p:nvSpPr>
+          <p:cNvPr id="5" name="Rectangle 4"/>
+          <p:cNvSpPr/>
+          <p:nvPr/>
+        </p:nvSpPr>
+        <p:spPr>
+          <a:xfrm>
+            <a:off x="533400" y="2286000"/>
+            <a:ext cx="1447800" cy="533400"/>
+          </a:xfrm>
+          <a:prstGeom prst="rect">
+            <a:avLst/>
+          </a:prstGeom>
+        </p:spPr>
+        <p:style>
+          <a:lnRef idx="1">
+            <a:schemeClr val="accent3"/>
+          </a:lnRef>
+          <a:fillRef idx="3">
+            <a:schemeClr val="accent3"/>
+          </a:fillRef>
+          <a:effectRef idx="2">
+            <a:schemeClr val="accent3"/>
+          </a:effectRef>
+          <a:fontRef idx="minor">
+            <a:schemeClr val="lt1"/>
+          </a:fontRef>
+        </p:style>
+        <p:txBody>
+          <a:bodyPr rtlCol="0" anchor="ctr"/>
+          <a:lstStyle/>
+          <a:p>
+            <a:pPr algn="ctr"/>
+            <a:r>
+              <a:rPr lang="en-US" dirty="0" smtClean="0"/>
+              <a:t>DMs</a:t>
+            </a:r>
+            <a:endParaRPr lang="en-US" dirty="0"/>
+          </a:p>
+        </p:txBody>
+      </p:sp>
+      <p:sp>
+        <p:nvSpPr>
+          <p:cNvPr id="6" name="Rectangle 5"/>
+          <p:cNvSpPr/>
+          <p:nvPr/>
+        </p:nvSpPr>
+        <p:spPr>
+          <a:xfrm>
+            <a:off x="2209800" y="2971800"/>
+            <a:ext cx="1447800" cy="533400"/>
+          </a:xfrm>
+          <a:prstGeom prst="rect">
+            <a:avLst/>
+          </a:prstGeom>
+        </p:spPr>
+        <p:style>
+          <a:lnRef idx="2">
+            <a:schemeClr val="accent1">
+              <a:shade val="50000"/>
+            </a:schemeClr>
+          </a:lnRef>
+          <a:fillRef idx="1">
+            <a:schemeClr val="accent1"/>
+          </a:fillRef>
+          <a:effectRef idx="0">
+            <a:schemeClr val="accent1"/>
+          </a:effectRef>
+          <a:fontRef idx="minor">
+            <a:schemeClr val="lt1"/>
+          </a:fontRef>
+        </p:style>
+        <p:txBody>
+          <a:bodyPr rtlCol="0" anchor="ctr"/>
+          <a:lstStyle/>
+          <a:p>
+            <a:pPr algn="ctr"/>
+            <a:r>
+              <a:rPr lang="en-US" dirty="0" smtClean="0"/>
+              <a:t>Cassandra Cluster</a:t>
+            </a:r>
+            <a:endParaRPr lang="en-US" dirty="0"/>
+          </a:p>
+        </p:txBody>
+      </p:sp>
+      <p:sp>
+        <p:nvSpPr>
+          <p:cNvPr id="7" name="Rectangle 6"/>
+          <p:cNvSpPr/>
+          <p:nvPr/>
+        </p:nvSpPr>
+        <p:spPr>
+          <a:xfrm>
+            <a:off x="4267200" y="3810000"/>
+            <a:ext cx="1447800" cy="533400"/>
+          </a:xfrm>
+          <a:prstGeom prst="rect">
+            <a:avLst/>
+          </a:prstGeom>
+        </p:spPr>
+        <p:style>
+          <a:lnRef idx="2">
+            <a:schemeClr val="accent1">
+              <a:shade val="50000"/>
+            </a:schemeClr>
+          </a:lnRef>
+          <a:fillRef idx="1">
+            <a:schemeClr val="accent1"/>
+          </a:fillRef>
+          <a:effectRef idx="0">
+            <a:schemeClr val="accent1"/>
+          </a:effectRef>
+          <a:fontRef idx="minor">
+            <a:schemeClr val="lt1"/>
+          </a:fontRef>
+        </p:style>
+        <p:txBody>
+          <a:bodyPr rtlCol="0" anchor="ctr"/>
+          <a:lstStyle/>
+          <a:p>
+            <a:pPr algn="ctr"/>
+            <a:r>
+              <a:rPr lang="en-US" dirty="0" smtClean="0"/>
+              <a:t>Message Queue</a:t>
+            </a:r>
+            <a:endParaRPr lang="en-US" dirty="0"/>
+          </a:p>
+        </p:txBody>
+      </p:sp>
+      <p:sp>
+        <p:nvSpPr>
+          <p:cNvPr id="8" name="Rectangle 7"/>
+          <p:cNvSpPr/>
+          <p:nvPr/>
+        </p:nvSpPr>
+        <p:spPr>
+          <a:xfrm>
+            <a:off x="533400" y="3810000"/>
+            <a:ext cx="1447800" cy="533400"/>
+          </a:xfrm>
+          <a:prstGeom prst="rect">
+            <a:avLst/>
+          </a:prstGeom>
+        </p:spPr>
+        <p:style>
+          <a:lnRef idx="1">
+            <a:schemeClr val="accent3"/>
+          </a:lnRef>
+          <a:fillRef idx="3">
+            <a:schemeClr val="accent3"/>
+          </a:fillRef>
+          <a:effectRef idx="2">
+            <a:schemeClr val="accent3"/>
+          </a:effectRef>
+          <a:fontRef idx="minor">
+            <a:schemeClr val="lt1"/>
+          </a:fontRef>
+        </p:style>
+        <p:txBody>
+          <a:bodyPr rtlCol="0" anchor="ctr"/>
+          <a:lstStyle/>
+          <a:p>
+            <a:pPr algn="ctr"/>
+            <a:r>
+              <a:rPr lang="en-US" dirty="0" smtClean="0"/>
+              <a:t>TUI</a:t>
+            </a:r>
+            <a:endParaRPr lang="en-US" dirty="0"/>
+          </a:p>
+        </p:txBody>
+      </p:sp>
+      <p:sp>
+        <p:nvSpPr>
+          <p:cNvPr id="9" name="Rectangle 8"/>
+          <p:cNvSpPr/>
+          <p:nvPr/>
+        </p:nvSpPr>
+        <p:spPr>
+          <a:xfrm>
+            <a:off x="2209800" y="4572000"/>
+            <a:ext cx="1447800" cy="533400"/>
+          </a:xfrm>
+          <a:prstGeom prst="rect">
+            <a:avLst/>
+          </a:prstGeom>
+        </p:spPr>
+        <p:style>
+          <a:lnRef idx="2">
+            <a:schemeClr val="accent1">
+              <a:shade val="50000"/>
+            </a:schemeClr>
+          </a:lnRef>
+          <a:fillRef idx="1">
+            <a:schemeClr val="accent1"/>
+          </a:fillRef>
+          <a:effectRef idx="0">
+            <a:schemeClr val="accent1"/>
+          </a:effectRef>
+          <a:fontRef idx="minor">
+            <a:schemeClr val="lt1"/>
+          </a:fontRef>
+        </p:style>
+        <p:txBody>
+          <a:bodyPr rtlCol="0" anchor="ctr"/>
+          <a:lstStyle/>
+          <a:p>
+            <a:pPr algn="ctr"/>
+            <a:r>
+              <a:rPr lang="en-US" dirty="0" smtClean="0"/>
+              <a:t>Elastic Search Cluster</a:t>
+            </a:r>
+            <a:endParaRPr lang="en-US" dirty="0"/>
+          </a:p>
+        </p:txBody>
+      </p:sp>
+      <p:sp>
+        <p:nvSpPr>
+          <p:cNvPr id="10" name="Rectangle 9"/>
+          <p:cNvSpPr/>
+          <p:nvPr/>
+        </p:nvSpPr>
+        <p:spPr>
+          <a:xfrm>
+            <a:off x="7162800" y="3697311"/>
+            <a:ext cx="1524000" cy="763074"/>
+          </a:xfrm>
+          <a:prstGeom prst="rect">
+            <a:avLst/>
+          </a:prstGeom>
+        </p:spPr>
+        <p:style>
+          <a:lnRef idx="1">
+            <a:schemeClr val="accent3"/>
+          </a:lnRef>
+          <a:fillRef idx="3">
+            <a:schemeClr val="accent3"/>
+          </a:fillRef>
+          <a:effectRef idx="2">
+            <a:schemeClr val="accent3"/>
+          </a:effectRef>
+          <a:fontRef idx="minor">
+            <a:schemeClr val="lt1"/>
+          </a:fontRef>
+        </p:style>
+        <p:txBody>
+          <a:bodyPr rtlCol="0" anchor="ctr"/>
+          <a:lstStyle/>
+          <a:p>
+            <a:pPr algn="ctr"/>
+            <a:r>
+              <a:rPr lang="en-US" dirty="0" smtClean="0"/>
+              <a:t>CMDC</a:t>
+            </a:r>
+            <a:endParaRPr lang="en-US" dirty="0"/>
+          </a:p>
+        </p:txBody>
+      </p:sp>
+      <p:sp>
+        <p:nvSpPr>
+          <p:cNvPr id="11" name="Rectangle 10"/>
+          <p:cNvSpPr/>
+          <p:nvPr/>
+        </p:nvSpPr>
+        <p:spPr>
+          <a:xfrm>
+            <a:off x="7543801" y="762000"/>
+            <a:ext cx="1447800" cy="533400"/>
+          </a:xfrm>
+          <a:prstGeom prst="rect">
+            <a:avLst/>
+          </a:prstGeom>
+        </p:spPr>
+        <p:style>
+          <a:lnRef idx="2">
+            <a:schemeClr val="accent1">
+              <a:shade val="50000"/>
+            </a:schemeClr>
+          </a:lnRef>
+          <a:fillRef idx="1">
+            <a:schemeClr val="accent1"/>
+          </a:fillRef>
+          <a:effectRef idx="0">
+            <a:schemeClr val="accent1"/>
+          </a:effectRef>
+          <a:fontRef idx="minor">
+            <a:schemeClr val="lt1"/>
+          </a:fontRef>
+        </p:style>
+        <p:txBody>
+          <a:bodyPr rtlCol="0" anchor="ctr"/>
+          <a:lstStyle/>
+          <a:p>
+            <a:pPr algn="ctr"/>
+            <a:r>
+              <a:rPr lang="en-US" dirty="0" smtClean="0"/>
+              <a:t>Client</a:t>
+            </a:r>
+            <a:endParaRPr lang="en-US" dirty="0"/>
+          </a:p>
+        </p:txBody>
+      </p:sp>
+      <p:sp>
+        <p:nvSpPr>
+          <p:cNvPr id="12" name="Down Arrow 11"/>
+          <p:cNvSpPr/>
+          <p:nvPr/>
+        </p:nvSpPr>
+        <p:spPr>
+          <a:xfrm>
+            <a:off x="1143000" y="1447800"/>
+            <a:ext cx="76200" cy="762000"/>
+          </a:xfrm>
+          <a:prstGeom prst="downArrow">
+            <a:avLst/>
+          </a:prstGeom>
+        </p:spPr>
+        <p:style>
+          <a:lnRef idx="2">
+            <a:schemeClr val="accent1">
+              <a:shade val="50000"/>
+            </a:schemeClr>
+          </a:lnRef>
+          <a:fillRef idx="1">
+            <a:schemeClr val="accent1"/>
+          </a:fillRef>
+          <a:effectRef idx="0">
+            <a:schemeClr val="accent1"/>
+          </a:effectRef>
+          <a:fontRef idx="minor">
+            <a:schemeClr val="lt1"/>
+          </a:fontRef>
+        </p:style>
+        <p:txBody>
+          <a:bodyPr rtlCol="0" anchor="ctr"/>
+          <a:lstStyle/>
+          <a:p>
+            <a:pPr algn="ctr"/>
+            <a:endParaRPr lang="en-US" dirty="0"/>
+          </a:p>
+        </p:txBody>
+      </p:sp>
+      <p:sp>
+        <p:nvSpPr>
+          <p:cNvPr id="13" name="Down Arrow 12"/>
+          <p:cNvSpPr/>
+          <p:nvPr/>
+        </p:nvSpPr>
+        <p:spPr>
+          <a:xfrm>
+            <a:off x="1143000" y="2971800"/>
+            <a:ext cx="76200" cy="762000"/>
+          </a:xfrm>
+          <a:prstGeom prst="downArrow">
+            <a:avLst/>
+          </a:prstGeom>
+        </p:spPr>
+        <p:style>
+          <a:lnRef idx="2">
+            <a:schemeClr val="accent1">
+              <a:shade val="50000"/>
+            </a:schemeClr>
+          </a:lnRef>
+          <a:fillRef idx="1">
+            <a:schemeClr val="accent1"/>
+          </a:fillRef>
+          <a:effectRef idx="0">
+            <a:schemeClr val="accent1"/>
+          </a:effectRef>
+          <a:fontRef idx="minor">
+            <a:schemeClr val="lt1"/>
+          </a:fontRef>
+        </p:style>
+        <p:txBody>
+          <a:bodyPr rtlCol="0" anchor="ctr"/>
+          <a:lstStyle/>
+          <a:p>
+            <a:pPr algn="ctr"/>
+            <a:endParaRPr lang="en-US"/>
+          </a:p>
+        </p:txBody>
+      </p:sp>
+      <p:sp>
+        <p:nvSpPr>
+          <p:cNvPr id="14" name="TextBox 13"/>
           <p:cNvSpPr txBox="1"/>
           <p:nvPr/>
         </p:nvSpPr>
         <p:spPr>
           <a:xfrm>
-            <a:off x="4343400" y="838200"/>
-            <a:ext cx="1219199" cy="600164"/>
+            <a:off x="1143000" y="1719590"/>
+            <a:ext cx="970137" cy="261610"/>
+          </a:xfrm>
+          <a:prstGeom prst="rect">
+            <a:avLst/>
+          </a:prstGeom>
+          <a:noFill/>
+        </p:spPr>
+        <p:txBody>
+          <a:bodyPr wrap="none" rtlCol="0">
+            <a:spAutoFit/>
+          </a:bodyPr>
+          <a:lstStyle/>
+          <a:p>
+            <a:r>
+              <a:rPr lang="en-US" sz="1100" dirty="0" smtClean="0"/>
+              <a:t>1. Data </a:t>
+            </a:r>
+            <a:r>
+              <a:rPr lang="en-US" sz="1100" dirty="0"/>
+              <a:t>Ingest</a:t>
+            </a:r>
+          </a:p>
+        </p:txBody>
+      </p:sp>
+      <p:sp>
+        <p:nvSpPr>
+          <p:cNvPr id="15" name="TextBox 14"/>
+          <p:cNvSpPr txBox="1"/>
+          <p:nvPr/>
+        </p:nvSpPr>
+        <p:spPr>
+          <a:xfrm>
+            <a:off x="6019801" y="2286000"/>
+            <a:ext cx="1225015" cy="261610"/>
+          </a:xfrm>
+          <a:prstGeom prst="rect">
+            <a:avLst/>
+          </a:prstGeom>
+          <a:noFill/>
+        </p:spPr>
+        <p:txBody>
+          <a:bodyPr wrap="none" rtlCol="0">
+            <a:spAutoFit/>
+          </a:bodyPr>
+          <a:lstStyle/>
+          <a:p>
+            <a:r>
+              <a:rPr lang="en-US" sz="1100" dirty="0"/>
+              <a:t>2</a:t>
+            </a:r>
+            <a:r>
+              <a:rPr lang="en-US" sz="1100" dirty="0" smtClean="0"/>
+              <a:t>. Publish to Store</a:t>
+            </a:r>
+            <a:endParaRPr lang="en-US" sz="1100" dirty="0"/>
+          </a:p>
+        </p:txBody>
+      </p:sp>
+      <p:sp>
+        <p:nvSpPr>
+          <p:cNvPr id="16" name="TextBox 15"/>
+          <p:cNvSpPr txBox="1"/>
+          <p:nvPr/>
+        </p:nvSpPr>
+        <p:spPr>
+          <a:xfrm>
+            <a:off x="3352800" y="914400"/>
+            <a:ext cx="1438214" cy="261610"/>
+          </a:xfrm>
+          <a:prstGeom prst="rect">
+            <a:avLst/>
+          </a:prstGeom>
+          <a:noFill/>
+        </p:spPr>
+        <p:txBody>
+          <a:bodyPr wrap="none" rtlCol="0">
+            <a:spAutoFit/>
+          </a:bodyPr>
+          <a:lstStyle/>
+          <a:p>
+            <a:r>
+              <a:rPr lang="en-US" sz="1100" dirty="0" smtClean="0"/>
+              <a:t>3. Put queue message</a:t>
+            </a:r>
+            <a:endParaRPr lang="en-US" sz="1100" dirty="0"/>
+          </a:p>
+        </p:txBody>
+      </p:sp>
+      <p:sp>
+        <p:nvSpPr>
+          <p:cNvPr id="18" name="Right Arrow 17"/>
+          <p:cNvSpPr/>
+          <p:nvPr/>
+        </p:nvSpPr>
+        <p:spPr>
+          <a:xfrm>
+            <a:off x="2819400" y="1295400"/>
+            <a:ext cx="445008" cy="76200"/>
+          </a:xfrm>
+          <a:prstGeom prst="rightArrow">
+            <a:avLst/>
+          </a:prstGeom>
+        </p:spPr>
+        <p:style>
+          <a:lnRef idx="2">
+            <a:schemeClr val="accent1">
+              <a:shade val="50000"/>
+            </a:schemeClr>
+          </a:lnRef>
+          <a:fillRef idx="1">
+            <a:schemeClr val="accent1"/>
+          </a:fillRef>
+          <a:effectRef idx="0">
+            <a:schemeClr val="accent1"/>
+          </a:effectRef>
+          <a:fontRef idx="minor">
+            <a:schemeClr val="lt1"/>
+          </a:fontRef>
+        </p:style>
+        <p:txBody>
+          <a:bodyPr rtlCol="0" anchor="ctr"/>
+          <a:lstStyle/>
+          <a:p>
+            <a:pPr algn="ctr"/>
+            <a:endParaRPr lang="en-US"/>
+          </a:p>
+        </p:txBody>
+      </p:sp>
+      <p:sp>
+        <p:nvSpPr>
+          <p:cNvPr id="19" name="TextBox 18"/>
+          <p:cNvSpPr txBox="1"/>
+          <p:nvPr/>
+        </p:nvSpPr>
+        <p:spPr>
+          <a:xfrm>
+            <a:off x="4191001" y="2057400"/>
+            <a:ext cx="1560042" cy="261610"/>
+          </a:xfrm>
+          <a:prstGeom prst="rect">
+            <a:avLst/>
+          </a:prstGeom>
+          <a:noFill/>
+        </p:spPr>
+        <p:txBody>
+          <a:bodyPr wrap="none" rtlCol="0">
+            <a:spAutoFit/>
+          </a:bodyPr>
+          <a:lstStyle/>
+          <a:p>
+            <a:r>
+              <a:rPr lang="en-US" sz="1100" dirty="0"/>
+              <a:t>4</a:t>
+            </a:r>
+            <a:r>
+              <a:rPr lang="en-US" sz="1100" dirty="0" smtClean="0"/>
+              <a:t>. Fetch queue message</a:t>
+            </a:r>
+            <a:endParaRPr lang="en-US" sz="1100" dirty="0"/>
+          </a:p>
+        </p:txBody>
+      </p:sp>
+      <p:sp>
+        <p:nvSpPr>
+          <p:cNvPr id="20" name="Right Arrow 19"/>
+          <p:cNvSpPr/>
+          <p:nvPr/>
+        </p:nvSpPr>
+        <p:spPr>
+          <a:xfrm rot="10800000">
+            <a:off x="4724400" y="381000"/>
+            <a:ext cx="685800" cy="76200"/>
+          </a:xfrm>
+          <a:prstGeom prst="rightArrow">
+            <a:avLst/>
+          </a:prstGeom>
+        </p:spPr>
+        <p:style>
+          <a:lnRef idx="2">
+            <a:schemeClr val="accent1">
+              <a:shade val="50000"/>
+            </a:schemeClr>
+          </a:lnRef>
+          <a:fillRef idx="1">
+            <a:schemeClr val="accent1"/>
+          </a:fillRef>
+          <a:effectRef idx="0">
+            <a:schemeClr val="accent1"/>
+          </a:effectRef>
+          <a:fontRef idx="minor">
+            <a:schemeClr val="lt1"/>
+          </a:fontRef>
+        </p:style>
+        <p:txBody>
+          <a:bodyPr rtlCol="0" anchor="ctr"/>
+          <a:lstStyle/>
+          <a:p>
+            <a:pPr algn="ctr"/>
+            <a:endParaRPr lang="en-US"/>
+          </a:p>
+        </p:txBody>
+      </p:sp>
+      <p:sp>
+        <p:nvSpPr>
+          <p:cNvPr id="21" name="TextBox 20"/>
+          <p:cNvSpPr txBox="1"/>
+          <p:nvPr/>
+        </p:nvSpPr>
+        <p:spPr>
+          <a:xfrm>
+            <a:off x="4572000" y="533400"/>
+            <a:ext cx="1455848" cy="261610"/>
+          </a:xfrm>
+          <a:prstGeom prst="rect">
+            <a:avLst/>
+          </a:prstGeom>
+          <a:noFill/>
+        </p:spPr>
+        <p:txBody>
+          <a:bodyPr wrap="none" rtlCol="0">
+            <a:spAutoFit/>
+          </a:bodyPr>
+          <a:lstStyle/>
+          <a:p>
+            <a:r>
+              <a:rPr lang="en-US" sz="1100" dirty="0" smtClean="0"/>
+              <a:t>5. Get data from store</a:t>
+            </a:r>
+            <a:endParaRPr lang="en-US" sz="1100" dirty="0"/>
+          </a:p>
+        </p:txBody>
+      </p:sp>
+      <p:sp>
+        <p:nvSpPr>
+          <p:cNvPr id="29" name="Right Arrow 28"/>
+          <p:cNvSpPr/>
+          <p:nvPr/>
+        </p:nvSpPr>
+        <p:spPr>
+          <a:xfrm rot="10800000" flipV="1">
+            <a:off x="5715000" y="5943600"/>
+            <a:ext cx="3124200" cy="152400"/>
+          </a:xfrm>
+          <a:prstGeom prst="rightArrow">
+            <a:avLst/>
+          </a:prstGeom>
+        </p:spPr>
+        <p:style>
+          <a:lnRef idx="2">
+            <a:schemeClr val="accent1">
+              <a:shade val="50000"/>
+            </a:schemeClr>
+          </a:lnRef>
+          <a:fillRef idx="1">
+            <a:schemeClr val="accent1"/>
+          </a:fillRef>
+          <a:effectRef idx="0">
+            <a:schemeClr val="accent1"/>
+          </a:effectRef>
+          <a:fontRef idx="minor">
+            <a:schemeClr val="lt1"/>
+          </a:fontRef>
+        </p:style>
+        <p:txBody>
+          <a:bodyPr rtlCol="0" anchor="ctr"/>
+          <a:lstStyle/>
+          <a:p>
+            <a:pPr algn="ctr"/>
+            <a:endParaRPr lang="en-US"/>
+          </a:p>
+        </p:txBody>
+      </p:sp>
+      <p:sp>
+        <p:nvSpPr>
+          <p:cNvPr id="30" name="Flowchart: Process 29"/>
+          <p:cNvSpPr/>
+          <p:nvPr/>
+        </p:nvSpPr>
+        <p:spPr>
+          <a:xfrm>
+            <a:off x="2667000" y="457200"/>
+            <a:ext cx="76200" cy="1143000"/>
+          </a:xfrm>
+          <a:prstGeom prst="flowChartProcess">
+            <a:avLst/>
+          </a:prstGeom>
+        </p:spPr>
+        <p:style>
+          <a:lnRef idx="2">
+            <a:schemeClr val="accent1">
+              <a:shade val="50000"/>
+            </a:schemeClr>
+          </a:lnRef>
+          <a:fillRef idx="1">
+            <a:schemeClr val="accent1"/>
+          </a:fillRef>
+          <a:effectRef idx="0">
+            <a:schemeClr val="accent1"/>
+          </a:effectRef>
+          <a:fontRef idx="minor">
+            <a:schemeClr val="lt1"/>
+          </a:fontRef>
+        </p:style>
+        <p:txBody>
+          <a:bodyPr rtlCol="0" anchor="ctr"/>
+          <a:lstStyle/>
+          <a:p>
+            <a:pPr algn="ctr"/>
+            <a:endParaRPr lang="en-US"/>
+          </a:p>
+        </p:txBody>
+      </p:sp>
+      <p:sp>
+        <p:nvSpPr>
+          <p:cNvPr id="31" name="Down Arrow 30"/>
+          <p:cNvSpPr/>
+          <p:nvPr/>
+        </p:nvSpPr>
+        <p:spPr>
+          <a:xfrm>
+            <a:off x="6629400" y="381000"/>
+            <a:ext cx="76200" cy="762000"/>
+          </a:xfrm>
+          <a:prstGeom prst="downArrow">
+            <a:avLst/>
+          </a:prstGeom>
+        </p:spPr>
+        <p:style>
+          <a:lnRef idx="2">
+            <a:schemeClr val="accent1">
+              <a:shade val="50000"/>
+            </a:schemeClr>
+          </a:lnRef>
+          <a:fillRef idx="1">
+            <a:schemeClr val="accent1"/>
+          </a:fillRef>
+          <a:effectRef idx="0">
+            <a:schemeClr val="accent1"/>
+          </a:effectRef>
+          <a:fontRef idx="minor">
+            <a:schemeClr val="lt1"/>
+          </a:fontRef>
+        </p:style>
+        <p:txBody>
+          <a:bodyPr rtlCol="0" anchor="ctr"/>
+          <a:lstStyle/>
+          <a:p>
+            <a:pPr algn="ctr"/>
+            <a:endParaRPr lang="en-US"/>
+          </a:p>
+        </p:txBody>
+      </p:sp>
+      <p:sp>
+        <p:nvSpPr>
+          <p:cNvPr id="32" name="TextBox 31"/>
+          <p:cNvSpPr txBox="1"/>
+          <p:nvPr/>
+        </p:nvSpPr>
+        <p:spPr>
+          <a:xfrm>
+            <a:off x="2971800" y="533400"/>
+            <a:ext cx="1219199" cy="430887"/>
           </a:xfrm>
           <a:prstGeom prst="rect">
             <a:avLst/>
@@ -4149,6 +10001,304 @@
           <a:lstStyle/>
           <a:p>
             <a:r>
+              <a:rPr lang="en-US" sz="1100" dirty="0"/>
+              <a:t>6</a:t>
+            </a:r>
+            <a:r>
+              <a:rPr lang="en-US" sz="1100" dirty="0" smtClean="0"/>
+              <a:t>. Publish data to ES cluster</a:t>
+            </a:r>
+            <a:endParaRPr lang="en-US" sz="1100" dirty="0"/>
+          </a:p>
+        </p:txBody>
+      </p:sp>
+      <p:sp>
+        <p:nvSpPr>
+          <p:cNvPr id="33" name="Down Arrow 32"/>
+          <p:cNvSpPr/>
+          <p:nvPr/>
+        </p:nvSpPr>
+        <p:spPr>
+          <a:xfrm>
+            <a:off x="8305801" y="1371600"/>
+            <a:ext cx="76200" cy="762000"/>
+          </a:xfrm>
+          <a:prstGeom prst="downArrow">
+            <a:avLst/>
+          </a:prstGeom>
+        </p:spPr>
+        <p:style>
+          <a:lnRef idx="2">
+            <a:schemeClr val="accent1">
+              <a:shade val="50000"/>
+            </a:schemeClr>
+          </a:lnRef>
+          <a:fillRef idx="1">
+            <a:schemeClr val="accent1"/>
+          </a:fillRef>
+          <a:effectRef idx="0">
+            <a:schemeClr val="accent1"/>
+          </a:effectRef>
+          <a:fontRef idx="minor">
+            <a:schemeClr val="lt1"/>
+          </a:fontRef>
+        </p:style>
+        <p:txBody>
+          <a:bodyPr rtlCol="0" anchor="ctr"/>
+          <a:lstStyle/>
+          <a:p>
+            <a:pPr algn="ctr"/>
+            <a:endParaRPr lang="en-US"/>
+          </a:p>
+        </p:txBody>
+      </p:sp>
+      <p:sp>
+        <p:nvSpPr>
+          <p:cNvPr id="34" name="TextBox 33"/>
+          <p:cNvSpPr txBox="1"/>
+          <p:nvPr/>
+        </p:nvSpPr>
+        <p:spPr>
+          <a:xfrm>
+            <a:off x="7772400" y="1600200"/>
+            <a:ext cx="1219199" cy="261610"/>
+          </a:xfrm>
+          <a:prstGeom prst="rect">
+            <a:avLst/>
+          </a:prstGeom>
+          <a:noFill/>
+        </p:spPr>
+        <p:txBody>
+          <a:bodyPr wrap="square" rtlCol="0">
+            <a:spAutoFit/>
+          </a:bodyPr>
+          <a:lstStyle/>
+          <a:p>
+            <a:r>
+              <a:rPr lang="en-US" sz="1100" dirty="0"/>
+              <a:t>6</a:t>
+            </a:r>
+            <a:r>
+              <a:rPr lang="en-US" sz="1100" dirty="0" smtClean="0"/>
+              <a:t>. Query Data</a:t>
+            </a:r>
+            <a:endParaRPr lang="en-US" sz="1100" dirty="0"/>
+          </a:p>
+        </p:txBody>
+      </p:sp>
+      <p:sp>
+        <p:nvSpPr>
+          <p:cNvPr id="35" name="TextBox 34"/>
+          <p:cNvSpPr txBox="1"/>
+          <p:nvPr/>
+        </p:nvSpPr>
+        <p:spPr>
+          <a:xfrm>
+            <a:off x="8001001" y="2971800"/>
+            <a:ext cx="1219199" cy="430887"/>
+          </a:xfrm>
+          <a:prstGeom prst="rect">
+            <a:avLst/>
+          </a:prstGeom>
+          <a:noFill/>
+        </p:spPr>
+        <p:txBody>
+          <a:bodyPr wrap="square" rtlCol="0">
+            <a:spAutoFit/>
+          </a:bodyPr>
+          <a:lstStyle/>
+          <a:p>
+            <a:r>
+              <a:rPr lang="en-US" sz="1100" dirty="0" smtClean="0"/>
+              <a:t>7. Search ES for data and return</a:t>
+            </a:r>
+            <a:endParaRPr lang="en-US" sz="1100" dirty="0"/>
+          </a:p>
+        </p:txBody>
+      </p:sp>
+      <p:sp>
+        <p:nvSpPr>
+          <p:cNvPr id="36" name="Down Arrow 35"/>
+          <p:cNvSpPr/>
+          <p:nvPr/>
+        </p:nvSpPr>
+        <p:spPr>
+          <a:xfrm>
+            <a:off x="8686800" y="4724400"/>
+            <a:ext cx="76200" cy="762000"/>
+          </a:xfrm>
+          <a:prstGeom prst="downArrow">
+            <a:avLst/>
+          </a:prstGeom>
+        </p:spPr>
+        <p:style>
+          <a:lnRef idx="2">
+            <a:schemeClr val="accent1">
+              <a:shade val="50000"/>
+            </a:schemeClr>
+          </a:lnRef>
+          <a:fillRef idx="1">
+            <a:schemeClr val="accent1"/>
+          </a:fillRef>
+          <a:effectRef idx="0">
+            <a:schemeClr val="accent1"/>
+          </a:effectRef>
+          <a:fontRef idx="minor">
+            <a:schemeClr val="lt1"/>
+          </a:fontRef>
+        </p:style>
+        <p:txBody>
+          <a:bodyPr rtlCol="0" anchor="ctr"/>
+          <a:lstStyle/>
+          <a:p>
+            <a:pPr algn="ctr"/>
+            <a:endParaRPr lang="en-US"/>
+          </a:p>
+        </p:txBody>
+      </p:sp>
+      <p:sp>
+        <p:nvSpPr>
+          <p:cNvPr id="38" name="Flowchart: Process 37"/>
+          <p:cNvSpPr/>
+          <p:nvPr/>
+        </p:nvSpPr>
+        <p:spPr>
+          <a:xfrm>
+            <a:off x="7620001" y="1524000"/>
+            <a:ext cx="76200" cy="762000"/>
+          </a:xfrm>
+          <a:prstGeom prst="flowChartProcess">
+            <a:avLst/>
+          </a:prstGeom>
+        </p:spPr>
+        <p:style>
+          <a:lnRef idx="2">
+            <a:schemeClr val="accent1">
+              <a:shade val="50000"/>
+            </a:schemeClr>
+          </a:lnRef>
+          <a:fillRef idx="1">
+            <a:schemeClr val="accent1"/>
+          </a:fillRef>
+          <a:effectRef idx="0">
+            <a:schemeClr val="accent1"/>
+          </a:effectRef>
+          <a:fontRef idx="minor">
+            <a:schemeClr val="lt1"/>
+          </a:fontRef>
+        </p:style>
+        <p:txBody>
+          <a:bodyPr rtlCol="0" anchor="ctr"/>
+          <a:lstStyle/>
+          <a:p>
+            <a:pPr algn="ctr"/>
+            <a:endParaRPr lang="en-US"/>
+          </a:p>
+        </p:txBody>
+      </p:sp>
+      <p:sp>
+        <p:nvSpPr>
+          <p:cNvPr id="39" name="Down Arrow 38"/>
+          <p:cNvSpPr/>
+          <p:nvPr/>
+        </p:nvSpPr>
+        <p:spPr>
+          <a:xfrm>
+            <a:off x="3810001" y="1447800"/>
+            <a:ext cx="152400" cy="762000"/>
+          </a:xfrm>
+          <a:prstGeom prst="downArrow">
+            <a:avLst/>
+          </a:prstGeom>
+        </p:spPr>
+        <p:style>
+          <a:lnRef idx="2">
+            <a:schemeClr val="accent1">
+              <a:shade val="50000"/>
+            </a:schemeClr>
+          </a:lnRef>
+          <a:fillRef idx="1">
+            <a:schemeClr val="accent1"/>
+          </a:fillRef>
+          <a:effectRef idx="0">
+            <a:schemeClr val="accent1"/>
+          </a:effectRef>
+          <a:fontRef idx="minor">
+            <a:schemeClr val="lt1"/>
+          </a:fontRef>
+        </p:style>
+        <p:txBody>
+          <a:bodyPr rtlCol="0" anchor="ctr"/>
+          <a:lstStyle/>
+          <a:p>
+            <a:pPr algn="ctr"/>
+            <a:endParaRPr lang="en-US"/>
+          </a:p>
+        </p:txBody>
+      </p:sp>
+      <p:sp>
+        <p:nvSpPr>
+          <p:cNvPr id="40" name="Flowchart: Process 39"/>
+          <p:cNvSpPr/>
+          <p:nvPr/>
+        </p:nvSpPr>
+        <p:spPr>
+          <a:xfrm>
+            <a:off x="3886201" y="1447800"/>
+            <a:ext cx="3810000" cy="76200"/>
+          </a:xfrm>
+          <a:prstGeom prst="flowChartProcess">
+            <a:avLst/>
+          </a:prstGeom>
+        </p:spPr>
+        <p:style>
+          <a:lnRef idx="2">
+            <a:schemeClr val="accent1">
+              <a:shade val="50000"/>
+            </a:schemeClr>
+          </a:lnRef>
+          <a:fillRef idx="1">
+            <a:schemeClr val="accent1"/>
+          </a:fillRef>
+          <a:effectRef idx="0">
+            <a:schemeClr val="accent1"/>
+          </a:effectRef>
+          <a:fontRef idx="minor">
+            <a:schemeClr val="lt1"/>
+          </a:fontRef>
+        </p:style>
+        <p:txBody>
+          <a:bodyPr rtlCol="0" anchor="ctr"/>
+          <a:lstStyle/>
+          <a:p>
+            <a:pPr algn="ctr"/>
+            <a:endParaRPr lang="en-US"/>
+          </a:p>
+        </p:txBody>
+      </p:sp>
+      <p:sp>
+        <p:nvSpPr>
+          <p:cNvPr id="41" name="TextBox 40"/>
+          <p:cNvSpPr txBox="1"/>
+          <p:nvPr/>
+        </p:nvSpPr>
+        <p:spPr>
+          <a:xfrm>
+            <a:off x="4953001" y="838200"/>
+            <a:ext cx="1219199" cy="600164"/>
+          </a:xfrm>
+          <a:prstGeom prst="rect">
+            <a:avLst/>
+          </a:prstGeom>
+          <a:noFill/>
+        </p:spPr>
+        <p:txBody>
+          <a:bodyPr wrap="square" rtlCol="0">
+            <a:spAutoFit/>
+          </a:bodyPr>
+          <a:lstStyle/>
+          <a:p>
+            <a:r>
               <a:rPr lang="en-US" sz="1100" dirty="0" smtClean="0"/>
               <a:t>8. Failed Query – put in Queue for checking in store</a:t>
             </a:r>
@@ -4156,6 +10306,1341 @@
           </a:p>
         </p:txBody>
       </p:sp>
+      <p:cxnSp>
+        <p:nvCxnSpPr>
+          <p:cNvPr id="42" name="Shape 41"/>
+          <p:cNvCxnSpPr>
+            <a:stCxn id="5" idx="3"/>
+            <a:endCxn id="6" idx="0"/>
+          </p:cNvCxnSpPr>
+          <p:nvPr/>
+        </p:nvCxnSpPr>
+        <p:spPr>
+          <a:xfrm>
+            <a:off x="1981200" y="2552700"/>
+            <a:ext cx="952500" cy="419100"/>
+          </a:xfrm>
+          <a:prstGeom prst="bentConnector2">
+            <a:avLst/>
+          </a:prstGeom>
+          <a:ln>
+            <a:tailEnd type="arrow"/>
+          </a:ln>
+        </p:spPr>
+        <p:style>
+          <a:lnRef idx="1">
+            <a:schemeClr val="accent1"/>
+          </a:lnRef>
+          <a:fillRef idx="0">
+            <a:schemeClr val="accent1"/>
+          </a:fillRef>
+          <a:effectRef idx="0">
+            <a:schemeClr val="accent1"/>
+          </a:effectRef>
+          <a:fontRef idx="minor">
+            <a:schemeClr val="tx1"/>
+          </a:fontRef>
+        </p:style>
+      </p:cxnSp>
+      <p:cxnSp>
+        <p:nvCxnSpPr>
+          <p:cNvPr id="44" name="Shape 43"/>
+          <p:cNvCxnSpPr>
+            <a:stCxn id="8" idx="0"/>
+            <a:endCxn id="6" idx="2"/>
+          </p:cNvCxnSpPr>
+          <p:nvPr/>
+        </p:nvCxnSpPr>
+        <p:spPr>
+          <a:xfrm rot="5400000" flipH="1" flipV="1">
+            <a:off x="1943100" y="2819400"/>
+            <a:ext cx="304800" cy="1676400"/>
+          </a:xfrm>
+          <a:prstGeom prst="bentConnector3">
+            <a:avLst>
+              <a:gd name="adj1" fmla="val 50000"/>
+            </a:avLst>
+          </a:prstGeom>
+          <a:ln>
+            <a:tailEnd type="arrow"/>
+          </a:ln>
+        </p:spPr>
+        <p:style>
+          <a:lnRef idx="1">
+            <a:schemeClr val="accent1"/>
+          </a:lnRef>
+          <a:fillRef idx="0">
+            <a:schemeClr val="accent1"/>
+          </a:fillRef>
+          <a:effectRef idx="0">
+            <a:schemeClr val="accent1"/>
+          </a:effectRef>
+          <a:fontRef idx="minor">
+            <a:schemeClr val="tx1"/>
+          </a:fontRef>
+        </p:style>
+      </p:cxnSp>
+      <p:cxnSp>
+        <p:nvCxnSpPr>
+          <p:cNvPr id="46" name="Shape 45"/>
+          <p:cNvCxnSpPr>
+            <a:stCxn id="8" idx="2"/>
+            <a:endCxn id="9" idx="0"/>
+          </p:cNvCxnSpPr>
+          <p:nvPr/>
+        </p:nvCxnSpPr>
+        <p:spPr>
+          <a:xfrm rot="16200000" flipH="1">
+            <a:off x="1981200" y="3619500"/>
+            <a:ext cx="228600" cy="1676400"/>
+          </a:xfrm>
+          <a:prstGeom prst="bentConnector3">
+            <a:avLst>
+              <a:gd name="adj1" fmla="val 50000"/>
+            </a:avLst>
+          </a:prstGeom>
+          <a:ln>
+            <a:tailEnd type="arrow"/>
+          </a:ln>
+        </p:spPr>
+        <p:style>
+          <a:lnRef idx="1">
+            <a:schemeClr val="accent1"/>
+          </a:lnRef>
+          <a:fillRef idx="0">
+            <a:schemeClr val="accent1"/>
+          </a:fillRef>
+          <a:effectRef idx="0">
+            <a:schemeClr val="accent1"/>
+          </a:effectRef>
+          <a:fontRef idx="minor">
+            <a:schemeClr val="tx1"/>
+          </a:fontRef>
+        </p:style>
+      </p:cxnSp>
+      <p:cxnSp>
+        <p:nvCxnSpPr>
+          <p:cNvPr id="48" name="Straight Arrow Connector 47"/>
+          <p:cNvCxnSpPr>
+            <a:stCxn id="8" idx="3"/>
+            <a:endCxn id="7" idx="1"/>
+          </p:cNvCxnSpPr>
+          <p:nvPr/>
+        </p:nvCxnSpPr>
+        <p:spPr>
+          <a:xfrm>
+            <a:off x="1981200" y="4076700"/>
+            <a:ext cx="2286000" cy="0"/>
+          </a:xfrm>
+          <a:prstGeom prst="straightConnector1">
+            <a:avLst/>
+          </a:prstGeom>
+          <a:ln>
+            <a:tailEnd type="arrow"/>
+          </a:ln>
+        </p:spPr>
+        <p:style>
+          <a:lnRef idx="1">
+            <a:schemeClr val="accent1"/>
+          </a:lnRef>
+          <a:fillRef idx="0">
+            <a:schemeClr val="accent1"/>
+          </a:fillRef>
+          <a:effectRef idx="0">
+            <a:schemeClr val="accent1"/>
+          </a:effectRef>
+          <a:fontRef idx="minor">
+            <a:schemeClr val="tx1"/>
+          </a:fontRef>
+        </p:style>
+      </p:cxnSp>
+      <p:cxnSp>
+        <p:nvCxnSpPr>
+          <p:cNvPr id="50" name="Elbow Connector 49"/>
+          <p:cNvCxnSpPr>
+            <a:stCxn id="10" idx="1"/>
+            <a:endCxn id="7" idx="3"/>
+          </p:cNvCxnSpPr>
+          <p:nvPr/>
+        </p:nvCxnSpPr>
+        <p:spPr>
+          <a:xfrm rot="10800000">
+            <a:off x="5715000" y="4076700"/>
+            <a:ext cx="1447800" cy="2148"/>
+          </a:xfrm>
+          <a:prstGeom prst="bentConnector3">
+            <a:avLst>
+              <a:gd name="adj1" fmla="val 50000"/>
+            </a:avLst>
+          </a:prstGeom>
+          <a:ln>
+            <a:tailEnd type="arrow"/>
+          </a:ln>
+        </p:spPr>
+        <p:style>
+          <a:lnRef idx="1">
+            <a:schemeClr val="accent1"/>
+          </a:lnRef>
+          <a:fillRef idx="0">
+            <a:schemeClr val="accent1"/>
+          </a:fillRef>
+          <a:effectRef idx="0">
+            <a:schemeClr val="accent1"/>
+          </a:effectRef>
+          <a:fontRef idx="minor">
+            <a:schemeClr val="tx1"/>
+          </a:fontRef>
+        </p:style>
+      </p:cxnSp>
+      <p:sp>
+        <p:nvSpPr>
+          <p:cNvPr id="51" name="Rounded Rectangle 50"/>
+          <p:cNvSpPr/>
+          <p:nvPr/>
+        </p:nvSpPr>
+        <p:spPr>
+          <a:xfrm>
+            <a:off x="7239000" y="3745605"/>
+            <a:ext cx="990600" cy="228600"/>
+          </a:xfrm>
+          <a:prstGeom prst="roundRect">
+            <a:avLst/>
+          </a:prstGeom>
+        </p:spPr>
+        <p:style>
+          <a:lnRef idx="2">
+            <a:schemeClr val="accent1">
+              <a:shade val="50000"/>
+            </a:schemeClr>
+          </a:lnRef>
+          <a:fillRef idx="1">
+            <a:schemeClr val="accent1"/>
+          </a:fillRef>
+          <a:effectRef idx="0">
+            <a:schemeClr val="accent1"/>
+          </a:effectRef>
+          <a:fontRef idx="minor">
+            <a:schemeClr val="lt1"/>
+          </a:fontRef>
+        </p:style>
+        <p:txBody>
+          <a:bodyPr rtlCol="0" anchor="ctr"/>
+          <a:lstStyle/>
+          <a:p>
+            <a:pPr algn="ctr"/>
+            <a:r>
+              <a:rPr lang="en-US" sz="1100" dirty="0" err="1" smtClean="0"/>
+              <a:t>EHCache</a:t>
+            </a:r>
+            <a:endParaRPr lang="en-US" sz="1100" dirty="0"/>
+          </a:p>
+        </p:txBody>
+      </p:sp>
+      <p:cxnSp>
+        <p:nvCxnSpPr>
+          <p:cNvPr id="54" name="Shape 53"/>
+          <p:cNvCxnSpPr>
+            <a:stCxn id="10" idx="0"/>
+            <a:endCxn id="6" idx="3"/>
+          </p:cNvCxnSpPr>
+          <p:nvPr/>
+        </p:nvCxnSpPr>
+        <p:spPr>
+          <a:xfrm rot="16200000" flipV="1">
+            <a:off x="5561795" y="1334306"/>
+            <a:ext cx="458811" cy="4267200"/>
+          </a:xfrm>
+          <a:prstGeom prst="bentConnector2">
+            <a:avLst/>
+          </a:prstGeom>
+          <a:ln>
+            <a:tailEnd type="arrow"/>
+          </a:ln>
+        </p:spPr>
+        <p:style>
+          <a:lnRef idx="1">
+            <a:schemeClr val="accent1"/>
+          </a:lnRef>
+          <a:fillRef idx="0">
+            <a:schemeClr val="accent1"/>
+          </a:fillRef>
+          <a:effectRef idx="0">
+            <a:schemeClr val="accent1"/>
+          </a:effectRef>
+          <a:fontRef idx="minor">
+            <a:schemeClr val="tx1"/>
+          </a:fontRef>
+        </p:style>
+      </p:cxnSp>
+      <p:cxnSp>
+        <p:nvCxnSpPr>
+          <p:cNvPr id="56" name="Shape 55"/>
+          <p:cNvCxnSpPr>
+            <a:stCxn id="10" idx="2"/>
+            <a:endCxn id="9" idx="3"/>
+          </p:cNvCxnSpPr>
+          <p:nvPr/>
+        </p:nvCxnSpPr>
+        <p:spPr>
+          <a:xfrm rot="5400000">
+            <a:off x="5602043" y="2515942"/>
+            <a:ext cx="378315" cy="4267200"/>
+          </a:xfrm>
+          <a:prstGeom prst="bentConnector2">
+            <a:avLst/>
+          </a:prstGeom>
+          <a:ln>
+            <a:tailEnd type="arrow"/>
+          </a:ln>
+        </p:spPr>
+        <p:style>
+          <a:lnRef idx="1">
+            <a:schemeClr val="accent1"/>
+          </a:lnRef>
+          <a:fillRef idx="0">
+            <a:schemeClr val="accent1"/>
+          </a:fillRef>
+          <a:effectRef idx="0">
+            <a:schemeClr val="accent1"/>
+          </a:effectRef>
+          <a:fontRef idx="minor">
+            <a:schemeClr val="tx1"/>
+          </a:fontRef>
+        </p:style>
+      </p:cxnSp>
+    </p:spTree>
+  </p:cSld>
+  <p:clrMapOvr>
+    <a:masterClrMapping/>
+  </p:clrMapOvr>
+</p:sld>
+</file>
+
+<file path=ppt/slides/slide5.xml><?xml version="1.0" encoding="utf-8"?>
+<p:sld xmlns:a="http://schemas.openxmlformats.org/drawingml/2006/main" xmlns:r="http://schemas.openxmlformats.org/officeDocument/2006/relationships" xmlns:p="http://schemas.openxmlformats.org/presentationml/2006/main">
+  <p:cSld>
+    <p:spTree>
+      <p:nvGrpSpPr>
+        <p:cNvPr id="1" name=""/>
+        <p:cNvGrpSpPr/>
+        <p:nvPr/>
+      </p:nvGrpSpPr>
+      <p:grpSpPr>
+        <a:xfrm>
+          <a:off x="0" y="0"/>
+          <a:ext cx="0" cy="0"/>
+          <a:chOff x="0" y="0"/>
+          <a:chExt cx="0" cy="0"/>
+        </a:xfrm>
+      </p:grpSpPr>
+      <p:sp>
+        <p:nvSpPr>
+          <p:cNvPr id="4" name="Rectangle 3"/>
+          <p:cNvSpPr/>
+          <p:nvPr/>
+        </p:nvSpPr>
+        <p:spPr>
+          <a:xfrm>
+            <a:off x="1676400" y="762000"/>
+            <a:ext cx="1447800" cy="533400"/>
+          </a:xfrm>
+          <a:prstGeom prst="rect">
+            <a:avLst/>
+          </a:prstGeom>
+        </p:spPr>
+        <p:style>
+          <a:lnRef idx="2">
+            <a:schemeClr val="accent1">
+              <a:shade val="50000"/>
+            </a:schemeClr>
+          </a:lnRef>
+          <a:fillRef idx="1">
+            <a:schemeClr val="accent1"/>
+          </a:fillRef>
+          <a:effectRef idx="0">
+            <a:schemeClr val="accent1"/>
+          </a:effectRef>
+          <a:fontRef idx="minor">
+            <a:schemeClr val="lt1"/>
+          </a:fontRef>
+        </p:style>
+        <p:txBody>
+          <a:bodyPr rtlCol="0" anchor="ctr"/>
+          <a:lstStyle/>
+          <a:p>
+            <a:pPr algn="ctr"/>
+            <a:r>
+              <a:rPr lang="en-US" dirty="0" smtClean="0"/>
+              <a:t>Client</a:t>
+            </a:r>
+            <a:endParaRPr lang="en-US" dirty="0"/>
+          </a:p>
+        </p:txBody>
+      </p:sp>
+      <p:sp>
+        <p:nvSpPr>
+          <p:cNvPr id="5" name="Rectangle 4"/>
+          <p:cNvSpPr/>
+          <p:nvPr/>
+        </p:nvSpPr>
+        <p:spPr>
+          <a:xfrm>
+            <a:off x="1676400" y="2286000"/>
+            <a:ext cx="1447800" cy="533400"/>
+          </a:xfrm>
+          <a:prstGeom prst="rect">
+            <a:avLst/>
+          </a:prstGeom>
+        </p:spPr>
+        <p:style>
+          <a:lnRef idx="1">
+            <a:schemeClr val="accent3"/>
+          </a:lnRef>
+          <a:fillRef idx="3">
+            <a:schemeClr val="accent3"/>
+          </a:fillRef>
+          <a:effectRef idx="2">
+            <a:schemeClr val="accent3"/>
+          </a:effectRef>
+          <a:fontRef idx="minor">
+            <a:schemeClr val="lt1"/>
+          </a:fontRef>
+        </p:style>
+        <p:txBody>
+          <a:bodyPr rtlCol="0" anchor="ctr"/>
+          <a:lstStyle/>
+          <a:p>
+            <a:pPr algn="ctr"/>
+            <a:r>
+              <a:rPr lang="en-US" dirty="0" smtClean="0"/>
+              <a:t>Ingest Interface</a:t>
+            </a:r>
+            <a:endParaRPr lang="en-US" dirty="0"/>
+          </a:p>
+        </p:txBody>
+      </p:sp>
+      <p:sp>
+        <p:nvSpPr>
+          <p:cNvPr id="6" name="Rectangle 5"/>
+          <p:cNvSpPr/>
+          <p:nvPr/>
+        </p:nvSpPr>
+        <p:spPr>
+          <a:xfrm>
+            <a:off x="533400" y="3505200"/>
+            <a:ext cx="1447800" cy="533400"/>
+          </a:xfrm>
+          <a:prstGeom prst="rect">
+            <a:avLst/>
+          </a:prstGeom>
+        </p:spPr>
+        <p:style>
+          <a:lnRef idx="2">
+            <a:schemeClr val="accent1">
+              <a:shade val="50000"/>
+            </a:schemeClr>
+          </a:lnRef>
+          <a:fillRef idx="1">
+            <a:schemeClr val="accent1"/>
+          </a:fillRef>
+          <a:effectRef idx="0">
+            <a:schemeClr val="accent1"/>
+          </a:effectRef>
+          <a:fontRef idx="minor">
+            <a:schemeClr val="lt1"/>
+          </a:fontRef>
+        </p:style>
+        <p:txBody>
+          <a:bodyPr rtlCol="0" anchor="ctr"/>
+          <a:lstStyle/>
+          <a:p>
+            <a:pPr algn="ctr"/>
+            <a:r>
+              <a:rPr lang="en-US" dirty="0" smtClean="0"/>
+              <a:t>Cassandra Cluster</a:t>
+            </a:r>
+            <a:endParaRPr lang="en-US" dirty="0"/>
+          </a:p>
+        </p:txBody>
+      </p:sp>
+      <p:sp>
+        <p:nvSpPr>
+          <p:cNvPr id="7" name="Rectangle 6"/>
+          <p:cNvSpPr/>
+          <p:nvPr/>
+        </p:nvSpPr>
+        <p:spPr>
+          <a:xfrm>
+            <a:off x="3886200" y="2286000"/>
+            <a:ext cx="1447800" cy="533400"/>
+          </a:xfrm>
+          <a:prstGeom prst="rect">
+            <a:avLst/>
+          </a:prstGeom>
+        </p:spPr>
+        <p:style>
+          <a:lnRef idx="2">
+            <a:schemeClr val="accent1">
+              <a:shade val="50000"/>
+            </a:schemeClr>
+          </a:lnRef>
+          <a:fillRef idx="1">
+            <a:schemeClr val="accent1"/>
+          </a:fillRef>
+          <a:effectRef idx="0">
+            <a:schemeClr val="accent1"/>
+          </a:effectRef>
+          <a:fontRef idx="minor">
+            <a:schemeClr val="lt1"/>
+          </a:fontRef>
+        </p:style>
+        <p:txBody>
+          <a:bodyPr rtlCol="0" anchor="ctr"/>
+          <a:lstStyle/>
+          <a:p>
+            <a:pPr algn="ctr"/>
+            <a:r>
+              <a:rPr lang="en-US" dirty="0" smtClean="0"/>
+              <a:t>Message Queue</a:t>
+            </a:r>
+            <a:endParaRPr lang="en-US" dirty="0"/>
+          </a:p>
+        </p:txBody>
+      </p:sp>
+      <p:sp>
+        <p:nvSpPr>
+          <p:cNvPr id="8" name="Rectangle 7"/>
+          <p:cNvSpPr/>
+          <p:nvPr/>
+        </p:nvSpPr>
+        <p:spPr>
+          <a:xfrm>
+            <a:off x="5410200" y="3505200"/>
+            <a:ext cx="1447800" cy="533400"/>
+          </a:xfrm>
+          <a:prstGeom prst="rect">
+            <a:avLst/>
+          </a:prstGeom>
+        </p:spPr>
+        <p:style>
+          <a:lnRef idx="1">
+            <a:schemeClr val="accent3"/>
+          </a:lnRef>
+          <a:fillRef idx="3">
+            <a:schemeClr val="accent3"/>
+          </a:fillRef>
+          <a:effectRef idx="2">
+            <a:schemeClr val="accent3"/>
+          </a:effectRef>
+          <a:fontRef idx="minor">
+            <a:schemeClr val="lt1"/>
+          </a:fontRef>
+        </p:style>
+        <p:txBody>
+          <a:bodyPr rtlCol="0" anchor="ctr"/>
+          <a:lstStyle/>
+          <a:p>
+            <a:pPr algn="ctr"/>
+            <a:r>
+              <a:rPr lang="en-US" dirty="0" smtClean="0"/>
+              <a:t>Queue Processor</a:t>
+            </a:r>
+            <a:endParaRPr lang="en-US" dirty="0"/>
+          </a:p>
+        </p:txBody>
+      </p:sp>
+      <p:sp>
+        <p:nvSpPr>
+          <p:cNvPr id="9" name="Rectangle 8"/>
+          <p:cNvSpPr/>
+          <p:nvPr/>
+        </p:nvSpPr>
+        <p:spPr>
+          <a:xfrm>
+            <a:off x="2895600" y="3505200"/>
+            <a:ext cx="1447800" cy="533400"/>
+          </a:xfrm>
+          <a:prstGeom prst="rect">
+            <a:avLst/>
+          </a:prstGeom>
+        </p:spPr>
+        <p:style>
+          <a:lnRef idx="2">
+            <a:schemeClr val="accent1">
+              <a:shade val="50000"/>
+            </a:schemeClr>
+          </a:lnRef>
+          <a:fillRef idx="1">
+            <a:schemeClr val="accent1"/>
+          </a:fillRef>
+          <a:effectRef idx="0">
+            <a:schemeClr val="accent1"/>
+          </a:effectRef>
+          <a:fontRef idx="minor">
+            <a:schemeClr val="lt1"/>
+          </a:fontRef>
+        </p:style>
+        <p:txBody>
+          <a:bodyPr rtlCol="0" anchor="ctr"/>
+          <a:lstStyle/>
+          <a:p>
+            <a:pPr algn="ctr"/>
+            <a:r>
+              <a:rPr lang="en-US" dirty="0" smtClean="0"/>
+              <a:t>Elastic Search Cluster</a:t>
+            </a:r>
+            <a:endParaRPr lang="en-US" dirty="0"/>
+          </a:p>
+        </p:txBody>
+      </p:sp>
+      <p:sp>
+        <p:nvSpPr>
+          <p:cNvPr id="10" name="Rectangle 9"/>
+          <p:cNvSpPr/>
+          <p:nvPr/>
+        </p:nvSpPr>
+        <p:spPr>
+          <a:xfrm>
+            <a:off x="7467600" y="3505200"/>
+            <a:ext cx="1447800" cy="533400"/>
+          </a:xfrm>
+          <a:prstGeom prst="rect">
+            <a:avLst/>
+          </a:prstGeom>
+        </p:spPr>
+        <p:style>
+          <a:lnRef idx="1">
+            <a:schemeClr val="accent3"/>
+          </a:lnRef>
+          <a:fillRef idx="3">
+            <a:schemeClr val="accent3"/>
+          </a:fillRef>
+          <a:effectRef idx="2">
+            <a:schemeClr val="accent3"/>
+          </a:effectRef>
+          <a:fontRef idx="minor">
+            <a:schemeClr val="lt1"/>
+          </a:fontRef>
+        </p:style>
+        <p:txBody>
+          <a:bodyPr rtlCol="0" anchor="ctr"/>
+          <a:lstStyle/>
+          <a:p>
+            <a:pPr algn="ctr"/>
+            <a:r>
+              <a:rPr lang="en-US" dirty="0" smtClean="0"/>
+              <a:t>Query Interface</a:t>
+            </a:r>
+            <a:endParaRPr lang="en-US" dirty="0"/>
+          </a:p>
+        </p:txBody>
+      </p:sp>
+      <p:sp>
+        <p:nvSpPr>
+          <p:cNvPr id="11" name="Rectangle 10"/>
+          <p:cNvSpPr/>
+          <p:nvPr/>
+        </p:nvSpPr>
+        <p:spPr>
+          <a:xfrm>
+            <a:off x="7467600" y="1676400"/>
+            <a:ext cx="1447800" cy="533400"/>
+          </a:xfrm>
+          <a:prstGeom prst="rect">
+            <a:avLst/>
+          </a:prstGeom>
+        </p:spPr>
+        <p:style>
+          <a:lnRef idx="2">
+            <a:schemeClr val="accent1">
+              <a:shade val="50000"/>
+            </a:schemeClr>
+          </a:lnRef>
+          <a:fillRef idx="1">
+            <a:schemeClr val="accent1"/>
+          </a:fillRef>
+          <a:effectRef idx="0">
+            <a:schemeClr val="accent1"/>
+          </a:effectRef>
+          <a:fontRef idx="minor">
+            <a:schemeClr val="lt1"/>
+          </a:fontRef>
+        </p:style>
+        <p:txBody>
+          <a:bodyPr rtlCol="0" anchor="ctr"/>
+          <a:lstStyle/>
+          <a:p>
+            <a:pPr algn="ctr"/>
+            <a:r>
+              <a:rPr lang="en-US" dirty="0" smtClean="0"/>
+              <a:t>Client</a:t>
+            </a:r>
+            <a:endParaRPr lang="en-US" dirty="0"/>
+          </a:p>
+        </p:txBody>
+      </p:sp>
+      <p:sp>
+        <p:nvSpPr>
+          <p:cNvPr id="14" name="TextBox 13"/>
+          <p:cNvSpPr txBox="1"/>
+          <p:nvPr/>
+        </p:nvSpPr>
+        <p:spPr>
+          <a:xfrm>
+            <a:off x="228600" y="5791200"/>
+            <a:ext cx="970137" cy="261610"/>
+          </a:xfrm>
+          <a:prstGeom prst="rect">
+            <a:avLst/>
+          </a:prstGeom>
+          <a:noFill/>
+        </p:spPr>
+        <p:txBody>
+          <a:bodyPr wrap="none" rtlCol="0">
+            <a:spAutoFit/>
+          </a:bodyPr>
+          <a:lstStyle/>
+          <a:p>
+            <a:r>
+              <a:rPr lang="en-US" sz="1100" dirty="0" smtClean="0"/>
+              <a:t>1. Data </a:t>
+            </a:r>
+            <a:r>
+              <a:rPr lang="en-US" sz="1100" dirty="0"/>
+              <a:t>Ingest</a:t>
+            </a:r>
+          </a:p>
+        </p:txBody>
+      </p:sp>
+      <p:sp>
+        <p:nvSpPr>
+          <p:cNvPr id="15" name="TextBox 14"/>
+          <p:cNvSpPr txBox="1"/>
+          <p:nvPr/>
+        </p:nvSpPr>
+        <p:spPr>
+          <a:xfrm>
+            <a:off x="1219200" y="5910590"/>
+            <a:ext cx="1225015" cy="261610"/>
+          </a:xfrm>
+          <a:prstGeom prst="rect">
+            <a:avLst/>
+          </a:prstGeom>
+          <a:noFill/>
+        </p:spPr>
+        <p:txBody>
+          <a:bodyPr wrap="none" rtlCol="0">
+            <a:spAutoFit/>
+          </a:bodyPr>
+          <a:lstStyle/>
+          <a:p>
+            <a:r>
+              <a:rPr lang="en-US" sz="1100" dirty="0"/>
+              <a:t>2</a:t>
+            </a:r>
+            <a:r>
+              <a:rPr lang="en-US" sz="1100" dirty="0" smtClean="0"/>
+              <a:t>. Publish to Store</a:t>
+            </a:r>
+            <a:endParaRPr lang="en-US" sz="1100" dirty="0"/>
+          </a:p>
+        </p:txBody>
+      </p:sp>
+      <p:sp>
+        <p:nvSpPr>
+          <p:cNvPr id="16" name="TextBox 15"/>
+          <p:cNvSpPr txBox="1"/>
+          <p:nvPr/>
+        </p:nvSpPr>
+        <p:spPr>
+          <a:xfrm>
+            <a:off x="1752600" y="5562600"/>
+            <a:ext cx="1438214" cy="261610"/>
+          </a:xfrm>
+          <a:prstGeom prst="rect">
+            <a:avLst/>
+          </a:prstGeom>
+          <a:noFill/>
+        </p:spPr>
+        <p:txBody>
+          <a:bodyPr wrap="none" rtlCol="0">
+            <a:spAutoFit/>
+          </a:bodyPr>
+          <a:lstStyle/>
+          <a:p>
+            <a:r>
+              <a:rPr lang="en-US" sz="1100" dirty="0" smtClean="0"/>
+              <a:t>3. Put queue message</a:t>
+            </a:r>
+            <a:endParaRPr lang="en-US" sz="1100" dirty="0"/>
+          </a:p>
+        </p:txBody>
+      </p:sp>
+      <p:sp>
+        <p:nvSpPr>
+          <p:cNvPr id="19" name="TextBox 18"/>
+          <p:cNvSpPr txBox="1"/>
+          <p:nvPr/>
+        </p:nvSpPr>
+        <p:spPr>
+          <a:xfrm>
+            <a:off x="5867400" y="5257800"/>
+            <a:ext cx="1560042" cy="261610"/>
+          </a:xfrm>
+          <a:prstGeom prst="rect">
+            <a:avLst/>
+          </a:prstGeom>
+          <a:noFill/>
+        </p:spPr>
+        <p:txBody>
+          <a:bodyPr wrap="none" rtlCol="0">
+            <a:spAutoFit/>
+          </a:bodyPr>
+          <a:lstStyle/>
+          <a:p>
+            <a:r>
+              <a:rPr lang="en-US" sz="1100" dirty="0"/>
+              <a:t>4</a:t>
+            </a:r>
+            <a:r>
+              <a:rPr lang="en-US" sz="1100" dirty="0" smtClean="0"/>
+              <a:t>. Fetch queue message</a:t>
+            </a:r>
+            <a:endParaRPr lang="en-US" sz="1100" dirty="0"/>
+          </a:p>
+        </p:txBody>
+      </p:sp>
+      <p:sp>
+        <p:nvSpPr>
+          <p:cNvPr id="21" name="TextBox 20"/>
+          <p:cNvSpPr txBox="1"/>
+          <p:nvPr/>
+        </p:nvSpPr>
+        <p:spPr>
+          <a:xfrm>
+            <a:off x="3581400" y="6367790"/>
+            <a:ext cx="1455848" cy="261610"/>
+          </a:xfrm>
+          <a:prstGeom prst="rect">
+            <a:avLst/>
+          </a:prstGeom>
+          <a:noFill/>
+        </p:spPr>
+        <p:txBody>
+          <a:bodyPr wrap="none" rtlCol="0">
+            <a:spAutoFit/>
+          </a:bodyPr>
+          <a:lstStyle/>
+          <a:p>
+            <a:r>
+              <a:rPr lang="en-US" sz="1100" dirty="0" smtClean="0"/>
+              <a:t>5. Get data from store</a:t>
+            </a:r>
+            <a:endParaRPr lang="en-US" sz="1100" dirty="0"/>
+          </a:p>
+        </p:txBody>
+      </p:sp>
+      <p:sp>
+        <p:nvSpPr>
+          <p:cNvPr id="32" name="TextBox 31"/>
+          <p:cNvSpPr txBox="1"/>
+          <p:nvPr/>
+        </p:nvSpPr>
+        <p:spPr>
+          <a:xfrm>
+            <a:off x="5867400" y="5791200"/>
+            <a:ext cx="1219199" cy="430887"/>
+          </a:xfrm>
+          <a:prstGeom prst="rect">
+            <a:avLst/>
+          </a:prstGeom>
+          <a:noFill/>
+        </p:spPr>
+        <p:txBody>
+          <a:bodyPr wrap="square" rtlCol="0">
+            <a:spAutoFit/>
+          </a:bodyPr>
+          <a:lstStyle/>
+          <a:p>
+            <a:r>
+              <a:rPr lang="en-US" sz="1100" dirty="0"/>
+              <a:t>6</a:t>
+            </a:r>
+            <a:r>
+              <a:rPr lang="en-US" sz="1100" dirty="0" smtClean="0"/>
+              <a:t>. Publish data to ES cluster</a:t>
+            </a:r>
+            <a:endParaRPr lang="en-US" sz="1100" dirty="0"/>
+          </a:p>
+        </p:txBody>
+      </p:sp>
+      <p:sp>
+        <p:nvSpPr>
+          <p:cNvPr id="34" name="TextBox 33"/>
+          <p:cNvSpPr txBox="1"/>
+          <p:nvPr/>
+        </p:nvSpPr>
+        <p:spPr>
+          <a:xfrm>
+            <a:off x="7696200" y="5410200"/>
+            <a:ext cx="1219199" cy="261610"/>
+          </a:xfrm>
+          <a:prstGeom prst="rect">
+            <a:avLst/>
+          </a:prstGeom>
+          <a:noFill/>
+        </p:spPr>
+        <p:txBody>
+          <a:bodyPr wrap="square" rtlCol="0">
+            <a:spAutoFit/>
+          </a:bodyPr>
+          <a:lstStyle/>
+          <a:p>
+            <a:r>
+              <a:rPr lang="en-US" sz="1100" dirty="0"/>
+              <a:t>6</a:t>
+            </a:r>
+            <a:r>
+              <a:rPr lang="en-US" sz="1100" dirty="0" smtClean="0"/>
+              <a:t>. Query Data</a:t>
+            </a:r>
+            <a:endParaRPr lang="en-US" sz="1100" dirty="0"/>
+          </a:p>
+        </p:txBody>
+      </p:sp>
+      <p:sp>
+        <p:nvSpPr>
+          <p:cNvPr id="35" name="TextBox 34"/>
+          <p:cNvSpPr txBox="1"/>
+          <p:nvPr/>
+        </p:nvSpPr>
+        <p:spPr>
+          <a:xfrm>
+            <a:off x="7391400" y="5715000"/>
+            <a:ext cx="1219199" cy="430887"/>
+          </a:xfrm>
+          <a:prstGeom prst="rect">
+            <a:avLst/>
+          </a:prstGeom>
+          <a:noFill/>
+        </p:spPr>
+        <p:txBody>
+          <a:bodyPr wrap="square" rtlCol="0">
+            <a:spAutoFit/>
+          </a:bodyPr>
+          <a:lstStyle/>
+          <a:p>
+            <a:r>
+              <a:rPr lang="en-US" sz="1100" dirty="0" smtClean="0"/>
+              <a:t>7. Search ES for data and return</a:t>
+            </a:r>
+            <a:endParaRPr lang="en-US" sz="1100" dirty="0"/>
+          </a:p>
+        </p:txBody>
+      </p:sp>
+      <p:sp>
+        <p:nvSpPr>
+          <p:cNvPr id="41" name="TextBox 40"/>
+          <p:cNvSpPr txBox="1"/>
+          <p:nvPr/>
+        </p:nvSpPr>
+        <p:spPr>
+          <a:xfrm>
+            <a:off x="3657600" y="5410200"/>
+            <a:ext cx="1219199" cy="600164"/>
+          </a:xfrm>
+          <a:prstGeom prst="rect">
+            <a:avLst/>
+          </a:prstGeom>
+          <a:noFill/>
+        </p:spPr>
+        <p:txBody>
+          <a:bodyPr wrap="square" rtlCol="0">
+            <a:spAutoFit/>
+          </a:bodyPr>
+          <a:lstStyle/>
+          <a:p>
+            <a:r>
+              <a:rPr lang="en-US" sz="1100" dirty="0" smtClean="0"/>
+              <a:t>8. Failed Query – put in Queue for checking in store</a:t>
+            </a:r>
+            <a:endParaRPr lang="en-US" sz="1100" dirty="0"/>
+          </a:p>
+        </p:txBody>
+      </p:sp>
+      <p:cxnSp>
+        <p:nvCxnSpPr>
+          <p:cNvPr id="42" name="Straight Arrow Connector 41"/>
+          <p:cNvCxnSpPr>
+            <a:stCxn id="4" idx="2"/>
+            <a:endCxn id="5" idx="0"/>
+          </p:cNvCxnSpPr>
+          <p:nvPr/>
+        </p:nvCxnSpPr>
+        <p:spPr>
+          <a:xfrm>
+            <a:off x="2400300" y="1295400"/>
+            <a:ext cx="0" cy="990600"/>
+          </a:xfrm>
+          <a:prstGeom prst="straightConnector1">
+            <a:avLst/>
+          </a:prstGeom>
+          <a:ln>
+            <a:tailEnd type="arrow"/>
+          </a:ln>
+        </p:spPr>
+        <p:style>
+          <a:lnRef idx="1">
+            <a:schemeClr val="accent1"/>
+          </a:lnRef>
+          <a:fillRef idx="0">
+            <a:schemeClr val="accent1"/>
+          </a:fillRef>
+          <a:effectRef idx="0">
+            <a:schemeClr val="accent1"/>
+          </a:effectRef>
+          <a:fontRef idx="minor">
+            <a:schemeClr val="tx1"/>
+          </a:fontRef>
+        </p:style>
+      </p:cxnSp>
+      <p:cxnSp>
+        <p:nvCxnSpPr>
+          <p:cNvPr id="44" name="Shape 43"/>
+          <p:cNvCxnSpPr>
+            <a:stCxn id="5" idx="1"/>
+          </p:cNvCxnSpPr>
+          <p:nvPr/>
+        </p:nvCxnSpPr>
+        <p:spPr>
+          <a:xfrm rot="10800000" flipV="1">
+            <a:off x="1066800" y="2552700"/>
+            <a:ext cx="609600" cy="876300"/>
+          </a:xfrm>
+          <a:prstGeom prst="bentConnector2">
+            <a:avLst/>
+          </a:prstGeom>
+          <a:ln>
+            <a:tailEnd type="arrow"/>
+          </a:ln>
+        </p:spPr>
+        <p:style>
+          <a:lnRef idx="1">
+            <a:schemeClr val="accent1"/>
+          </a:lnRef>
+          <a:fillRef idx="0">
+            <a:schemeClr val="accent1"/>
+          </a:fillRef>
+          <a:effectRef idx="0">
+            <a:schemeClr val="accent1"/>
+          </a:effectRef>
+          <a:fontRef idx="minor">
+            <a:schemeClr val="tx1"/>
+          </a:fontRef>
+        </p:style>
+      </p:cxnSp>
+      <p:cxnSp>
+        <p:nvCxnSpPr>
+          <p:cNvPr id="46" name="Shape 45"/>
+          <p:cNvCxnSpPr>
+            <a:stCxn id="5" idx="2"/>
+            <a:endCxn id="9" idx="0"/>
+          </p:cNvCxnSpPr>
+          <p:nvPr/>
+        </p:nvCxnSpPr>
+        <p:spPr>
+          <a:xfrm rot="16200000" flipH="1">
+            <a:off x="2667000" y="2552700"/>
+            <a:ext cx="685800" cy="1219200"/>
+          </a:xfrm>
+          <a:prstGeom prst="bentConnector3">
+            <a:avLst>
+              <a:gd name="adj1" fmla="val 50000"/>
+            </a:avLst>
+          </a:prstGeom>
+          <a:ln>
+            <a:tailEnd type="arrow"/>
+          </a:ln>
+        </p:spPr>
+        <p:style>
+          <a:lnRef idx="1">
+            <a:schemeClr val="accent1"/>
+          </a:lnRef>
+          <a:fillRef idx="0">
+            <a:schemeClr val="accent1"/>
+          </a:fillRef>
+          <a:effectRef idx="0">
+            <a:schemeClr val="accent1"/>
+          </a:effectRef>
+          <a:fontRef idx="minor">
+            <a:schemeClr val="tx1"/>
+          </a:fontRef>
+        </p:style>
+      </p:cxnSp>
+      <p:cxnSp>
+        <p:nvCxnSpPr>
+          <p:cNvPr id="49" name="Straight Arrow Connector 48"/>
+          <p:cNvCxnSpPr>
+            <a:stCxn id="5" idx="3"/>
+            <a:endCxn id="7" idx="1"/>
+          </p:cNvCxnSpPr>
+          <p:nvPr/>
+        </p:nvCxnSpPr>
+        <p:spPr>
+          <a:xfrm>
+            <a:off x="3124200" y="2552700"/>
+            <a:ext cx="762000" cy="0"/>
+          </a:xfrm>
+          <a:prstGeom prst="straightConnector1">
+            <a:avLst/>
+          </a:prstGeom>
+          <a:ln>
+            <a:tailEnd type="arrow"/>
+          </a:ln>
+        </p:spPr>
+        <p:style>
+          <a:lnRef idx="1">
+            <a:schemeClr val="accent1"/>
+          </a:lnRef>
+          <a:fillRef idx="0">
+            <a:schemeClr val="accent1"/>
+          </a:fillRef>
+          <a:effectRef idx="0">
+            <a:schemeClr val="accent1"/>
+          </a:effectRef>
+          <a:fontRef idx="minor">
+            <a:schemeClr val="tx1"/>
+          </a:fontRef>
+        </p:style>
+      </p:cxnSp>
+      <p:cxnSp>
+        <p:nvCxnSpPr>
+          <p:cNvPr id="51" name="Shape 50"/>
+          <p:cNvCxnSpPr>
+            <a:stCxn id="8" idx="0"/>
+            <a:endCxn id="7" idx="3"/>
+          </p:cNvCxnSpPr>
+          <p:nvPr/>
+        </p:nvCxnSpPr>
+        <p:spPr>
+          <a:xfrm rot="16200000" flipV="1">
+            <a:off x="5257800" y="2628900"/>
+            <a:ext cx="952500" cy="800100"/>
+          </a:xfrm>
+          <a:prstGeom prst="bentConnector2">
+            <a:avLst/>
+          </a:prstGeom>
+          <a:ln>
+            <a:tailEnd type="arrow"/>
+          </a:ln>
+        </p:spPr>
+        <p:style>
+          <a:lnRef idx="1">
+            <a:schemeClr val="accent1"/>
+          </a:lnRef>
+          <a:fillRef idx="0">
+            <a:schemeClr val="accent1"/>
+          </a:fillRef>
+          <a:effectRef idx="0">
+            <a:schemeClr val="accent1"/>
+          </a:effectRef>
+          <a:fontRef idx="minor">
+            <a:schemeClr val="tx1"/>
+          </a:fontRef>
+        </p:style>
+      </p:cxnSp>
+      <p:cxnSp>
+        <p:nvCxnSpPr>
+          <p:cNvPr id="53" name="Elbow Connector 52"/>
+          <p:cNvCxnSpPr>
+            <a:stCxn id="8" idx="2"/>
+            <a:endCxn id="6" idx="2"/>
+          </p:cNvCxnSpPr>
+          <p:nvPr/>
+        </p:nvCxnSpPr>
+        <p:spPr>
+          <a:xfrm rot="5400000">
+            <a:off x="3695700" y="1600200"/>
+            <a:ext cx="12700" cy="4876800"/>
+          </a:xfrm>
+          <a:prstGeom prst="bentConnector3">
+            <a:avLst>
+              <a:gd name="adj1" fmla="val 4639435"/>
+            </a:avLst>
+          </a:prstGeom>
+          <a:ln>
+            <a:tailEnd type="arrow"/>
+          </a:ln>
+        </p:spPr>
+        <p:style>
+          <a:lnRef idx="1">
+            <a:schemeClr val="accent1"/>
+          </a:lnRef>
+          <a:fillRef idx="0">
+            <a:schemeClr val="accent1"/>
+          </a:fillRef>
+          <a:effectRef idx="0">
+            <a:schemeClr val="accent1"/>
+          </a:effectRef>
+          <a:fontRef idx="minor">
+            <a:schemeClr val="tx1"/>
+          </a:fontRef>
+        </p:style>
+      </p:cxnSp>
+      <p:sp>
+        <p:nvSpPr>
+          <p:cNvPr id="55" name="Rounded Rectangle 54"/>
+          <p:cNvSpPr/>
+          <p:nvPr/>
+        </p:nvSpPr>
+        <p:spPr>
+          <a:xfrm>
+            <a:off x="5410200" y="3581400"/>
+            <a:ext cx="381000" cy="228600"/>
+          </a:xfrm>
+          <a:prstGeom prst="roundRect">
+            <a:avLst/>
+          </a:prstGeom>
+        </p:spPr>
+        <p:style>
+          <a:lnRef idx="2">
+            <a:schemeClr val="accent1">
+              <a:shade val="50000"/>
+            </a:schemeClr>
+          </a:lnRef>
+          <a:fillRef idx="1">
+            <a:schemeClr val="accent1"/>
+          </a:fillRef>
+          <a:effectRef idx="0">
+            <a:schemeClr val="accent1"/>
+          </a:effectRef>
+          <a:fontRef idx="minor">
+            <a:schemeClr val="lt1"/>
+          </a:fontRef>
+        </p:style>
+        <p:txBody>
+          <a:bodyPr rtlCol="0" anchor="ctr"/>
+          <a:lstStyle/>
+          <a:p>
+            <a:pPr algn="ctr"/>
+            <a:r>
+              <a:rPr lang="en-US" sz="400" dirty="0" err="1" smtClean="0"/>
+              <a:t>EHCache</a:t>
+            </a:r>
+            <a:endParaRPr lang="en-US" sz="400" dirty="0"/>
+          </a:p>
+        </p:txBody>
+      </p:sp>
+      <p:cxnSp>
+        <p:nvCxnSpPr>
+          <p:cNvPr id="57" name="Straight Arrow Connector 56"/>
+          <p:cNvCxnSpPr>
+            <a:stCxn id="11" idx="2"/>
+            <a:endCxn id="10" idx="0"/>
+          </p:cNvCxnSpPr>
+          <p:nvPr/>
+        </p:nvCxnSpPr>
+        <p:spPr>
+          <a:xfrm>
+            <a:off x="8191500" y="2209800"/>
+            <a:ext cx="0" cy="1295400"/>
+          </a:xfrm>
+          <a:prstGeom prst="straightConnector1">
+            <a:avLst/>
+          </a:prstGeom>
+          <a:ln>
+            <a:tailEnd type="arrow"/>
+          </a:ln>
+        </p:spPr>
+        <p:style>
+          <a:lnRef idx="1">
+            <a:schemeClr val="accent1"/>
+          </a:lnRef>
+          <a:fillRef idx="0">
+            <a:schemeClr val="accent1"/>
+          </a:fillRef>
+          <a:effectRef idx="0">
+            <a:schemeClr val="accent1"/>
+          </a:effectRef>
+          <a:fontRef idx="minor">
+            <a:schemeClr val="tx1"/>
+          </a:fontRef>
+        </p:style>
+      </p:cxnSp>
+      <p:cxnSp>
+        <p:nvCxnSpPr>
+          <p:cNvPr id="59" name="Elbow Connector 58"/>
+          <p:cNvCxnSpPr>
+            <a:stCxn id="10" idx="2"/>
+            <a:endCxn id="9" idx="2"/>
+          </p:cNvCxnSpPr>
+          <p:nvPr/>
+        </p:nvCxnSpPr>
+        <p:spPr>
+          <a:xfrm rot="5400000">
+            <a:off x="5905500" y="1752600"/>
+            <a:ext cx="12700" cy="4572000"/>
+          </a:xfrm>
+          <a:prstGeom prst="bentConnector3">
+            <a:avLst>
+              <a:gd name="adj1" fmla="val 7884506"/>
+            </a:avLst>
+          </a:prstGeom>
+          <a:ln>
+            <a:tailEnd type="arrow"/>
+          </a:ln>
+        </p:spPr>
+        <p:style>
+          <a:lnRef idx="1">
+            <a:schemeClr val="accent1"/>
+          </a:lnRef>
+          <a:fillRef idx="0">
+            <a:schemeClr val="accent1"/>
+          </a:fillRef>
+          <a:effectRef idx="0">
+            <a:schemeClr val="accent1"/>
+          </a:effectRef>
+          <a:fontRef idx="minor">
+            <a:schemeClr val="tx1"/>
+          </a:fontRef>
+        </p:style>
+      </p:cxnSp>
+      <p:cxnSp>
+        <p:nvCxnSpPr>
+          <p:cNvPr id="62" name="Straight Arrow Connector 61"/>
+          <p:cNvCxnSpPr>
+            <a:stCxn id="10" idx="1"/>
+            <a:endCxn id="8" idx="3"/>
+          </p:cNvCxnSpPr>
+          <p:nvPr/>
+        </p:nvCxnSpPr>
+        <p:spPr>
+          <a:xfrm flipH="1">
+            <a:off x="6858000" y="3771900"/>
+            <a:ext cx="609600" cy="0"/>
+          </a:xfrm>
+          <a:prstGeom prst="straightConnector1">
+            <a:avLst/>
+          </a:prstGeom>
+          <a:ln>
+            <a:tailEnd type="arrow"/>
+          </a:ln>
+        </p:spPr>
+        <p:style>
+          <a:lnRef idx="1">
+            <a:schemeClr val="accent1"/>
+          </a:lnRef>
+          <a:fillRef idx="0">
+            <a:schemeClr val="accent1"/>
+          </a:fillRef>
+          <a:effectRef idx="0">
+            <a:schemeClr val="accent1"/>
+          </a:effectRef>
+          <a:fontRef idx="minor">
+            <a:schemeClr val="tx1"/>
+          </a:fontRef>
+        </p:style>
+      </p:cxnSp>
     </p:spTree>
   </p:cSld>
   <p:clrMapOvr>
